--- a/folien/Semester_04_Termin_04_Kapitel12.pptx
+++ b/folien/Semester_04_Termin_04_Kapitel12.pptx
@@ -172,6 +172,36 @@
       </a:defRPr>
     </a:lvl9pPr>
   </p:defaultTextStyle>
+  <p:extLst>
+    <p:ext uri="{EFAFB233-063F-42B5-8137-9DF3F51BA10A}">
+      <p15:sldGuideLst xmlns:p15="http://schemas.microsoft.com/office/powerpoint/2012/main">
+        <p15:guide id="1" orient="horz" pos="2160">
+          <p15:clr>
+            <a:srgbClr val="A4A3A4"/>
+          </p15:clr>
+        </p15:guide>
+        <p15:guide id="2" pos="2880">
+          <p15:clr>
+            <a:srgbClr val="A4A3A4"/>
+          </p15:clr>
+        </p15:guide>
+      </p15:sldGuideLst>
+    </p:ext>
+    <p:ext uri="{2D200454-40CA-4A62-9FC3-DE9A4176ACB9}">
+      <p15:notesGuideLst xmlns:p15="http://schemas.microsoft.com/office/powerpoint/2012/main">
+        <p15:guide id="1" orient="horz" pos="2880">
+          <p15:clr>
+            <a:srgbClr val="A4A3A4"/>
+          </p15:clr>
+        </p15:guide>
+        <p15:guide id="2" pos="2160">
+          <p15:clr>
+            <a:srgbClr val="A4A3A4"/>
+          </p15:clr>
+        </p15:guide>
+      </p15:notesGuideLst>
+    </p:ext>
+  </p:extLst>
 </p:presentation>
 </file>
 
@@ -204,7 +234,7 @@
         <p:nvSpPr>
           <p:cNvPr id="2050" name="Rectangle 1"/>
           <p:cNvSpPr>
-            <a:spLocks noGrp="1" noChangeArrowheads="1"/>
+            <a:spLocks noGrp="1" noRot="1" noChangeAspect="1" noChangeArrowheads="1"/>
           </p:cNvSpPr>
           <p:nvPr>
             <p:ph type="sldImg"/>
@@ -253,14 +283,14 @@
           <a:effectLst/>
           <a:extLst>
             <a:ext uri="{909E8E84-426E-40DD-AFC4-6F175D3DCCD1}">
-              <a14:hiddenFill xmlns:a14="http://schemas.microsoft.com/office/drawing/2010/main" xmlns="">
+              <a14:hiddenFill xmlns:a14="http://schemas.microsoft.com/office/drawing/2010/main">
                 <a:solidFill>
                   <a:srgbClr val="FFFFFF"/>
                 </a:solidFill>
               </a14:hiddenFill>
             </a:ext>
             <a:ext uri="{91240B29-F687-4F45-9708-019B960494DF}">
-              <a14:hiddenLine xmlns:a14="http://schemas.microsoft.com/office/drawing/2010/main" xmlns="" w="9525">
+              <a14:hiddenLine xmlns:a14="http://schemas.microsoft.com/office/drawing/2010/main" w="9525">
                 <a:solidFill>
                   <a:srgbClr val="000000"/>
                 </a:solidFill>
@@ -270,7 +300,7 @@
               </a14:hiddenLine>
             </a:ext>
             <a:ext uri="{AF507438-7753-43E0-B8FC-AC1667EBCBE1}">
-              <a14:hiddenEffects xmlns:a14="http://schemas.microsoft.com/office/drawing/2010/main" xmlns="">
+              <a14:hiddenEffects xmlns:a14="http://schemas.microsoft.com/office/drawing/2010/main">
                 <a:effectLst>
                   <a:outerShdw dist="35921" dir="2700000" algn="ctr" rotWithShape="0">
                     <a:schemeClr val="bg2"/>
@@ -318,14 +348,14 @@
           <a:effectLst/>
           <a:extLst>
             <a:ext uri="{909E8E84-426E-40DD-AFC4-6F175D3DCCD1}">
-              <a14:hiddenFill xmlns:a14="http://schemas.microsoft.com/office/drawing/2010/main" xmlns="">
+              <a14:hiddenFill xmlns:a14="http://schemas.microsoft.com/office/drawing/2010/main">
                 <a:solidFill>
                   <a:srgbClr val="FFFFFF"/>
                 </a:solidFill>
               </a14:hiddenFill>
             </a:ext>
             <a:ext uri="{91240B29-F687-4F45-9708-019B960494DF}">
-              <a14:hiddenLine xmlns:a14="http://schemas.microsoft.com/office/drawing/2010/main" xmlns="" w="9525">
+              <a14:hiddenLine xmlns:a14="http://schemas.microsoft.com/office/drawing/2010/main" w="9525">
                 <a:solidFill>
                   <a:srgbClr val="000000"/>
                 </a:solidFill>
@@ -335,7 +365,7 @@
               </a14:hiddenLine>
             </a:ext>
             <a:ext uri="{AF507438-7753-43E0-B8FC-AC1667EBCBE1}">
-              <a14:hiddenEffects xmlns:a14="http://schemas.microsoft.com/office/drawing/2010/main" xmlns="">
+              <a14:hiddenEffects xmlns:a14="http://schemas.microsoft.com/office/drawing/2010/main">
                 <a:effectLst>
                   <a:outerShdw dist="35921" dir="2700000" algn="ctr" rotWithShape="0">
                     <a:schemeClr val="bg2"/>
@@ -410,14 +440,14 @@
           <a:effectLst/>
           <a:extLst>
             <a:ext uri="{909E8E84-426E-40DD-AFC4-6F175D3DCCD1}">
-              <a14:hiddenFill xmlns:a14="http://schemas.microsoft.com/office/drawing/2010/main" xmlns="">
+              <a14:hiddenFill xmlns:a14="http://schemas.microsoft.com/office/drawing/2010/main">
                 <a:solidFill>
                   <a:srgbClr val="FFFFFF"/>
                 </a:solidFill>
               </a14:hiddenFill>
             </a:ext>
             <a:ext uri="{91240B29-F687-4F45-9708-019B960494DF}">
-              <a14:hiddenLine xmlns:a14="http://schemas.microsoft.com/office/drawing/2010/main" xmlns="" w="9525">
+              <a14:hiddenLine xmlns:a14="http://schemas.microsoft.com/office/drawing/2010/main" w="9525">
                 <a:solidFill>
                   <a:srgbClr val="000000"/>
                 </a:solidFill>
@@ -427,7 +457,7 @@
               </a14:hiddenLine>
             </a:ext>
             <a:ext uri="{AF507438-7753-43E0-B8FC-AC1667EBCBE1}">
-              <a14:hiddenEffects xmlns:a14="http://schemas.microsoft.com/office/drawing/2010/main" xmlns="">
+              <a14:hiddenEffects xmlns:a14="http://schemas.microsoft.com/office/drawing/2010/main">
                 <a:effectLst>
                   <a:outerShdw dist="35921" dir="2700000" algn="ctr" rotWithShape="0">
                     <a:schemeClr val="bg2"/>
@@ -502,14 +532,14 @@
           <a:effectLst/>
           <a:extLst>
             <a:ext uri="{909E8E84-426E-40DD-AFC4-6F175D3DCCD1}">
-              <a14:hiddenFill xmlns:a14="http://schemas.microsoft.com/office/drawing/2010/main" xmlns="">
+              <a14:hiddenFill xmlns:a14="http://schemas.microsoft.com/office/drawing/2010/main">
                 <a:solidFill>
                   <a:srgbClr val="FFFFFF"/>
                 </a:solidFill>
               </a14:hiddenFill>
             </a:ext>
             <a:ext uri="{91240B29-F687-4F45-9708-019B960494DF}">
-              <a14:hiddenLine xmlns:a14="http://schemas.microsoft.com/office/drawing/2010/main" xmlns="" w="9525">
+              <a14:hiddenLine xmlns:a14="http://schemas.microsoft.com/office/drawing/2010/main" w="9525">
                 <a:solidFill>
                   <a:srgbClr val="000000"/>
                 </a:solidFill>
@@ -519,7 +549,7 @@
               </a14:hiddenLine>
             </a:ext>
             <a:ext uri="{AF507438-7753-43E0-B8FC-AC1667EBCBE1}">
-              <a14:hiddenEffects xmlns:a14="http://schemas.microsoft.com/office/drawing/2010/main" xmlns="">
+              <a14:hiddenEffects xmlns:a14="http://schemas.microsoft.com/office/drawing/2010/main">
                 <a:effectLst>
                   <a:outerShdw dist="35921" dir="2700000" algn="ctr" rotWithShape="0">
                     <a:schemeClr val="bg2"/>
@@ -594,14 +624,14 @@
           <a:effectLst/>
           <a:extLst>
             <a:ext uri="{909E8E84-426E-40DD-AFC4-6F175D3DCCD1}">
-              <a14:hiddenFill xmlns:a14="http://schemas.microsoft.com/office/drawing/2010/main" xmlns="">
+              <a14:hiddenFill xmlns:a14="http://schemas.microsoft.com/office/drawing/2010/main">
                 <a:solidFill>
                   <a:srgbClr val="FFFFFF"/>
                 </a:solidFill>
               </a14:hiddenFill>
             </a:ext>
             <a:ext uri="{91240B29-F687-4F45-9708-019B960494DF}">
-              <a14:hiddenLine xmlns:a14="http://schemas.microsoft.com/office/drawing/2010/main" xmlns="" w="9525">
+              <a14:hiddenLine xmlns:a14="http://schemas.microsoft.com/office/drawing/2010/main" w="9525">
                 <a:solidFill>
                   <a:srgbClr val="000000"/>
                 </a:solidFill>
@@ -611,7 +641,7 @@
               </a14:hiddenLine>
             </a:ext>
             <a:ext uri="{AF507438-7753-43E0-B8FC-AC1667EBCBE1}">
-              <a14:hiddenEffects xmlns:a14="http://schemas.microsoft.com/office/drawing/2010/main" xmlns="">
+              <a14:hiddenEffects xmlns:a14="http://schemas.microsoft.com/office/drawing/2010/main">
                 <a:effectLst>
                   <a:outerShdw dist="35921" dir="2700000" algn="ctr" rotWithShape="0">
                     <a:schemeClr val="bg2"/>
@@ -663,6 +693,11 @@
         </p:txBody>
       </p:sp>
     </p:spTree>
+    <p:extLst>
+      <p:ext uri="{BB962C8B-B14F-4D97-AF65-F5344CB8AC3E}">
+        <p14:creationId xmlns:p14="http://schemas.microsoft.com/office/powerpoint/2010/main" val="2025780962"/>
+      </p:ext>
+    </p:extLst>
   </p:cSld>
   <p:clrMap bg1="lt1" tx1="dk1" bg2="lt2" tx2="dk2" accent1="accent1" accent2="accent2" accent3="accent3" accent4="accent4" accent5="accent5" accent6="accent6" hlink="hlink" folHlink="folHlink"/>
   <p:notesStyle>
@@ -875,7 +910,7 @@
         <p:nvSpPr>
           <p:cNvPr id="4099" name="Rectangle 1"/>
           <p:cNvSpPr>
-            <a:spLocks noChangeArrowheads="1" noTextEdit="1"/>
+            <a:spLocks noGrp="1" noRot="1" noChangeAspect="1" noChangeArrowheads="1" noTextEdit="1"/>
           </p:cNvSpPr>
           <p:nvPr>
             <p:ph type="sldImg"/>
@@ -901,7 +936,7 @@
         <p:nvSpPr>
           <p:cNvPr id="4100" name="Rectangle 2"/>
           <p:cNvSpPr>
-            <a:spLocks noChangeArrowheads="1"/>
+            <a:spLocks noGrp="1" noChangeArrowheads="1"/>
           </p:cNvSpPr>
           <p:nvPr>
             <p:ph type="body" idx="1"/>
@@ -925,6 +960,11 @@
         </p:txBody>
       </p:sp>
     </p:spTree>
+    <p:extLst>
+      <p:ext uri="{BB962C8B-B14F-4D97-AF65-F5344CB8AC3E}">
+        <p14:creationId xmlns:p14="http://schemas.microsoft.com/office/powerpoint/2010/main" val="1810478657"/>
+      </p:ext>
+    </p:extLst>
   </p:cSld>
   <p:clrMapOvr>
     <a:masterClrMapping/>
@@ -992,7 +1032,7 @@
         <p:nvSpPr>
           <p:cNvPr id="22531" name="Rectangle 1"/>
           <p:cNvSpPr>
-            <a:spLocks noChangeArrowheads="1" noTextEdit="1"/>
+            <a:spLocks noGrp="1" noRot="1" noChangeAspect="1" noChangeArrowheads="1" noTextEdit="1"/>
           </p:cNvSpPr>
           <p:nvPr>
             <p:ph type="sldImg"/>
@@ -1018,7 +1058,7 @@
         <p:nvSpPr>
           <p:cNvPr id="22532" name="Rectangle 2"/>
           <p:cNvSpPr>
-            <a:spLocks noChangeArrowheads="1"/>
+            <a:spLocks noGrp="1" noChangeArrowheads="1"/>
           </p:cNvSpPr>
           <p:nvPr>
             <p:ph type="body" idx="1"/>
@@ -1042,6 +1082,11 @@
         </p:txBody>
       </p:sp>
     </p:spTree>
+    <p:extLst>
+      <p:ext uri="{BB962C8B-B14F-4D97-AF65-F5344CB8AC3E}">
+        <p14:creationId xmlns:p14="http://schemas.microsoft.com/office/powerpoint/2010/main" val="530364005"/>
+      </p:ext>
+    </p:extLst>
   </p:cSld>
   <p:clrMapOvr>
     <a:masterClrMapping/>
@@ -1109,7 +1154,7 @@
         <p:nvSpPr>
           <p:cNvPr id="24579" name="Rectangle 1"/>
           <p:cNvSpPr>
-            <a:spLocks noChangeArrowheads="1" noTextEdit="1"/>
+            <a:spLocks noGrp="1" noRot="1" noChangeAspect="1" noChangeArrowheads="1" noTextEdit="1"/>
           </p:cNvSpPr>
           <p:nvPr>
             <p:ph type="sldImg"/>
@@ -1135,7 +1180,7 @@
         <p:nvSpPr>
           <p:cNvPr id="24580" name="Rectangle 2"/>
           <p:cNvSpPr>
-            <a:spLocks noChangeArrowheads="1"/>
+            <a:spLocks noGrp="1" noChangeArrowheads="1"/>
           </p:cNvSpPr>
           <p:nvPr>
             <p:ph type="body" idx="1"/>
@@ -1159,6 +1204,11 @@
         </p:txBody>
       </p:sp>
     </p:spTree>
+    <p:extLst>
+      <p:ext uri="{BB962C8B-B14F-4D97-AF65-F5344CB8AC3E}">
+        <p14:creationId xmlns:p14="http://schemas.microsoft.com/office/powerpoint/2010/main" val="2477818508"/>
+      </p:ext>
+    </p:extLst>
   </p:cSld>
   <p:clrMapOvr>
     <a:masterClrMapping/>
@@ -1226,7 +1276,7 @@
         <p:nvSpPr>
           <p:cNvPr id="26627" name="Rectangle 1"/>
           <p:cNvSpPr>
-            <a:spLocks noChangeArrowheads="1" noTextEdit="1"/>
+            <a:spLocks noGrp="1" noRot="1" noChangeAspect="1" noChangeArrowheads="1" noTextEdit="1"/>
           </p:cNvSpPr>
           <p:nvPr>
             <p:ph type="sldImg"/>
@@ -1252,7 +1302,7 @@
         <p:nvSpPr>
           <p:cNvPr id="26628" name="Rectangle 2"/>
           <p:cNvSpPr>
-            <a:spLocks noChangeArrowheads="1"/>
+            <a:spLocks noGrp="1" noChangeArrowheads="1"/>
           </p:cNvSpPr>
           <p:nvPr>
             <p:ph type="body" idx="1"/>
@@ -1276,6 +1326,11 @@
         </p:txBody>
       </p:sp>
     </p:spTree>
+    <p:extLst>
+      <p:ext uri="{BB962C8B-B14F-4D97-AF65-F5344CB8AC3E}">
+        <p14:creationId xmlns:p14="http://schemas.microsoft.com/office/powerpoint/2010/main" val="69222621"/>
+      </p:ext>
+    </p:extLst>
   </p:cSld>
   <p:clrMapOvr>
     <a:masterClrMapping/>
@@ -1343,7 +1398,7 @@
         <p:nvSpPr>
           <p:cNvPr id="28675" name="Rectangle 1"/>
           <p:cNvSpPr>
-            <a:spLocks noChangeArrowheads="1" noTextEdit="1"/>
+            <a:spLocks noGrp="1" noRot="1" noChangeAspect="1" noChangeArrowheads="1" noTextEdit="1"/>
           </p:cNvSpPr>
           <p:nvPr>
             <p:ph type="sldImg"/>
@@ -1369,7 +1424,7 @@
         <p:nvSpPr>
           <p:cNvPr id="28676" name="Rectangle 2"/>
           <p:cNvSpPr>
-            <a:spLocks noChangeArrowheads="1"/>
+            <a:spLocks noGrp="1" noChangeArrowheads="1"/>
           </p:cNvSpPr>
           <p:nvPr>
             <p:ph type="body" idx="1"/>
@@ -1393,6 +1448,11 @@
         </p:txBody>
       </p:sp>
     </p:spTree>
+    <p:extLst>
+      <p:ext uri="{BB962C8B-B14F-4D97-AF65-F5344CB8AC3E}">
+        <p14:creationId xmlns:p14="http://schemas.microsoft.com/office/powerpoint/2010/main" val="3114346541"/>
+      </p:ext>
+    </p:extLst>
   </p:cSld>
   <p:clrMapOvr>
     <a:masterClrMapping/>
@@ -1460,7 +1520,7 @@
         <p:nvSpPr>
           <p:cNvPr id="30723" name="Rectangle 1"/>
           <p:cNvSpPr>
-            <a:spLocks noChangeArrowheads="1" noTextEdit="1"/>
+            <a:spLocks noGrp="1" noRot="1" noChangeAspect="1" noChangeArrowheads="1" noTextEdit="1"/>
           </p:cNvSpPr>
           <p:nvPr>
             <p:ph type="sldImg"/>
@@ -1486,7 +1546,7 @@
         <p:nvSpPr>
           <p:cNvPr id="30724" name="Rectangle 2"/>
           <p:cNvSpPr>
-            <a:spLocks noChangeArrowheads="1"/>
+            <a:spLocks noGrp="1" noChangeArrowheads="1"/>
           </p:cNvSpPr>
           <p:nvPr>
             <p:ph type="body" idx="1"/>
@@ -1510,6 +1570,11 @@
         </p:txBody>
       </p:sp>
     </p:spTree>
+    <p:extLst>
+      <p:ext uri="{BB962C8B-B14F-4D97-AF65-F5344CB8AC3E}">
+        <p14:creationId xmlns:p14="http://schemas.microsoft.com/office/powerpoint/2010/main" val="1292468432"/>
+      </p:ext>
+    </p:extLst>
   </p:cSld>
   <p:clrMapOvr>
     <a:masterClrMapping/>
@@ -1577,7 +1642,7 @@
         <p:nvSpPr>
           <p:cNvPr id="32771" name="Rectangle 1"/>
           <p:cNvSpPr>
-            <a:spLocks noChangeArrowheads="1" noTextEdit="1"/>
+            <a:spLocks noGrp="1" noRot="1" noChangeAspect="1" noChangeArrowheads="1" noTextEdit="1"/>
           </p:cNvSpPr>
           <p:nvPr>
             <p:ph type="sldImg"/>
@@ -1603,7 +1668,7 @@
         <p:nvSpPr>
           <p:cNvPr id="32772" name="Rectangle 2"/>
           <p:cNvSpPr>
-            <a:spLocks noChangeArrowheads="1"/>
+            <a:spLocks noGrp="1" noChangeArrowheads="1"/>
           </p:cNvSpPr>
           <p:nvPr>
             <p:ph type="body" idx="1"/>
@@ -1627,6 +1692,11 @@
         </p:txBody>
       </p:sp>
     </p:spTree>
+    <p:extLst>
+      <p:ext uri="{BB962C8B-B14F-4D97-AF65-F5344CB8AC3E}">
+        <p14:creationId xmlns:p14="http://schemas.microsoft.com/office/powerpoint/2010/main" val="802767215"/>
+      </p:ext>
+    </p:extLst>
   </p:cSld>
   <p:clrMapOvr>
     <a:masterClrMapping/>
@@ -1694,7 +1764,7 @@
         <p:nvSpPr>
           <p:cNvPr id="34819" name="Rectangle 1"/>
           <p:cNvSpPr>
-            <a:spLocks noChangeArrowheads="1" noTextEdit="1"/>
+            <a:spLocks noGrp="1" noRot="1" noChangeAspect="1" noChangeArrowheads="1" noTextEdit="1"/>
           </p:cNvSpPr>
           <p:nvPr>
             <p:ph type="sldImg"/>
@@ -1720,7 +1790,7 @@
         <p:nvSpPr>
           <p:cNvPr id="34820" name="Rectangle 2"/>
           <p:cNvSpPr>
-            <a:spLocks noChangeArrowheads="1"/>
+            <a:spLocks noGrp="1" noChangeArrowheads="1"/>
           </p:cNvSpPr>
           <p:nvPr>
             <p:ph type="body" idx="1"/>
@@ -1744,6 +1814,11 @@
         </p:txBody>
       </p:sp>
     </p:spTree>
+    <p:extLst>
+      <p:ext uri="{BB962C8B-B14F-4D97-AF65-F5344CB8AC3E}">
+        <p14:creationId xmlns:p14="http://schemas.microsoft.com/office/powerpoint/2010/main" val="1042719044"/>
+      </p:ext>
+    </p:extLst>
   </p:cSld>
   <p:clrMapOvr>
     <a:masterClrMapping/>
@@ -1811,7 +1886,7 @@
         <p:nvSpPr>
           <p:cNvPr id="36867" name="Rectangle 1"/>
           <p:cNvSpPr>
-            <a:spLocks noChangeArrowheads="1" noTextEdit="1"/>
+            <a:spLocks noGrp="1" noRot="1" noChangeAspect="1" noChangeArrowheads="1" noTextEdit="1"/>
           </p:cNvSpPr>
           <p:nvPr>
             <p:ph type="sldImg"/>
@@ -1837,7 +1912,7 @@
         <p:nvSpPr>
           <p:cNvPr id="36868" name="Rectangle 2"/>
           <p:cNvSpPr>
-            <a:spLocks noChangeArrowheads="1"/>
+            <a:spLocks noGrp="1" noChangeArrowheads="1"/>
           </p:cNvSpPr>
           <p:nvPr>
             <p:ph type="body" idx="1"/>
@@ -1861,6 +1936,11 @@
         </p:txBody>
       </p:sp>
     </p:spTree>
+    <p:extLst>
+      <p:ext uri="{BB962C8B-B14F-4D97-AF65-F5344CB8AC3E}">
+        <p14:creationId xmlns:p14="http://schemas.microsoft.com/office/powerpoint/2010/main" val="1682183859"/>
+      </p:ext>
+    </p:extLst>
   </p:cSld>
   <p:clrMapOvr>
     <a:masterClrMapping/>
@@ -1928,7 +2008,7 @@
         <p:nvSpPr>
           <p:cNvPr id="38915" name="Rectangle 1"/>
           <p:cNvSpPr>
-            <a:spLocks noChangeArrowheads="1" noTextEdit="1"/>
+            <a:spLocks noGrp="1" noRot="1" noChangeAspect="1" noChangeArrowheads="1" noTextEdit="1"/>
           </p:cNvSpPr>
           <p:nvPr>
             <p:ph type="sldImg"/>
@@ -1954,7 +2034,7 @@
         <p:nvSpPr>
           <p:cNvPr id="38916" name="Rectangle 2"/>
           <p:cNvSpPr>
-            <a:spLocks noChangeArrowheads="1"/>
+            <a:spLocks noGrp="1" noChangeArrowheads="1"/>
           </p:cNvSpPr>
           <p:nvPr>
             <p:ph type="body" idx="1"/>
@@ -1978,6 +2058,11 @@
         </p:txBody>
       </p:sp>
     </p:spTree>
+    <p:extLst>
+      <p:ext uri="{BB962C8B-B14F-4D97-AF65-F5344CB8AC3E}">
+        <p14:creationId xmlns:p14="http://schemas.microsoft.com/office/powerpoint/2010/main" val="675236072"/>
+      </p:ext>
+    </p:extLst>
   </p:cSld>
   <p:clrMapOvr>
     <a:masterClrMapping/>
@@ -2045,7 +2130,7 @@
         <p:nvSpPr>
           <p:cNvPr id="40963" name="Rectangle 1"/>
           <p:cNvSpPr>
-            <a:spLocks noChangeArrowheads="1" noTextEdit="1"/>
+            <a:spLocks noGrp="1" noRot="1" noChangeAspect="1" noChangeArrowheads="1" noTextEdit="1"/>
           </p:cNvSpPr>
           <p:nvPr>
             <p:ph type="sldImg"/>
@@ -2071,7 +2156,7 @@
         <p:nvSpPr>
           <p:cNvPr id="40964" name="Rectangle 2"/>
           <p:cNvSpPr>
-            <a:spLocks noChangeArrowheads="1"/>
+            <a:spLocks noGrp="1" noChangeArrowheads="1"/>
           </p:cNvSpPr>
           <p:nvPr>
             <p:ph type="body" idx="1"/>
@@ -2095,6 +2180,11 @@
         </p:txBody>
       </p:sp>
     </p:spTree>
+    <p:extLst>
+      <p:ext uri="{BB962C8B-B14F-4D97-AF65-F5344CB8AC3E}">
+        <p14:creationId xmlns:p14="http://schemas.microsoft.com/office/powerpoint/2010/main" val="1677407292"/>
+      </p:ext>
+    </p:extLst>
   </p:cSld>
   <p:clrMapOvr>
     <a:masterClrMapping/>
@@ -2162,7 +2252,7 @@
         <p:nvSpPr>
           <p:cNvPr id="6147" name="Rectangle 1"/>
           <p:cNvSpPr>
-            <a:spLocks noChangeArrowheads="1" noTextEdit="1"/>
+            <a:spLocks noGrp="1" noRot="1" noChangeAspect="1" noChangeArrowheads="1" noTextEdit="1"/>
           </p:cNvSpPr>
           <p:nvPr>
             <p:ph type="sldImg"/>
@@ -2188,7 +2278,7 @@
         <p:nvSpPr>
           <p:cNvPr id="6148" name="Rectangle 2"/>
           <p:cNvSpPr>
-            <a:spLocks noChangeArrowheads="1"/>
+            <a:spLocks noGrp="1" noChangeArrowheads="1"/>
           </p:cNvSpPr>
           <p:nvPr>
             <p:ph type="body" idx="1"/>
@@ -2212,6 +2302,11 @@
         </p:txBody>
       </p:sp>
     </p:spTree>
+    <p:extLst>
+      <p:ext uri="{BB962C8B-B14F-4D97-AF65-F5344CB8AC3E}">
+        <p14:creationId xmlns:p14="http://schemas.microsoft.com/office/powerpoint/2010/main" val="449640175"/>
+      </p:ext>
+    </p:extLst>
   </p:cSld>
   <p:clrMapOvr>
     <a:masterClrMapping/>
@@ -2279,7 +2374,7 @@
         <p:nvSpPr>
           <p:cNvPr id="43011" name="Rectangle 1"/>
           <p:cNvSpPr>
-            <a:spLocks noChangeArrowheads="1" noTextEdit="1"/>
+            <a:spLocks noGrp="1" noRot="1" noChangeAspect="1" noChangeArrowheads="1" noTextEdit="1"/>
           </p:cNvSpPr>
           <p:nvPr>
             <p:ph type="sldImg"/>
@@ -2305,7 +2400,7 @@
         <p:nvSpPr>
           <p:cNvPr id="43012" name="Rectangle 2"/>
           <p:cNvSpPr>
-            <a:spLocks noChangeArrowheads="1"/>
+            <a:spLocks noGrp="1" noChangeArrowheads="1"/>
           </p:cNvSpPr>
           <p:nvPr>
             <p:ph type="body" idx="1"/>
@@ -2329,6 +2424,11 @@
         </p:txBody>
       </p:sp>
     </p:spTree>
+    <p:extLst>
+      <p:ext uri="{BB962C8B-B14F-4D97-AF65-F5344CB8AC3E}">
+        <p14:creationId xmlns:p14="http://schemas.microsoft.com/office/powerpoint/2010/main" val="4064639674"/>
+      </p:ext>
+    </p:extLst>
   </p:cSld>
   <p:clrMapOvr>
     <a:masterClrMapping/>
@@ -2396,7 +2496,7 @@
         <p:nvSpPr>
           <p:cNvPr id="45059" name="Rectangle 1"/>
           <p:cNvSpPr>
-            <a:spLocks noChangeArrowheads="1" noTextEdit="1"/>
+            <a:spLocks noGrp="1" noRot="1" noChangeAspect="1" noChangeArrowheads="1" noTextEdit="1"/>
           </p:cNvSpPr>
           <p:nvPr>
             <p:ph type="sldImg"/>
@@ -2422,7 +2522,7 @@
         <p:nvSpPr>
           <p:cNvPr id="45060" name="Rectangle 2"/>
           <p:cNvSpPr>
-            <a:spLocks noChangeArrowheads="1"/>
+            <a:spLocks noGrp="1" noChangeArrowheads="1"/>
           </p:cNvSpPr>
           <p:nvPr>
             <p:ph type="body" idx="1"/>
@@ -2446,6 +2546,11 @@
         </p:txBody>
       </p:sp>
     </p:spTree>
+    <p:extLst>
+      <p:ext uri="{BB962C8B-B14F-4D97-AF65-F5344CB8AC3E}">
+        <p14:creationId xmlns:p14="http://schemas.microsoft.com/office/powerpoint/2010/main" val="1529532070"/>
+      </p:ext>
+    </p:extLst>
   </p:cSld>
   <p:clrMapOvr>
     <a:masterClrMapping/>
@@ -2513,7 +2618,7 @@
         <p:nvSpPr>
           <p:cNvPr id="47107" name="Rectangle 1"/>
           <p:cNvSpPr>
-            <a:spLocks noChangeArrowheads="1" noTextEdit="1"/>
+            <a:spLocks noGrp="1" noRot="1" noChangeAspect="1" noChangeArrowheads="1" noTextEdit="1"/>
           </p:cNvSpPr>
           <p:nvPr>
             <p:ph type="sldImg"/>
@@ -2539,7 +2644,7 @@
         <p:nvSpPr>
           <p:cNvPr id="47108" name="Rectangle 2"/>
           <p:cNvSpPr>
-            <a:spLocks noChangeArrowheads="1"/>
+            <a:spLocks noGrp="1" noChangeArrowheads="1"/>
           </p:cNvSpPr>
           <p:nvPr>
             <p:ph type="body" idx="1"/>
@@ -2563,6 +2668,11 @@
         </p:txBody>
       </p:sp>
     </p:spTree>
+    <p:extLst>
+      <p:ext uri="{BB962C8B-B14F-4D97-AF65-F5344CB8AC3E}">
+        <p14:creationId xmlns:p14="http://schemas.microsoft.com/office/powerpoint/2010/main" val="901862719"/>
+      </p:ext>
+    </p:extLst>
   </p:cSld>
   <p:clrMapOvr>
     <a:masterClrMapping/>
@@ -2630,7 +2740,7 @@
         <p:nvSpPr>
           <p:cNvPr id="49155" name="Rectangle 1"/>
           <p:cNvSpPr>
-            <a:spLocks noChangeArrowheads="1" noTextEdit="1"/>
+            <a:spLocks noGrp="1" noRot="1" noChangeAspect="1" noChangeArrowheads="1" noTextEdit="1"/>
           </p:cNvSpPr>
           <p:nvPr>
             <p:ph type="sldImg"/>
@@ -2656,7 +2766,7 @@
         <p:nvSpPr>
           <p:cNvPr id="49156" name="Rectangle 2"/>
           <p:cNvSpPr>
-            <a:spLocks noChangeArrowheads="1"/>
+            <a:spLocks noGrp="1" noChangeArrowheads="1"/>
           </p:cNvSpPr>
           <p:nvPr>
             <p:ph type="body" idx="1"/>
@@ -2680,6 +2790,11 @@
         </p:txBody>
       </p:sp>
     </p:spTree>
+    <p:extLst>
+      <p:ext uri="{BB962C8B-B14F-4D97-AF65-F5344CB8AC3E}">
+        <p14:creationId xmlns:p14="http://schemas.microsoft.com/office/powerpoint/2010/main" val="3590955505"/>
+      </p:ext>
+    </p:extLst>
   </p:cSld>
   <p:clrMapOvr>
     <a:masterClrMapping/>
@@ -2747,7 +2862,7 @@
         <p:nvSpPr>
           <p:cNvPr id="51203" name="Rectangle 1"/>
           <p:cNvSpPr>
-            <a:spLocks noChangeArrowheads="1" noTextEdit="1"/>
+            <a:spLocks noGrp="1" noRot="1" noChangeAspect="1" noChangeArrowheads="1" noTextEdit="1"/>
           </p:cNvSpPr>
           <p:nvPr>
             <p:ph type="sldImg"/>
@@ -2773,7 +2888,7 @@
         <p:nvSpPr>
           <p:cNvPr id="51204" name="Rectangle 2"/>
           <p:cNvSpPr>
-            <a:spLocks noChangeArrowheads="1"/>
+            <a:spLocks noGrp="1" noChangeArrowheads="1"/>
           </p:cNvSpPr>
           <p:nvPr>
             <p:ph type="body" idx="1"/>
@@ -2797,6 +2912,11 @@
         </p:txBody>
       </p:sp>
     </p:spTree>
+    <p:extLst>
+      <p:ext uri="{BB962C8B-B14F-4D97-AF65-F5344CB8AC3E}">
+        <p14:creationId xmlns:p14="http://schemas.microsoft.com/office/powerpoint/2010/main" val="1553004299"/>
+      </p:ext>
+    </p:extLst>
   </p:cSld>
   <p:clrMapOvr>
     <a:masterClrMapping/>
@@ -2864,7 +2984,7 @@
         <p:nvSpPr>
           <p:cNvPr id="53251" name="Rectangle 1"/>
           <p:cNvSpPr>
-            <a:spLocks noChangeArrowheads="1" noTextEdit="1"/>
+            <a:spLocks noGrp="1" noRot="1" noChangeAspect="1" noChangeArrowheads="1" noTextEdit="1"/>
           </p:cNvSpPr>
           <p:nvPr>
             <p:ph type="sldImg"/>
@@ -2890,7 +3010,7 @@
         <p:nvSpPr>
           <p:cNvPr id="53252" name="Rectangle 2"/>
           <p:cNvSpPr>
-            <a:spLocks noChangeArrowheads="1"/>
+            <a:spLocks noGrp="1" noChangeArrowheads="1"/>
           </p:cNvSpPr>
           <p:nvPr>
             <p:ph type="body" idx="1"/>
@@ -2914,6 +3034,11 @@
         </p:txBody>
       </p:sp>
     </p:spTree>
+    <p:extLst>
+      <p:ext uri="{BB962C8B-B14F-4D97-AF65-F5344CB8AC3E}">
+        <p14:creationId xmlns:p14="http://schemas.microsoft.com/office/powerpoint/2010/main" val="3633940588"/>
+      </p:ext>
+    </p:extLst>
   </p:cSld>
   <p:clrMapOvr>
     <a:masterClrMapping/>
@@ -2981,7 +3106,7 @@
         <p:nvSpPr>
           <p:cNvPr id="55299" name="Rectangle 1"/>
           <p:cNvSpPr>
-            <a:spLocks noChangeArrowheads="1" noTextEdit="1"/>
+            <a:spLocks noGrp="1" noRot="1" noChangeAspect="1" noChangeArrowheads="1" noTextEdit="1"/>
           </p:cNvSpPr>
           <p:nvPr>
             <p:ph type="sldImg"/>
@@ -3007,7 +3132,7 @@
         <p:nvSpPr>
           <p:cNvPr id="55300" name="Rectangle 2"/>
           <p:cNvSpPr>
-            <a:spLocks noChangeArrowheads="1"/>
+            <a:spLocks noGrp="1" noChangeArrowheads="1"/>
           </p:cNvSpPr>
           <p:nvPr>
             <p:ph type="body" idx="1"/>
@@ -3031,6 +3156,11 @@
         </p:txBody>
       </p:sp>
     </p:spTree>
+    <p:extLst>
+      <p:ext uri="{BB962C8B-B14F-4D97-AF65-F5344CB8AC3E}">
+        <p14:creationId xmlns:p14="http://schemas.microsoft.com/office/powerpoint/2010/main" val="1239570547"/>
+      </p:ext>
+    </p:extLst>
   </p:cSld>
   <p:clrMapOvr>
     <a:masterClrMapping/>
@@ -3098,7 +3228,7 @@
         <p:nvSpPr>
           <p:cNvPr id="57347" name="Rectangle 1"/>
           <p:cNvSpPr>
-            <a:spLocks noChangeArrowheads="1" noTextEdit="1"/>
+            <a:spLocks noGrp="1" noRot="1" noChangeAspect="1" noChangeArrowheads="1" noTextEdit="1"/>
           </p:cNvSpPr>
           <p:nvPr>
             <p:ph type="sldImg"/>
@@ -3124,7 +3254,7 @@
         <p:nvSpPr>
           <p:cNvPr id="57348" name="Rectangle 2"/>
           <p:cNvSpPr>
-            <a:spLocks noChangeArrowheads="1"/>
+            <a:spLocks noGrp="1" noChangeArrowheads="1"/>
           </p:cNvSpPr>
           <p:nvPr>
             <p:ph type="body" idx="1"/>
@@ -3148,6 +3278,11 @@
         </p:txBody>
       </p:sp>
     </p:spTree>
+    <p:extLst>
+      <p:ext uri="{BB962C8B-B14F-4D97-AF65-F5344CB8AC3E}">
+        <p14:creationId xmlns:p14="http://schemas.microsoft.com/office/powerpoint/2010/main" val="583227587"/>
+      </p:ext>
+    </p:extLst>
   </p:cSld>
   <p:clrMapOvr>
     <a:masterClrMapping/>
@@ -3215,7 +3350,7 @@
         <p:nvSpPr>
           <p:cNvPr id="59395" name="Rectangle 1"/>
           <p:cNvSpPr>
-            <a:spLocks noChangeArrowheads="1" noTextEdit="1"/>
+            <a:spLocks noGrp="1" noRot="1" noChangeAspect="1" noChangeArrowheads="1" noTextEdit="1"/>
           </p:cNvSpPr>
           <p:nvPr>
             <p:ph type="sldImg"/>
@@ -3241,7 +3376,7 @@
         <p:nvSpPr>
           <p:cNvPr id="59396" name="Rectangle 2"/>
           <p:cNvSpPr>
-            <a:spLocks noChangeArrowheads="1"/>
+            <a:spLocks noGrp="1" noChangeArrowheads="1"/>
           </p:cNvSpPr>
           <p:nvPr>
             <p:ph type="body" idx="1"/>
@@ -3265,6 +3400,11 @@
         </p:txBody>
       </p:sp>
     </p:spTree>
+    <p:extLst>
+      <p:ext uri="{BB962C8B-B14F-4D97-AF65-F5344CB8AC3E}">
+        <p14:creationId xmlns:p14="http://schemas.microsoft.com/office/powerpoint/2010/main" val="1852008813"/>
+      </p:ext>
+    </p:extLst>
   </p:cSld>
   <p:clrMapOvr>
     <a:masterClrMapping/>
@@ -3332,7 +3472,7 @@
         <p:nvSpPr>
           <p:cNvPr id="61443" name="Rectangle 1"/>
           <p:cNvSpPr>
-            <a:spLocks noChangeArrowheads="1" noTextEdit="1"/>
+            <a:spLocks noGrp="1" noRot="1" noChangeAspect="1" noChangeArrowheads="1" noTextEdit="1"/>
           </p:cNvSpPr>
           <p:nvPr>
             <p:ph type="sldImg"/>
@@ -3358,7 +3498,7 @@
         <p:nvSpPr>
           <p:cNvPr id="61444" name="Rectangle 2"/>
           <p:cNvSpPr>
-            <a:spLocks noChangeArrowheads="1"/>
+            <a:spLocks noGrp="1" noChangeArrowheads="1"/>
           </p:cNvSpPr>
           <p:nvPr>
             <p:ph type="body" idx="1"/>
@@ -3382,6 +3522,11 @@
         </p:txBody>
       </p:sp>
     </p:spTree>
+    <p:extLst>
+      <p:ext uri="{BB962C8B-B14F-4D97-AF65-F5344CB8AC3E}">
+        <p14:creationId xmlns:p14="http://schemas.microsoft.com/office/powerpoint/2010/main" val="1223355757"/>
+      </p:ext>
+    </p:extLst>
   </p:cSld>
   <p:clrMapOvr>
     <a:masterClrMapping/>
@@ -3449,7 +3594,7 @@
         <p:nvSpPr>
           <p:cNvPr id="8195" name="Rectangle 1"/>
           <p:cNvSpPr>
-            <a:spLocks noChangeArrowheads="1" noTextEdit="1"/>
+            <a:spLocks noGrp="1" noRot="1" noChangeAspect="1" noChangeArrowheads="1" noTextEdit="1"/>
           </p:cNvSpPr>
           <p:nvPr>
             <p:ph type="sldImg"/>
@@ -3475,7 +3620,7 @@
         <p:nvSpPr>
           <p:cNvPr id="8196" name="Rectangle 2"/>
           <p:cNvSpPr>
-            <a:spLocks noChangeArrowheads="1"/>
+            <a:spLocks noGrp="1" noChangeArrowheads="1"/>
           </p:cNvSpPr>
           <p:nvPr>
             <p:ph type="body" idx="1"/>
@@ -3499,6 +3644,11 @@
         </p:txBody>
       </p:sp>
     </p:spTree>
+    <p:extLst>
+      <p:ext uri="{BB962C8B-B14F-4D97-AF65-F5344CB8AC3E}">
+        <p14:creationId xmlns:p14="http://schemas.microsoft.com/office/powerpoint/2010/main" val="2653028130"/>
+      </p:ext>
+    </p:extLst>
   </p:cSld>
   <p:clrMapOvr>
     <a:masterClrMapping/>
@@ -3566,7 +3716,7 @@
         <p:nvSpPr>
           <p:cNvPr id="63491" name="Rectangle 1"/>
           <p:cNvSpPr>
-            <a:spLocks noChangeArrowheads="1" noTextEdit="1"/>
+            <a:spLocks noGrp="1" noRot="1" noChangeAspect="1" noChangeArrowheads="1" noTextEdit="1"/>
           </p:cNvSpPr>
           <p:nvPr>
             <p:ph type="sldImg"/>
@@ -3592,7 +3742,7 @@
         <p:nvSpPr>
           <p:cNvPr id="63492" name="Rectangle 2"/>
           <p:cNvSpPr>
-            <a:spLocks noChangeArrowheads="1"/>
+            <a:spLocks noGrp="1" noChangeArrowheads="1"/>
           </p:cNvSpPr>
           <p:nvPr>
             <p:ph type="body" idx="1"/>
@@ -3616,6 +3766,11 @@
         </p:txBody>
       </p:sp>
     </p:spTree>
+    <p:extLst>
+      <p:ext uri="{BB962C8B-B14F-4D97-AF65-F5344CB8AC3E}">
+        <p14:creationId xmlns:p14="http://schemas.microsoft.com/office/powerpoint/2010/main" val="1966052204"/>
+      </p:ext>
+    </p:extLst>
   </p:cSld>
   <p:clrMapOvr>
     <a:masterClrMapping/>
@@ -3683,7 +3838,7 @@
         <p:nvSpPr>
           <p:cNvPr id="65539" name="Rectangle 1"/>
           <p:cNvSpPr>
-            <a:spLocks noChangeArrowheads="1" noTextEdit="1"/>
+            <a:spLocks noGrp="1" noRot="1" noChangeAspect="1" noChangeArrowheads="1" noTextEdit="1"/>
           </p:cNvSpPr>
           <p:nvPr>
             <p:ph type="sldImg"/>
@@ -3709,7 +3864,7 @@
         <p:nvSpPr>
           <p:cNvPr id="65540" name="Rectangle 2"/>
           <p:cNvSpPr>
-            <a:spLocks noChangeArrowheads="1"/>
+            <a:spLocks noGrp="1" noChangeArrowheads="1"/>
           </p:cNvSpPr>
           <p:nvPr>
             <p:ph type="body" idx="1"/>
@@ -3733,6 +3888,11 @@
         </p:txBody>
       </p:sp>
     </p:spTree>
+    <p:extLst>
+      <p:ext uri="{BB962C8B-B14F-4D97-AF65-F5344CB8AC3E}">
+        <p14:creationId xmlns:p14="http://schemas.microsoft.com/office/powerpoint/2010/main" val="2428717609"/>
+      </p:ext>
+    </p:extLst>
   </p:cSld>
   <p:clrMapOvr>
     <a:masterClrMapping/>
@@ -3800,7 +3960,7 @@
         <p:nvSpPr>
           <p:cNvPr id="67587" name="Rectangle 1"/>
           <p:cNvSpPr>
-            <a:spLocks noChangeArrowheads="1" noTextEdit="1"/>
+            <a:spLocks noGrp="1" noRot="1" noChangeAspect="1" noChangeArrowheads="1" noTextEdit="1"/>
           </p:cNvSpPr>
           <p:nvPr>
             <p:ph type="sldImg"/>
@@ -3826,7 +3986,7 @@
         <p:nvSpPr>
           <p:cNvPr id="67588" name="Rectangle 2"/>
           <p:cNvSpPr>
-            <a:spLocks noChangeArrowheads="1"/>
+            <a:spLocks noGrp="1" noChangeArrowheads="1"/>
           </p:cNvSpPr>
           <p:nvPr>
             <p:ph type="body" idx="1"/>
@@ -3850,6 +4010,11 @@
         </p:txBody>
       </p:sp>
     </p:spTree>
+    <p:extLst>
+      <p:ext uri="{BB962C8B-B14F-4D97-AF65-F5344CB8AC3E}">
+        <p14:creationId xmlns:p14="http://schemas.microsoft.com/office/powerpoint/2010/main" val="1692427942"/>
+      </p:ext>
+    </p:extLst>
   </p:cSld>
   <p:clrMapOvr>
     <a:masterClrMapping/>
@@ -3917,7 +4082,7 @@
         <p:nvSpPr>
           <p:cNvPr id="69635" name="Rectangle 1"/>
           <p:cNvSpPr>
-            <a:spLocks noChangeArrowheads="1" noTextEdit="1"/>
+            <a:spLocks noGrp="1" noRot="1" noChangeAspect="1" noChangeArrowheads="1" noTextEdit="1"/>
           </p:cNvSpPr>
           <p:nvPr>
             <p:ph type="sldImg"/>
@@ -3943,7 +4108,7 @@
         <p:nvSpPr>
           <p:cNvPr id="69636" name="Rectangle 2"/>
           <p:cNvSpPr>
-            <a:spLocks noChangeArrowheads="1"/>
+            <a:spLocks noGrp="1" noChangeArrowheads="1"/>
           </p:cNvSpPr>
           <p:nvPr>
             <p:ph type="body" idx="1"/>
@@ -3967,6 +4132,11 @@
         </p:txBody>
       </p:sp>
     </p:spTree>
+    <p:extLst>
+      <p:ext uri="{BB962C8B-B14F-4D97-AF65-F5344CB8AC3E}">
+        <p14:creationId xmlns:p14="http://schemas.microsoft.com/office/powerpoint/2010/main" val="3989539809"/>
+      </p:ext>
+    </p:extLst>
   </p:cSld>
   <p:clrMapOvr>
     <a:masterClrMapping/>
@@ -4034,7 +4204,7 @@
         <p:nvSpPr>
           <p:cNvPr id="71683" name="Rectangle 1"/>
           <p:cNvSpPr>
-            <a:spLocks noChangeArrowheads="1" noTextEdit="1"/>
+            <a:spLocks noGrp="1" noRot="1" noChangeAspect="1" noChangeArrowheads="1" noTextEdit="1"/>
           </p:cNvSpPr>
           <p:nvPr>
             <p:ph type="sldImg"/>
@@ -4060,7 +4230,7 @@
         <p:nvSpPr>
           <p:cNvPr id="71684" name="Rectangle 2"/>
           <p:cNvSpPr>
-            <a:spLocks noChangeArrowheads="1"/>
+            <a:spLocks noGrp="1" noChangeArrowheads="1"/>
           </p:cNvSpPr>
           <p:nvPr>
             <p:ph type="body" idx="1"/>
@@ -4084,6 +4254,11 @@
         </p:txBody>
       </p:sp>
     </p:spTree>
+    <p:extLst>
+      <p:ext uri="{BB962C8B-B14F-4D97-AF65-F5344CB8AC3E}">
+        <p14:creationId xmlns:p14="http://schemas.microsoft.com/office/powerpoint/2010/main" val="2411076295"/>
+      </p:ext>
+    </p:extLst>
   </p:cSld>
   <p:clrMapOvr>
     <a:masterClrMapping/>
@@ -4151,7 +4326,7 @@
         <p:nvSpPr>
           <p:cNvPr id="73731" name="Rectangle 1"/>
           <p:cNvSpPr>
-            <a:spLocks noChangeArrowheads="1" noTextEdit="1"/>
+            <a:spLocks noGrp="1" noRot="1" noChangeAspect="1" noChangeArrowheads="1" noTextEdit="1"/>
           </p:cNvSpPr>
           <p:nvPr>
             <p:ph type="sldImg"/>
@@ -4177,7 +4352,7 @@
         <p:nvSpPr>
           <p:cNvPr id="73732" name="Rectangle 2"/>
           <p:cNvSpPr>
-            <a:spLocks noChangeArrowheads="1"/>
+            <a:spLocks noGrp="1" noChangeArrowheads="1"/>
           </p:cNvSpPr>
           <p:nvPr>
             <p:ph type="body" idx="1"/>
@@ -4201,6 +4376,11 @@
         </p:txBody>
       </p:sp>
     </p:spTree>
+    <p:extLst>
+      <p:ext uri="{BB962C8B-B14F-4D97-AF65-F5344CB8AC3E}">
+        <p14:creationId xmlns:p14="http://schemas.microsoft.com/office/powerpoint/2010/main" val="818806398"/>
+      </p:ext>
+    </p:extLst>
   </p:cSld>
   <p:clrMapOvr>
     <a:masterClrMapping/>
@@ -4268,7 +4448,7 @@
         <p:nvSpPr>
           <p:cNvPr id="75779" name="Rectangle 1"/>
           <p:cNvSpPr>
-            <a:spLocks noChangeArrowheads="1" noTextEdit="1"/>
+            <a:spLocks noGrp="1" noRot="1" noChangeAspect="1" noChangeArrowheads="1" noTextEdit="1"/>
           </p:cNvSpPr>
           <p:nvPr>
             <p:ph type="sldImg"/>
@@ -4294,7 +4474,7 @@
         <p:nvSpPr>
           <p:cNvPr id="75780" name="Rectangle 2"/>
           <p:cNvSpPr>
-            <a:spLocks noChangeArrowheads="1"/>
+            <a:spLocks noGrp="1" noChangeArrowheads="1"/>
           </p:cNvSpPr>
           <p:nvPr>
             <p:ph type="body" idx="1"/>
@@ -4318,6 +4498,11 @@
         </p:txBody>
       </p:sp>
     </p:spTree>
+    <p:extLst>
+      <p:ext uri="{BB962C8B-B14F-4D97-AF65-F5344CB8AC3E}">
+        <p14:creationId xmlns:p14="http://schemas.microsoft.com/office/powerpoint/2010/main" val="903251890"/>
+      </p:ext>
+    </p:extLst>
   </p:cSld>
   <p:clrMapOvr>
     <a:masterClrMapping/>
@@ -4385,7 +4570,7 @@
         <p:nvSpPr>
           <p:cNvPr id="10243" name="Rectangle 1"/>
           <p:cNvSpPr>
-            <a:spLocks noChangeArrowheads="1" noTextEdit="1"/>
+            <a:spLocks noGrp="1" noRot="1" noChangeAspect="1" noChangeArrowheads="1" noTextEdit="1"/>
           </p:cNvSpPr>
           <p:nvPr>
             <p:ph type="sldImg"/>
@@ -4411,7 +4596,7 @@
         <p:nvSpPr>
           <p:cNvPr id="10244" name="Rectangle 2"/>
           <p:cNvSpPr>
-            <a:spLocks noChangeArrowheads="1"/>
+            <a:spLocks noGrp="1" noChangeArrowheads="1"/>
           </p:cNvSpPr>
           <p:nvPr>
             <p:ph type="body" idx="1"/>
@@ -4435,6 +4620,11 @@
         </p:txBody>
       </p:sp>
     </p:spTree>
+    <p:extLst>
+      <p:ext uri="{BB962C8B-B14F-4D97-AF65-F5344CB8AC3E}">
+        <p14:creationId xmlns:p14="http://schemas.microsoft.com/office/powerpoint/2010/main" val="1853273437"/>
+      </p:ext>
+    </p:extLst>
   </p:cSld>
   <p:clrMapOvr>
     <a:masterClrMapping/>
@@ -4502,7 +4692,7 @@
         <p:nvSpPr>
           <p:cNvPr id="12291" name="Rectangle 1"/>
           <p:cNvSpPr>
-            <a:spLocks noChangeArrowheads="1" noTextEdit="1"/>
+            <a:spLocks noGrp="1" noRot="1" noChangeAspect="1" noChangeArrowheads="1" noTextEdit="1"/>
           </p:cNvSpPr>
           <p:nvPr>
             <p:ph type="sldImg"/>
@@ -4528,7 +4718,7 @@
         <p:nvSpPr>
           <p:cNvPr id="12292" name="Rectangle 2"/>
           <p:cNvSpPr>
-            <a:spLocks noChangeArrowheads="1"/>
+            <a:spLocks noGrp="1" noChangeArrowheads="1"/>
           </p:cNvSpPr>
           <p:nvPr>
             <p:ph type="body" idx="1"/>
@@ -4552,6 +4742,11 @@
         </p:txBody>
       </p:sp>
     </p:spTree>
+    <p:extLst>
+      <p:ext uri="{BB962C8B-B14F-4D97-AF65-F5344CB8AC3E}">
+        <p14:creationId xmlns:p14="http://schemas.microsoft.com/office/powerpoint/2010/main" val="4234332121"/>
+      </p:ext>
+    </p:extLst>
   </p:cSld>
   <p:clrMapOvr>
     <a:masterClrMapping/>
@@ -4619,7 +4814,7 @@
         <p:nvSpPr>
           <p:cNvPr id="14339" name="Rectangle 1"/>
           <p:cNvSpPr>
-            <a:spLocks noChangeArrowheads="1" noTextEdit="1"/>
+            <a:spLocks noGrp="1" noRot="1" noChangeAspect="1" noChangeArrowheads="1" noTextEdit="1"/>
           </p:cNvSpPr>
           <p:nvPr>
             <p:ph type="sldImg"/>
@@ -4645,7 +4840,7 @@
         <p:nvSpPr>
           <p:cNvPr id="14340" name="Rectangle 2"/>
           <p:cNvSpPr>
-            <a:spLocks noChangeArrowheads="1"/>
+            <a:spLocks noGrp="1" noChangeArrowheads="1"/>
           </p:cNvSpPr>
           <p:nvPr>
             <p:ph type="body" idx="1"/>
@@ -4669,6 +4864,11 @@
         </p:txBody>
       </p:sp>
     </p:spTree>
+    <p:extLst>
+      <p:ext uri="{BB962C8B-B14F-4D97-AF65-F5344CB8AC3E}">
+        <p14:creationId xmlns:p14="http://schemas.microsoft.com/office/powerpoint/2010/main" val="659532858"/>
+      </p:ext>
+    </p:extLst>
   </p:cSld>
   <p:clrMapOvr>
     <a:masterClrMapping/>
@@ -4736,7 +4936,7 @@
         <p:nvSpPr>
           <p:cNvPr id="16387" name="Rectangle 1"/>
           <p:cNvSpPr>
-            <a:spLocks noChangeArrowheads="1" noTextEdit="1"/>
+            <a:spLocks noGrp="1" noRot="1" noChangeAspect="1" noChangeArrowheads="1" noTextEdit="1"/>
           </p:cNvSpPr>
           <p:nvPr>
             <p:ph type="sldImg"/>
@@ -4762,7 +4962,7 @@
         <p:nvSpPr>
           <p:cNvPr id="16388" name="Rectangle 2"/>
           <p:cNvSpPr>
-            <a:spLocks noChangeArrowheads="1"/>
+            <a:spLocks noGrp="1" noChangeArrowheads="1"/>
           </p:cNvSpPr>
           <p:nvPr>
             <p:ph type="body" idx="1"/>
@@ -4786,6 +4986,11 @@
         </p:txBody>
       </p:sp>
     </p:spTree>
+    <p:extLst>
+      <p:ext uri="{BB962C8B-B14F-4D97-AF65-F5344CB8AC3E}">
+        <p14:creationId xmlns:p14="http://schemas.microsoft.com/office/powerpoint/2010/main" val="946513626"/>
+      </p:ext>
+    </p:extLst>
   </p:cSld>
   <p:clrMapOvr>
     <a:masterClrMapping/>
@@ -4853,7 +5058,7 @@
         <p:nvSpPr>
           <p:cNvPr id="18435" name="Rectangle 1"/>
           <p:cNvSpPr>
-            <a:spLocks noChangeArrowheads="1" noTextEdit="1"/>
+            <a:spLocks noGrp="1" noRot="1" noChangeAspect="1" noChangeArrowheads="1" noTextEdit="1"/>
           </p:cNvSpPr>
           <p:nvPr>
             <p:ph type="sldImg"/>
@@ -4879,7 +5084,7 @@
         <p:nvSpPr>
           <p:cNvPr id="18436" name="Rectangle 2"/>
           <p:cNvSpPr>
-            <a:spLocks noChangeArrowheads="1"/>
+            <a:spLocks noGrp="1" noChangeArrowheads="1"/>
           </p:cNvSpPr>
           <p:nvPr>
             <p:ph type="body" idx="1"/>
@@ -4903,6 +5108,11 @@
         </p:txBody>
       </p:sp>
     </p:spTree>
+    <p:extLst>
+      <p:ext uri="{BB962C8B-B14F-4D97-AF65-F5344CB8AC3E}">
+        <p14:creationId xmlns:p14="http://schemas.microsoft.com/office/powerpoint/2010/main" val="312409579"/>
+      </p:ext>
+    </p:extLst>
   </p:cSld>
   <p:clrMapOvr>
     <a:masterClrMapping/>
@@ -4970,7 +5180,7 @@
         <p:nvSpPr>
           <p:cNvPr id="20483" name="Rectangle 1"/>
           <p:cNvSpPr>
-            <a:spLocks noChangeArrowheads="1" noTextEdit="1"/>
+            <a:spLocks noGrp="1" noRot="1" noChangeAspect="1" noChangeArrowheads="1" noTextEdit="1"/>
           </p:cNvSpPr>
           <p:nvPr>
             <p:ph type="sldImg"/>
@@ -4996,7 +5206,7 @@
         <p:nvSpPr>
           <p:cNvPr id="20484" name="Rectangle 2"/>
           <p:cNvSpPr>
-            <a:spLocks noChangeArrowheads="1"/>
+            <a:spLocks noGrp="1" noChangeArrowheads="1"/>
           </p:cNvSpPr>
           <p:nvPr>
             <p:ph type="body" idx="1"/>
@@ -5020,6 +5230,11 @@
         </p:txBody>
       </p:sp>
     </p:spTree>
+    <p:extLst>
+      <p:ext uri="{BB962C8B-B14F-4D97-AF65-F5344CB8AC3E}">
+        <p14:creationId xmlns:p14="http://schemas.microsoft.com/office/powerpoint/2010/main" val="2371958216"/>
+      </p:ext>
+    </p:extLst>
   </p:cSld>
   <p:clrMapOvr>
     <a:masterClrMapping/>
@@ -7781,14 +7996,14 @@
           <a:effectLst/>
           <a:extLst>
             <a:ext uri="{909E8E84-426E-40DD-AFC4-6F175D3DCCD1}">
-              <a14:hiddenFill xmlns:a14="http://schemas.microsoft.com/office/drawing/2010/main" xmlns="">
+              <a14:hiddenFill xmlns:a14="http://schemas.microsoft.com/office/drawing/2010/main">
                 <a:solidFill>
                   <a:srgbClr val="FFFFFF"/>
                 </a:solidFill>
               </a14:hiddenFill>
             </a:ext>
             <a:ext uri="{91240B29-F687-4F45-9708-019B960494DF}">
-              <a14:hiddenLine xmlns:a14="http://schemas.microsoft.com/office/drawing/2010/main" xmlns="" w="9525">
+              <a14:hiddenLine xmlns:a14="http://schemas.microsoft.com/office/drawing/2010/main" w="9525">
                 <a:solidFill>
                   <a:srgbClr val="000000"/>
                 </a:solidFill>
@@ -7798,7 +8013,7 @@
               </a14:hiddenLine>
             </a:ext>
             <a:ext uri="{AF507438-7753-43E0-B8FC-AC1667EBCBE1}">
-              <a14:hiddenEffects xmlns:a14="http://schemas.microsoft.com/office/drawing/2010/main" xmlns="">
+              <a14:hiddenEffects xmlns:a14="http://schemas.microsoft.com/office/drawing/2010/main">
                 <a:effectLst>
                   <a:outerShdw dist="35921" dir="2700000" algn="ctr" rotWithShape="0">
                     <a:schemeClr val="bg2"/>
@@ -7872,14 +8087,14 @@
           <a:effectLst/>
           <a:extLst>
             <a:ext uri="{909E8E84-426E-40DD-AFC4-6F175D3DCCD1}">
-              <a14:hiddenFill xmlns:a14="http://schemas.microsoft.com/office/drawing/2010/main" xmlns="">
+              <a14:hiddenFill xmlns:a14="http://schemas.microsoft.com/office/drawing/2010/main">
                 <a:solidFill>
                   <a:srgbClr val="FFFFFF"/>
                 </a:solidFill>
               </a14:hiddenFill>
             </a:ext>
             <a:ext uri="{91240B29-F687-4F45-9708-019B960494DF}">
-              <a14:hiddenLine xmlns:a14="http://schemas.microsoft.com/office/drawing/2010/main" xmlns="" w="9525">
+              <a14:hiddenLine xmlns:a14="http://schemas.microsoft.com/office/drawing/2010/main" w="9525">
                 <a:solidFill>
                   <a:srgbClr val="000000"/>
                 </a:solidFill>
@@ -7889,7 +8104,7 @@
               </a14:hiddenLine>
             </a:ext>
             <a:ext uri="{AF507438-7753-43E0-B8FC-AC1667EBCBE1}">
-              <a14:hiddenEffects xmlns:a14="http://schemas.microsoft.com/office/drawing/2010/main" xmlns="">
+              <a14:hiddenEffects xmlns:a14="http://schemas.microsoft.com/office/drawing/2010/main">
                 <a:effectLst>
                   <a:outerShdw dist="35921" dir="2700000" algn="ctr" rotWithShape="0">
                     <a:schemeClr val="bg2"/>
@@ -7964,14 +8179,14 @@
           <a:effectLst/>
           <a:extLst>
             <a:ext uri="{909E8E84-426E-40DD-AFC4-6F175D3DCCD1}">
-              <a14:hiddenFill xmlns:a14="http://schemas.microsoft.com/office/drawing/2010/main" xmlns="">
+              <a14:hiddenFill xmlns:a14="http://schemas.microsoft.com/office/drawing/2010/main">
                 <a:solidFill>
                   <a:srgbClr val="FFFFFF"/>
                 </a:solidFill>
               </a14:hiddenFill>
             </a:ext>
             <a:ext uri="{91240B29-F687-4F45-9708-019B960494DF}">
-              <a14:hiddenLine xmlns:a14="http://schemas.microsoft.com/office/drawing/2010/main" xmlns="" w="9525">
+              <a14:hiddenLine xmlns:a14="http://schemas.microsoft.com/office/drawing/2010/main" w="9525">
                 <a:solidFill>
                   <a:srgbClr val="000000"/>
                 </a:solidFill>
@@ -7981,7 +8196,7 @@
               </a14:hiddenLine>
             </a:ext>
             <a:ext uri="{AF507438-7753-43E0-B8FC-AC1667EBCBE1}">
-              <a14:hiddenEffects xmlns:a14="http://schemas.microsoft.com/office/drawing/2010/main" xmlns="">
+              <a14:hiddenEffects xmlns:a14="http://schemas.microsoft.com/office/drawing/2010/main">
                 <a:effectLst>
                   <a:outerShdw dist="35921" dir="2700000" algn="ctr" rotWithShape="0">
                     <a:schemeClr val="bg2"/>
@@ -8832,7 +9047,7 @@
   <p:timing>
     <p:tnLst>
       <p:par>
-        <p:cTn id="1" dur="indefinite" nodeType="tmRoot">
+        <p:cTn id="1" dur="indefinite" restart="never" nodeType="tmRoot">
           <p:childTnLst>
             <p:seq concurrent="1" nextAc="seek">
               <p:cTn id="2" dur="0" nodeType="mainSeq"/>
@@ -9288,7 +9503,7 @@
   <p:timing>
     <p:tnLst>
       <p:par>
-        <p:cTn id="1" dur="indefinite" nodeType="tmRoot">
+        <p:cTn id="1" dur="indefinite" restart="never" nodeType="tmRoot">
           <p:childTnLst>
             <p:seq concurrent="1" nextAc="seek">
               <p:cTn id="2" dur="0" nodeType="mainSeq"/>
@@ -9631,7 +9846,7 @@
   <p:timing>
     <p:tnLst>
       <p:par>
-        <p:cTn id="1" dur="indefinite" nodeType="tmRoot">
+        <p:cTn id="1" dur="indefinite" restart="never" nodeType="tmRoot">
           <p:childTnLst>
             <p:seq concurrent="1" nextAc="seek">
               <p:cTn id="2" dur="0" nodeType="mainSeq"/>
@@ -9974,7 +10189,7 @@
   <p:timing>
     <p:tnLst>
       <p:par>
-        <p:cTn id="1" dur="indefinite" nodeType="tmRoot">
+        <p:cTn id="1" dur="indefinite" restart="never" nodeType="tmRoot">
           <p:childTnLst>
             <p:seq concurrent="1" nextAc="seek">
               <p:cTn id="2" dur="0" nodeType="mainSeq"/>
@@ -10487,7 +10702,7 @@
   <p:timing>
     <p:tnLst>
       <p:par>
-        <p:cTn id="1" dur="indefinite" nodeType="tmRoot">
+        <p:cTn id="1" dur="indefinite" restart="never" nodeType="tmRoot">
           <p:childTnLst>
             <p:seq concurrent="1" nextAc="seek">
               <p:cTn id="2" dur="0" nodeType="mainSeq"/>
@@ -10992,7 +11207,7 @@
   <p:timing>
     <p:tnLst>
       <p:par>
-        <p:cTn id="1" dur="indefinite" nodeType="tmRoot">
+        <p:cTn id="1" dur="indefinite" restart="never" nodeType="tmRoot">
           <p:childTnLst>
             <p:seq concurrent="1" nextAc="seek">
               <p:cTn id="2" dur="0" nodeType="mainSeq"/>
@@ -11412,7 +11627,7 @@
   <p:timing>
     <p:tnLst>
       <p:par>
-        <p:cTn id="1" dur="indefinite" nodeType="tmRoot">
+        <p:cTn id="1" dur="indefinite" restart="never" nodeType="tmRoot">
           <p:childTnLst>
             <p:seq concurrent="1" nextAc="seek">
               <p:cTn id="2" dur="0" nodeType="mainSeq"/>
@@ -11864,7 +12079,7 @@
   <p:timing>
     <p:tnLst>
       <p:par>
-        <p:cTn id="1" dur="indefinite" nodeType="tmRoot">
+        <p:cTn id="1" dur="indefinite" restart="never" nodeType="tmRoot">
           <p:childTnLst>
             <p:seq concurrent="1" nextAc="seek">
               <p:cTn id="2" dur="0" nodeType="mainSeq"/>
@@ -12352,7 +12567,7 @@
   <p:timing>
     <p:tnLst>
       <p:par>
-        <p:cTn id="1" dur="indefinite" nodeType="tmRoot">
+        <p:cTn id="1" dur="indefinite" restart="never" nodeType="tmRoot">
           <p:childTnLst>
             <p:seq concurrent="1" nextAc="seek">
               <p:cTn id="2" dur="0" nodeType="mainSeq"/>
@@ -12730,7 +12945,7 @@
   <p:timing>
     <p:tnLst>
       <p:par>
-        <p:cTn id="1" dur="indefinite" nodeType="tmRoot">
+        <p:cTn id="1" dur="indefinite" restart="never" nodeType="tmRoot">
           <p:childTnLst>
             <p:seq concurrent="1" nextAc="seek">
               <p:cTn id="2" dur="0" nodeType="mainSeq"/>
@@ -13113,7 +13328,7 @@
   <p:timing>
     <p:tnLst>
       <p:par>
-        <p:cTn id="1" dur="indefinite" nodeType="tmRoot">
+        <p:cTn id="1" dur="indefinite" restart="never" nodeType="tmRoot">
           <p:childTnLst>
             <p:seq concurrent="1" nextAc="seek">
               <p:cTn id="2" dur="0" nodeType="mainSeq"/>
@@ -13556,7 +13771,7 @@
   <p:timing>
     <p:tnLst>
       <p:par>
-        <p:cTn id="1" dur="indefinite" nodeType="tmRoot">
+        <p:cTn id="1" dur="indefinite" restart="never" nodeType="tmRoot">
           <p:childTnLst>
             <p:seq concurrent="1" nextAc="seek">
               <p:cTn id="2" dur="0" nodeType="mainSeq"/>
@@ -13949,7 +14164,7 @@
   <p:timing>
     <p:tnLst>
       <p:par>
-        <p:cTn id="1" dur="indefinite" nodeType="tmRoot">
+        <p:cTn id="1" dur="indefinite" restart="never" nodeType="tmRoot">
           <p:childTnLst>
             <p:seq concurrent="1" nextAc="seek">
               <p:cTn id="2" dur="0" nodeType="mainSeq"/>
@@ -14513,7 +14728,7 @@
   <p:timing>
     <p:tnLst>
       <p:par>
-        <p:cTn id="1" dur="indefinite" nodeType="tmRoot">
+        <p:cTn id="1" dur="indefinite" restart="never" nodeType="tmRoot">
           <p:childTnLst>
             <p:seq concurrent="1" nextAc="seek">
               <p:cTn id="2" dur="0" nodeType="mainSeq"/>
@@ -14856,7 +15071,7 @@
   <p:timing>
     <p:tnLst>
       <p:par>
-        <p:cTn id="1" dur="indefinite" nodeType="tmRoot">
+        <p:cTn id="1" dur="indefinite" restart="never" nodeType="tmRoot">
           <p:childTnLst>
             <p:seq concurrent="1" nextAc="seek">
               <p:cTn id="2" dur="0" nodeType="mainSeq"/>
@@ -15199,7 +15414,7 @@
   <p:timing>
     <p:tnLst>
       <p:par>
-        <p:cTn id="1" dur="indefinite" nodeType="tmRoot">
+        <p:cTn id="1" dur="indefinite" restart="never" nodeType="tmRoot">
           <p:childTnLst>
             <p:seq concurrent="1" nextAc="seek">
               <p:cTn id="2" dur="0" nodeType="mainSeq"/>
@@ -15797,7 +16012,7 @@
   <p:timing>
     <p:tnLst>
       <p:par>
-        <p:cTn id="1" dur="indefinite" nodeType="tmRoot">
+        <p:cTn id="1" dur="indefinite" restart="never" nodeType="tmRoot">
           <p:childTnLst>
             <p:seq concurrent="1" nextAc="seek">
               <p:cTn id="2" dur="0" nodeType="mainSeq"/>
@@ -16140,7 +16355,7 @@
   <p:timing>
     <p:tnLst>
       <p:par>
-        <p:cTn id="1" dur="indefinite" nodeType="tmRoot">
+        <p:cTn id="1" dur="indefinite" restart="never" nodeType="tmRoot">
           <p:childTnLst>
             <p:seq concurrent="1" nextAc="seek">
               <p:cTn id="2" dur="0" nodeType="mainSeq"/>
@@ -16736,7 +16951,7 @@
   <p:timing>
     <p:tnLst>
       <p:par>
-        <p:cTn id="1" dur="indefinite" nodeType="tmRoot">
+        <p:cTn id="1" dur="indefinite" restart="never" nodeType="tmRoot">
           <p:childTnLst>
             <p:seq concurrent="1" nextAc="seek">
               <p:cTn id="2" dur="0" nodeType="mainSeq"/>
@@ -17079,7 +17294,7 @@
   <p:timing>
     <p:tnLst>
       <p:par>
-        <p:cTn id="1" dur="indefinite" nodeType="tmRoot">
+        <p:cTn id="1" dur="indefinite" restart="never" nodeType="tmRoot">
           <p:childTnLst>
             <p:seq concurrent="1" nextAc="seek">
               <p:cTn id="2" dur="0" nodeType="mainSeq"/>
@@ -17717,7 +17932,7 @@
   <p:timing>
     <p:tnLst>
       <p:par>
-        <p:cTn id="1" dur="indefinite" nodeType="tmRoot">
+        <p:cTn id="1" dur="indefinite" restart="never" nodeType="tmRoot">
           <p:childTnLst>
             <p:seq concurrent="1" nextAc="seek">
               <p:cTn id="2" dur="0" nodeType="mainSeq"/>
@@ -18212,7 +18427,7 @@
   <p:timing>
     <p:tnLst>
       <p:par>
-        <p:cTn id="1" dur="indefinite" nodeType="tmRoot">
+        <p:cTn id="1" dur="indefinite" restart="never" nodeType="tmRoot">
           <p:childTnLst>
             <p:seq concurrent="1" nextAc="seek">
               <p:cTn id="2" dur="0" nodeType="mainSeq"/>
@@ -18588,7 +18803,7 @@
   <p:timing>
     <p:tnLst>
       <p:par>
-        <p:cTn id="1" dur="indefinite" nodeType="tmRoot">
+        <p:cTn id="1" dur="indefinite" restart="never" nodeType="tmRoot">
           <p:childTnLst>
             <p:seq concurrent="1" nextAc="seek">
               <p:cTn id="2" dur="0" nodeType="mainSeq"/>
@@ -19141,7 +19356,7 @@
   <p:timing>
     <p:tnLst>
       <p:par>
-        <p:cTn id="1" dur="indefinite" nodeType="tmRoot">
+        <p:cTn id="1" dur="indefinite" restart="never" nodeType="tmRoot">
           <p:childTnLst>
             <p:seq concurrent="1" nextAc="seek">
               <p:cTn id="2" dur="0" nodeType="mainSeq"/>
@@ -19528,7 +19743,7 @@
   <p:timing>
     <p:tnLst>
       <p:par>
-        <p:cTn id="1" dur="indefinite" nodeType="tmRoot">
+        <p:cTn id="1" dur="indefinite" restart="never" nodeType="tmRoot">
           <p:childTnLst>
             <p:seq concurrent="1" nextAc="seek">
               <p:cTn id="2" dur="0" nodeType="mainSeq"/>
@@ -19963,7 +20178,7 @@
   <p:timing>
     <p:tnLst>
       <p:par>
-        <p:cTn id="1" dur="indefinite" nodeType="tmRoot">
+        <p:cTn id="1" dur="indefinite" restart="never" nodeType="tmRoot">
           <p:childTnLst>
             <p:seq concurrent="1" nextAc="seek">
               <p:cTn id="2" dur="0" nodeType="mainSeq"/>
@@ -20348,7 +20563,7 @@
   <p:timing>
     <p:tnLst>
       <p:par>
-        <p:cTn id="1" dur="indefinite" nodeType="tmRoot">
+        <p:cTn id="1" dur="indefinite" restart="never" nodeType="tmRoot">
           <p:childTnLst>
             <p:seq concurrent="1" nextAc="seek">
               <p:cTn id="2" dur="0" nodeType="mainSeq"/>
@@ -20885,7 +21100,7 @@
   <p:timing>
     <p:tnLst>
       <p:par>
-        <p:cTn id="1" dur="indefinite" nodeType="tmRoot">
+        <p:cTn id="1" dur="indefinite" restart="never" nodeType="tmRoot">
           <p:childTnLst>
             <p:seq concurrent="1" nextAc="seek">
               <p:cTn id="2" dur="0" nodeType="mainSeq"/>
@@ -21417,7 +21632,7 @@
   <p:timing>
     <p:tnLst>
       <p:par>
-        <p:cTn id="1" dur="indefinite" nodeType="tmRoot">
+        <p:cTn id="1" dur="indefinite" restart="never" nodeType="tmRoot">
           <p:childTnLst>
             <p:seq concurrent="1" nextAc="seek">
               <p:cTn id="2" dur="0" nodeType="mainSeq"/>
@@ -21802,7 +22017,7 @@
   <p:timing>
     <p:tnLst>
       <p:par>
-        <p:cTn id="1" dur="indefinite" nodeType="tmRoot">
+        <p:cTn id="1" dur="indefinite" restart="never" nodeType="tmRoot">
           <p:childTnLst>
             <p:seq concurrent="1" nextAc="seek">
               <p:cTn id="2" dur="0" nodeType="mainSeq"/>
@@ -22149,7 +22364,7 @@
   <p:timing>
     <p:tnLst>
       <p:par>
-        <p:cTn id="1" dur="indefinite" nodeType="tmRoot">
+        <p:cTn id="1" dur="indefinite" restart="never" nodeType="tmRoot">
           <p:childTnLst>
             <p:seq concurrent="1" nextAc="seek">
               <p:cTn id="2" dur="0" nodeType="mainSeq"/>
@@ -22437,7 +22652,7 @@
   <p:timing>
     <p:tnLst>
       <p:par>
-        <p:cTn id="1" dur="indefinite" nodeType="tmRoot">
+        <p:cTn id="1" dur="indefinite" restart="never" nodeType="tmRoot">
           <p:childTnLst>
             <p:seq concurrent="1" nextAc="seek">
               <p:cTn id="2" dur="0" nodeType="mainSeq"/>
@@ -23031,7 +23246,7 @@
   <p:timing>
     <p:tnLst>
       <p:par>
-        <p:cTn id="1" dur="indefinite" nodeType="tmRoot">
+        <p:cTn id="1" dur="indefinite" restart="never" nodeType="tmRoot">
           <p:childTnLst>
             <p:seq concurrent="1" nextAc="seek">
               <p:cTn id="2" dur="0" nodeType="mainSeq"/>
@@ -23431,7 +23646,7 @@
   <p:timing>
     <p:tnLst>
       <p:par>
-        <p:cTn id="1" dur="indefinite" nodeType="tmRoot">
+        <p:cTn id="1" dur="indefinite" restart="never" nodeType="tmRoot">
           <p:childTnLst>
             <p:seq concurrent="1" nextAc="seek">
               <p:cTn id="2" dur="0" nodeType="mainSeq"/>
@@ -23823,7 +24038,7 @@
   <p:timing>
     <p:tnLst>
       <p:par>
-        <p:cTn id="1" dur="indefinite" nodeType="tmRoot">
+        <p:cTn id="1" dur="indefinite" restart="never" nodeType="tmRoot">
           <p:childTnLst>
             <p:seq concurrent="1" nextAc="seek">
               <p:cTn id="2" dur="0" nodeType="mainSeq"/>
@@ -24227,7 +24442,7 @@
   <p:timing>
     <p:tnLst>
       <p:par>
-        <p:cTn id="1" dur="indefinite" nodeType="tmRoot">
+        <p:cTn id="1" dur="indefinite" restart="never" nodeType="tmRoot">
           <p:childTnLst>
             <p:seq concurrent="1" nextAc="seek">
               <p:cTn id="2" dur="0" nodeType="mainSeq"/>
@@ -24257,7 +24472,7 @@
 <file path=ppt/theme/theme1.xml><?xml version="1.0" encoding="utf-8"?>
 <a:theme xmlns:a="http://schemas.openxmlformats.org/drawingml/2006/main" name="Office Theme">
   <a:themeElements>
-    <a:clrScheme name="Office Theme 1">
+    <a:clrScheme name="Benutzerdefiniert 1">
       <a:dk1>
         <a:srgbClr val="000000"/>
       </a:dk1>
@@ -24289,10 +24504,10 @@
         <a:srgbClr val="2D2DB9"/>
       </a:accent6>
       <a:hlink>
-        <a:srgbClr val="CCCCFF"/>
+        <a:srgbClr val="2D2DB9"/>
       </a:hlink>
       <a:folHlink>
-        <a:srgbClr val="B2B2B2"/>
+        <a:srgbClr val="2D2DB9"/>
       </a:folHlink>
     </a:clrScheme>
     <a:fontScheme name="Office Theme">
@@ -24475,7 +24690,7 @@
         <a:effectLst/>
         <a:extLst>
           <a:ext uri="{AF507438-7753-43E0-B8FC-AC1667EBCBE1}">
-            <a14:hiddenEffects xmlns:a14="http://schemas.microsoft.com/office/drawing/2010/main" xmlns="">
+            <a14:hiddenEffects xmlns:a14="http://schemas.microsoft.com/office/drawing/2010/main">
               <a:effectLst>
                 <a:outerShdw dist="35921" dir="2700000" algn="ctr" rotWithShape="0">
                   <a:schemeClr val="bg2"/>
@@ -24548,7 +24763,7 @@
         <a:effectLst/>
         <a:extLst>
           <a:ext uri="{AF507438-7753-43E0-B8FC-AC1667EBCBE1}">
-            <a14:hiddenEffects xmlns:a14="http://schemas.microsoft.com/office/drawing/2010/main" xmlns="">
+            <a14:hiddenEffects xmlns:a14="http://schemas.microsoft.com/office/drawing/2010/main">
               <a:effectLst>
                 <a:outerShdw dist="35921" dir="2700000" algn="ctr" rotWithShape="0">
                   <a:schemeClr val="bg2"/>
@@ -24884,7 +25099,7 @@
   </a:extraClrSchemeLst>
   <a:extLst>
     <a:ext uri="{05A4C25C-085E-4340-85A3-A5531E510DB2}">
-      <thm15:themeFamily xmlns:thm15="http://schemas.microsoft.com/office/thememl/2012/main" xmlns="" name="Office Theme" id="{62F939B6-93AF-4DB8-9C6B-D6C7DFDC589F}" vid="{4A3C46E8-61CC-4603-A589-7422A47A8E4A}"/>
+      <thm15:themeFamily xmlns:thm15="http://schemas.microsoft.com/office/thememl/2012/main" name="Office Theme" id="{62F939B6-93AF-4DB8-9C6B-D6C7DFDC589F}" vid="{4A3C46E8-61CC-4603-A589-7422A47A8E4A}"/>
     </a:ext>
   </a:extLst>
 </a:theme>
@@ -25145,7 +25360,7 @@
   <a:extraClrSchemeLst/>
   <a:extLst>
     <a:ext uri="{05A4C25C-085E-4340-85A3-A5531E510DB2}">
-      <thm15:themeFamily xmlns:thm15="http://schemas.microsoft.com/office/thememl/2012/main" xmlns="" name="Office Theme" id="{62F939B6-93AF-4DB8-9C6B-D6C7DFDC589F}" vid="{4A3C46E8-61CC-4603-A589-7422A47A8E4A}"/>
+      <thm15:themeFamily xmlns:thm15="http://schemas.microsoft.com/office/thememl/2012/main" name="Office Theme" id="{62F939B6-93AF-4DB8-9C6B-D6C7DFDC589F}" vid="{4A3C46E8-61CC-4603-A589-7422A47A8E4A}"/>
     </a:ext>
   </a:extLst>
 </a:theme>

--- a/folien/Semester_04_Termin_04_Kapitel12.pptx
+++ b/folien/Semester_04_Termin_04_Kapitel12.pptx
@@ -5,7 +5,7 @@
     <p:sldMasterId id="2147483648" r:id="rId1"/>
   </p:sldMasterIdLst>
   <p:notesMasterIdLst>
-    <p:notesMasterId r:id="rId38"/>
+    <p:notesMasterId r:id="rId39"/>
   </p:notesMasterIdLst>
   <p:sldIdLst>
     <p:sldId id="256" r:id="rId2"/>
@@ -40,10 +40,11 @@
     <p:sldId id="282" r:id="rId31"/>
     <p:sldId id="283" r:id="rId32"/>
     <p:sldId id="284" r:id="rId33"/>
-    <p:sldId id="285" r:id="rId34"/>
-    <p:sldId id="286" r:id="rId35"/>
-    <p:sldId id="287" r:id="rId36"/>
-    <p:sldId id="288" r:id="rId37"/>
+    <p:sldId id="292" r:id="rId34"/>
+    <p:sldId id="285" r:id="rId35"/>
+    <p:sldId id="286" r:id="rId36"/>
+    <p:sldId id="287" r:id="rId37"/>
+    <p:sldId id="288" r:id="rId38"/>
   </p:sldIdLst>
   <p:sldSz cx="10080625" cy="7559675"/>
   <p:notesSz cx="7559675" cy="10691813"/>
@@ -174,7 +175,7 @@
   </p:defaultTextStyle>
   <p:extLst>
     <p:ext uri="{EFAFB233-063F-42B5-8137-9DF3F51BA10A}">
-      <p15:sldGuideLst xmlns:p15="http://schemas.microsoft.com/office/powerpoint/2012/main">
+      <p15:sldGuideLst xmlns:p15="http://schemas.microsoft.com/office/powerpoint/2012/main" xmlns="">
         <p15:guide id="1" orient="horz" pos="2160">
           <p15:clr>
             <a:srgbClr val="A4A3A4"/>
@@ -188,7 +189,7 @@
       </p15:sldGuideLst>
     </p:ext>
     <p:ext uri="{2D200454-40CA-4A62-9FC3-DE9A4176ACB9}">
-      <p15:notesGuideLst xmlns:p15="http://schemas.microsoft.com/office/powerpoint/2012/main">
+      <p15:notesGuideLst xmlns:p15="http://schemas.microsoft.com/office/powerpoint/2012/main" xmlns="">
         <p15:guide id="1" orient="horz" pos="2880">
           <p15:clr>
             <a:srgbClr val="A4A3A4"/>
@@ -283,14 +284,14 @@
           <a:effectLst/>
           <a:extLst>
             <a:ext uri="{909E8E84-426E-40DD-AFC4-6F175D3DCCD1}">
-              <a14:hiddenFill xmlns:a14="http://schemas.microsoft.com/office/drawing/2010/main">
+              <a14:hiddenFill xmlns:a14="http://schemas.microsoft.com/office/drawing/2010/main" xmlns="">
                 <a:solidFill>
                   <a:srgbClr val="FFFFFF"/>
                 </a:solidFill>
               </a14:hiddenFill>
             </a:ext>
             <a:ext uri="{91240B29-F687-4F45-9708-019B960494DF}">
-              <a14:hiddenLine xmlns:a14="http://schemas.microsoft.com/office/drawing/2010/main" w="9525">
+              <a14:hiddenLine xmlns:a14="http://schemas.microsoft.com/office/drawing/2010/main" xmlns="" w="9525">
                 <a:solidFill>
                   <a:srgbClr val="000000"/>
                 </a:solidFill>
@@ -300,7 +301,7 @@
               </a14:hiddenLine>
             </a:ext>
             <a:ext uri="{AF507438-7753-43E0-B8FC-AC1667EBCBE1}">
-              <a14:hiddenEffects xmlns:a14="http://schemas.microsoft.com/office/drawing/2010/main">
+              <a14:hiddenEffects xmlns:a14="http://schemas.microsoft.com/office/drawing/2010/main" xmlns="">
                 <a:effectLst>
                   <a:outerShdw dist="35921" dir="2700000" algn="ctr" rotWithShape="0">
                     <a:schemeClr val="bg2"/>
@@ -348,14 +349,14 @@
           <a:effectLst/>
           <a:extLst>
             <a:ext uri="{909E8E84-426E-40DD-AFC4-6F175D3DCCD1}">
-              <a14:hiddenFill xmlns:a14="http://schemas.microsoft.com/office/drawing/2010/main">
+              <a14:hiddenFill xmlns:a14="http://schemas.microsoft.com/office/drawing/2010/main" xmlns="">
                 <a:solidFill>
                   <a:srgbClr val="FFFFFF"/>
                 </a:solidFill>
               </a14:hiddenFill>
             </a:ext>
             <a:ext uri="{91240B29-F687-4F45-9708-019B960494DF}">
-              <a14:hiddenLine xmlns:a14="http://schemas.microsoft.com/office/drawing/2010/main" w="9525">
+              <a14:hiddenLine xmlns:a14="http://schemas.microsoft.com/office/drawing/2010/main" xmlns="" w="9525">
                 <a:solidFill>
                   <a:srgbClr val="000000"/>
                 </a:solidFill>
@@ -365,7 +366,7 @@
               </a14:hiddenLine>
             </a:ext>
             <a:ext uri="{AF507438-7753-43E0-B8FC-AC1667EBCBE1}">
-              <a14:hiddenEffects xmlns:a14="http://schemas.microsoft.com/office/drawing/2010/main">
+              <a14:hiddenEffects xmlns:a14="http://schemas.microsoft.com/office/drawing/2010/main" xmlns="">
                 <a:effectLst>
                   <a:outerShdw dist="35921" dir="2700000" algn="ctr" rotWithShape="0">
                     <a:schemeClr val="bg2"/>
@@ -440,14 +441,14 @@
           <a:effectLst/>
           <a:extLst>
             <a:ext uri="{909E8E84-426E-40DD-AFC4-6F175D3DCCD1}">
-              <a14:hiddenFill xmlns:a14="http://schemas.microsoft.com/office/drawing/2010/main">
+              <a14:hiddenFill xmlns:a14="http://schemas.microsoft.com/office/drawing/2010/main" xmlns="">
                 <a:solidFill>
                   <a:srgbClr val="FFFFFF"/>
                 </a:solidFill>
               </a14:hiddenFill>
             </a:ext>
             <a:ext uri="{91240B29-F687-4F45-9708-019B960494DF}">
-              <a14:hiddenLine xmlns:a14="http://schemas.microsoft.com/office/drawing/2010/main" w="9525">
+              <a14:hiddenLine xmlns:a14="http://schemas.microsoft.com/office/drawing/2010/main" xmlns="" w="9525">
                 <a:solidFill>
                   <a:srgbClr val="000000"/>
                 </a:solidFill>
@@ -457,7 +458,7 @@
               </a14:hiddenLine>
             </a:ext>
             <a:ext uri="{AF507438-7753-43E0-B8FC-AC1667EBCBE1}">
-              <a14:hiddenEffects xmlns:a14="http://schemas.microsoft.com/office/drawing/2010/main">
+              <a14:hiddenEffects xmlns:a14="http://schemas.microsoft.com/office/drawing/2010/main" xmlns="">
                 <a:effectLst>
                   <a:outerShdw dist="35921" dir="2700000" algn="ctr" rotWithShape="0">
                     <a:schemeClr val="bg2"/>
@@ -532,14 +533,14 @@
           <a:effectLst/>
           <a:extLst>
             <a:ext uri="{909E8E84-426E-40DD-AFC4-6F175D3DCCD1}">
-              <a14:hiddenFill xmlns:a14="http://schemas.microsoft.com/office/drawing/2010/main">
+              <a14:hiddenFill xmlns:a14="http://schemas.microsoft.com/office/drawing/2010/main" xmlns="">
                 <a:solidFill>
                   <a:srgbClr val="FFFFFF"/>
                 </a:solidFill>
               </a14:hiddenFill>
             </a:ext>
             <a:ext uri="{91240B29-F687-4F45-9708-019B960494DF}">
-              <a14:hiddenLine xmlns:a14="http://schemas.microsoft.com/office/drawing/2010/main" w="9525">
+              <a14:hiddenLine xmlns:a14="http://schemas.microsoft.com/office/drawing/2010/main" xmlns="" w="9525">
                 <a:solidFill>
                   <a:srgbClr val="000000"/>
                 </a:solidFill>
@@ -549,7 +550,7 @@
               </a14:hiddenLine>
             </a:ext>
             <a:ext uri="{AF507438-7753-43E0-B8FC-AC1667EBCBE1}">
-              <a14:hiddenEffects xmlns:a14="http://schemas.microsoft.com/office/drawing/2010/main">
+              <a14:hiddenEffects xmlns:a14="http://schemas.microsoft.com/office/drawing/2010/main" xmlns="">
                 <a:effectLst>
                   <a:outerShdw dist="35921" dir="2700000" algn="ctr" rotWithShape="0">
                     <a:schemeClr val="bg2"/>
@@ -624,14 +625,14 @@
           <a:effectLst/>
           <a:extLst>
             <a:ext uri="{909E8E84-426E-40DD-AFC4-6F175D3DCCD1}">
-              <a14:hiddenFill xmlns:a14="http://schemas.microsoft.com/office/drawing/2010/main">
+              <a14:hiddenFill xmlns:a14="http://schemas.microsoft.com/office/drawing/2010/main" xmlns="">
                 <a:solidFill>
                   <a:srgbClr val="FFFFFF"/>
                 </a:solidFill>
               </a14:hiddenFill>
             </a:ext>
             <a:ext uri="{91240B29-F687-4F45-9708-019B960494DF}">
-              <a14:hiddenLine xmlns:a14="http://schemas.microsoft.com/office/drawing/2010/main" w="9525">
+              <a14:hiddenLine xmlns:a14="http://schemas.microsoft.com/office/drawing/2010/main" xmlns="" w="9525">
                 <a:solidFill>
                   <a:srgbClr val="000000"/>
                 </a:solidFill>
@@ -641,7 +642,7 @@
               </a14:hiddenLine>
             </a:ext>
             <a:ext uri="{AF507438-7753-43E0-B8FC-AC1667EBCBE1}">
-              <a14:hiddenEffects xmlns:a14="http://schemas.microsoft.com/office/drawing/2010/main">
+              <a14:hiddenEffects xmlns:a14="http://schemas.microsoft.com/office/drawing/2010/main" xmlns="">
                 <a:effectLst>
                   <a:outerShdw dist="35921" dir="2700000" algn="ctr" rotWithShape="0">
                     <a:schemeClr val="bg2"/>
@@ -695,7 +696,7 @@
     </p:spTree>
     <p:extLst>
       <p:ext uri="{BB962C8B-B14F-4D97-AF65-F5344CB8AC3E}">
-        <p14:creationId xmlns:p14="http://schemas.microsoft.com/office/powerpoint/2010/main" val="2025780962"/>
+        <p14:creationId xmlns:p14="http://schemas.microsoft.com/office/powerpoint/2010/main" xmlns="" val="2025780962"/>
       </p:ext>
     </p:extLst>
   </p:cSld>
@@ -962,7 +963,7 @@
     </p:spTree>
     <p:extLst>
       <p:ext uri="{BB962C8B-B14F-4D97-AF65-F5344CB8AC3E}">
-        <p14:creationId xmlns:p14="http://schemas.microsoft.com/office/powerpoint/2010/main" val="1810478657"/>
+        <p14:creationId xmlns:p14="http://schemas.microsoft.com/office/powerpoint/2010/main" xmlns="" val="1810478657"/>
       </p:ext>
     </p:extLst>
   </p:cSld>
@@ -1084,7 +1085,7 @@
     </p:spTree>
     <p:extLst>
       <p:ext uri="{BB962C8B-B14F-4D97-AF65-F5344CB8AC3E}">
-        <p14:creationId xmlns:p14="http://schemas.microsoft.com/office/powerpoint/2010/main" val="530364005"/>
+        <p14:creationId xmlns:p14="http://schemas.microsoft.com/office/powerpoint/2010/main" xmlns="" val="530364005"/>
       </p:ext>
     </p:extLst>
   </p:cSld>
@@ -1206,7 +1207,7 @@
     </p:spTree>
     <p:extLst>
       <p:ext uri="{BB962C8B-B14F-4D97-AF65-F5344CB8AC3E}">
-        <p14:creationId xmlns:p14="http://schemas.microsoft.com/office/powerpoint/2010/main" val="2477818508"/>
+        <p14:creationId xmlns:p14="http://schemas.microsoft.com/office/powerpoint/2010/main" xmlns="" val="2477818508"/>
       </p:ext>
     </p:extLst>
   </p:cSld>
@@ -1328,7 +1329,7 @@
     </p:spTree>
     <p:extLst>
       <p:ext uri="{BB962C8B-B14F-4D97-AF65-F5344CB8AC3E}">
-        <p14:creationId xmlns:p14="http://schemas.microsoft.com/office/powerpoint/2010/main" val="69222621"/>
+        <p14:creationId xmlns:p14="http://schemas.microsoft.com/office/powerpoint/2010/main" xmlns="" val="69222621"/>
       </p:ext>
     </p:extLst>
   </p:cSld>
@@ -1450,7 +1451,7 @@
     </p:spTree>
     <p:extLst>
       <p:ext uri="{BB962C8B-B14F-4D97-AF65-F5344CB8AC3E}">
-        <p14:creationId xmlns:p14="http://schemas.microsoft.com/office/powerpoint/2010/main" val="3114346541"/>
+        <p14:creationId xmlns:p14="http://schemas.microsoft.com/office/powerpoint/2010/main" xmlns="" val="3114346541"/>
       </p:ext>
     </p:extLst>
   </p:cSld>
@@ -1572,7 +1573,7 @@
     </p:spTree>
     <p:extLst>
       <p:ext uri="{BB962C8B-B14F-4D97-AF65-F5344CB8AC3E}">
-        <p14:creationId xmlns:p14="http://schemas.microsoft.com/office/powerpoint/2010/main" val="1292468432"/>
+        <p14:creationId xmlns:p14="http://schemas.microsoft.com/office/powerpoint/2010/main" xmlns="" val="1292468432"/>
       </p:ext>
     </p:extLst>
   </p:cSld>
@@ -1694,7 +1695,7 @@
     </p:spTree>
     <p:extLst>
       <p:ext uri="{BB962C8B-B14F-4D97-AF65-F5344CB8AC3E}">
-        <p14:creationId xmlns:p14="http://schemas.microsoft.com/office/powerpoint/2010/main" val="802767215"/>
+        <p14:creationId xmlns:p14="http://schemas.microsoft.com/office/powerpoint/2010/main" xmlns="" val="802767215"/>
       </p:ext>
     </p:extLst>
   </p:cSld>
@@ -1816,7 +1817,7 @@
     </p:spTree>
     <p:extLst>
       <p:ext uri="{BB962C8B-B14F-4D97-AF65-F5344CB8AC3E}">
-        <p14:creationId xmlns:p14="http://schemas.microsoft.com/office/powerpoint/2010/main" val="1042719044"/>
+        <p14:creationId xmlns:p14="http://schemas.microsoft.com/office/powerpoint/2010/main" xmlns="" val="1042719044"/>
       </p:ext>
     </p:extLst>
   </p:cSld>
@@ -1938,7 +1939,7 @@
     </p:spTree>
     <p:extLst>
       <p:ext uri="{BB962C8B-B14F-4D97-AF65-F5344CB8AC3E}">
-        <p14:creationId xmlns:p14="http://schemas.microsoft.com/office/powerpoint/2010/main" val="1682183859"/>
+        <p14:creationId xmlns:p14="http://schemas.microsoft.com/office/powerpoint/2010/main" xmlns="" val="1682183859"/>
       </p:ext>
     </p:extLst>
   </p:cSld>
@@ -2060,7 +2061,7 @@
     </p:spTree>
     <p:extLst>
       <p:ext uri="{BB962C8B-B14F-4D97-AF65-F5344CB8AC3E}">
-        <p14:creationId xmlns:p14="http://schemas.microsoft.com/office/powerpoint/2010/main" val="675236072"/>
+        <p14:creationId xmlns:p14="http://schemas.microsoft.com/office/powerpoint/2010/main" xmlns="" val="675236072"/>
       </p:ext>
     </p:extLst>
   </p:cSld>
@@ -2182,7 +2183,7 @@
     </p:spTree>
     <p:extLst>
       <p:ext uri="{BB962C8B-B14F-4D97-AF65-F5344CB8AC3E}">
-        <p14:creationId xmlns:p14="http://schemas.microsoft.com/office/powerpoint/2010/main" val="1677407292"/>
+        <p14:creationId xmlns:p14="http://schemas.microsoft.com/office/powerpoint/2010/main" xmlns="" val="1677407292"/>
       </p:ext>
     </p:extLst>
   </p:cSld>
@@ -2304,7 +2305,7 @@
     </p:spTree>
     <p:extLst>
       <p:ext uri="{BB962C8B-B14F-4D97-AF65-F5344CB8AC3E}">
-        <p14:creationId xmlns:p14="http://schemas.microsoft.com/office/powerpoint/2010/main" val="449640175"/>
+        <p14:creationId xmlns:p14="http://schemas.microsoft.com/office/powerpoint/2010/main" xmlns="" val="449640175"/>
       </p:ext>
     </p:extLst>
   </p:cSld>
@@ -2426,7 +2427,7 @@
     </p:spTree>
     <p:extLst>
       <p:ext uri="{BB962C8B-B14F-4D97-AF65-F5344CB8AC3E}">
-        <p14:creationId xmlns:p14="http://schemas.microsoft.com/office/powerpoint/2010/main" val="4064639674"/>
+        <p14:creationId xmlns:p14="http://schemas.microsoft.com/office/powerpoint/2010/main" xmlns="" val="4064639674"/>
       </p:ext>
     </p:extLst>
   </p:cSld>
@@ -2548,7 +2549,7 @@
     </p:spTree>
     <p:extLst>
       <p:ext uri="{BB962C8B-B14F-4D97-AF65-F5344CB8AC3E}">
-        <p14:creationId xmlns:p14="http://schemas.microsoft.com/office/powerpoint/2010/main" val="1529532070"/>
+        <p14:creationId xmlns:p14="http://schemas.microsoft.com/office/powerpoint/2010/main" xmlns="" val="1529532070"/>
       </p:ext>
     </p:extLst>
   </p:cSld>
@@ -2670,7 +2671,7 @@
     </p:spTree>
     <p:extLst>
       <p:ext uri="{BB962C8B-B14F-4D97-AF65-F5344CB8AC3E}">
-        <p14:creationId xmlns:p14="http://schemas.microsoft.com/office/powerpoint/2010/main" val="901862719"/>
+        <p14:creationId xmlns:p14="http://schemas.microsoft.com/office/powerpoint/2010/main" xmlns="" val="901862719"/>
       </p:ext>
     </p:extLst>
   </p:cSld>
@@ -2792,7 +2793,7 @@
     </p:spTree>
     <p:extLst>
       <p:ext uri="{BB962C8B-B14F-4D97-AF65-F5344CB8AC3E}">
-        <p14:creationId xmlns:p14="http://schemas.microsoft.com/office/powerpoint/2010/main" val="3590955505"/>
+        <p14:creationId xmlns:p14="http://schemas.microsoft.com/office/powerpoint/2010/main" xmlns="" val="3590955505"/>
       </p:ext>
     </p:extLst>
   </p:cSld>
@@ -2914,7 +2915,7 @@
     </p:spTree>
     <p:extLst>
       <p:ext uri="{BB962C8B-B14F-4D97-AF65-F5344CB8AC3E}">
-        <p14:creationId xmlns:p14="http://schemas.microsoft.com/office/powerpoint/2010/main" val="1553004299"/>
+        <p14:creationId xmlns:p14="http://schemas.microsoft.com/office/powerpoint/2010/main" xmlns="" val="1553004299"/>
       </p:ext>
     </p:extLst>
   </p:cSld>
@@ -3036,7 +3037,7 @@
     </p:spTree>
     <p:extLst>
       <p:ext uri="{BB962C8B-B14F-4D97-AF65-F5344CB8AC3E}">
-        <p14:creationId xmlns:p14="http://schemas.microsoft.com/office/powerpoint/2010/main" val="3633940588"/>
+        <p14:creationId xmlns:p14="http://schemas.microsoft.com/office/powerpoint/2010/main" xmlns="" val="3633940588"/>
       </p:ext>
     </p:extLst>
   </p:cSld>
@@ -3158,7 +3159,7 @@
     </p:spTree>
     <p:extLst>
       <p:ext uri="{BB962C8B-B14F-4D97-AF65-F5344CB8AC3E}">
-        <p14:creationId xmlns:p14="http://schemas.microsoft.com/office/powerpoint/2010/main" val="1239570547"/>
+        <p14:creationId xmlns:p14="http://schemas.microsoft.com/office/powerpoint/2010/main" xmlns="" val="1239570547"/>
       </p:ext>
     </p:extLst>
   </p:cSld>
@@ -3280,7 +3281,7 @@
     </p:spTree>
     <p:extLst>
       <p:ext uri="{BB962C8B-B14F-4D97-AF65-F5344CB8AC3E}">
-        <p14:creationId xmlns:p14="http://schemas.microsoft.com/office/powerpoint/2010/main" val="583227587"/>
+        <p14:creationId xmlns:p14="http://schemas.microsoft.com/office/powerpoint/2010/main" xmlns="" val="583227587"/>
       </p:ext>
     </p:extLst>
   </p:cSld>
@@ -3402,7 +3403,7 @@
     </p:spTree>
     <p:extLst>
       <p:ext uri="{BB962C8B-B14F-4D97-AF65-F5344CB8AC3E}">
-        <p14:creationId xmlns:p14="http://schemas.microsoft.com/office/powerpoint/2010/main" val="1852008813"/>
+        <p14:creationId xmlns:p14="http://schemas.microsoft.com/office/powerpoint/2010/main" xmlns="" val="1852008813"/>
       </p:ext>
     </p:extLst>
   </p:cSld>
@@ -3524,7 +3525,7 @@
     </p:spTree>
     <p:extLst>
       <p:ext uri="{BB962C8B-B14F-4D97-AF65-F5344CB8AC3E}">
-        <p14:creationId xmlns:p14="http://schemas.microsoft.com/office/powerpoint/2010/main" val="1223355757"/>
+        <p14:creationId xmlns:p14="http://schemas.microsoft.com/office/powerpoint/2010/main" xmlns="" val="1223355757"/>
       </p:ext>
     </p:extLst>
   </p:cSld>
@@ -3646,7 +3647,7 @@
     </p:spTree>
     <p:extLst>
       <p:ext uri="{BB962C8B-B14F-4D97-AF65-F5344CB8AC3E}">
-        <p14:creationId xmlns:p14="http://schemas.microsoft.com/office/powerpoint/2010/main" val="2653028130"/>
+        <p14:creationId xmlns:p14="http://schemas.microsoft.com/office/powerpoint/2010/main" xmlns="" val="2653028130"/>
       </p:ext>
     </p:extLst>
   </p:cSld>
@@ -3768,7 +3769,7 @@
     </p:spTree>
     <p:extLst>
       <p:ext uri="{BB962C8B-B14F-4D97-AF65-F5344CB8AC3E}">
-        <p14:creationId xmlns:p14="http://schemas.microsoft.com/office/powerpoint/2010/main" val="1966052204"/>
+        <p14:creationId xmlns:p14="http://schemas.microsoft.com/office/powerpoint/2010/main" xmlns="" val="1966052204"/>
       </p:ext>
     </p:extLst>
   </p:cSld>
@@ -3890,7 +3891,7 @@
     </p:spTree>
     <p:extLst>
       <p:ext uri="{BB962C8B-B14F-4D97-AF65-F5344CB8AC3E}">
-        <p14:creationId xmlns:p14="http://schemas.microsoft.com/office/powerpoint/2010/main" val="2428717609"/>
+        <p14:creationId xmlns:p14="http://schemas.microsoft.com/office/powerpoint/2010/main" xmlns="" val="2428717609"/>
       </p:ext>
     </p:extLst>
   </p:cSld>
@@ -4012,7 +4013,7 @@
     </p:spTree>
     <p:extLst>
       <p:ext uri="{BB962C8B-B14F-4D97-AF65-F5344CB8AC3E}">
-        <p14:creationId xmlns:p14="http://schemas.microsoft.com/office/powerpoint/2010/main" val="1692427942"/>
+        <p14:creationId xmlns:p14="http://schemas.microsoft.com/office/powerpoint/2010/main" xmlns="" val="1692427942"/>
       </p:ext>
     </p:extLst>
   </p:cSld>
@@ -4049,7 +4050,7 @@
       </p:grpSpPr>
       <p:sp>
         <p:nvSpPr>
-          <p:cNvPr id="69634" name="Rectangle 6"/>
+          <p:cNvPr id="67586" name="Rectangle 6"/>
           <p:cNvSpPr>
             <a:spLocks noGrp="1" noChangeArrowheads="1"/>
           </p:cNvSpPr>
@@ -4069,7 +4070,7 @@
           <a:bodyPr/>
           <a:lstStyle/>
           <a:p>
-            <a:fld id="{38796AA2-F2DB-45E2-AB1A-C88D0A1F1CD7}" type="slidenum">
+            <a:fld id="{CA7ACE90-591A-4BB9-A6ED-9E63DEAE7E9D}" type="slidenum">
               <a:rPr lang="de-DE" altLang="de-DE"/>
               <a:pPr/>
               <a:t>33</a:t>
@@ -4080,7 +4081,7 @@
       </p:sp>
       <p:sp>
         <p:nvSpPr>
-          <p:cNvPr id="69635" name="Rectangle 1"/>
+          <p:cNvPr id="67587" name="Rectangle 1"/>
           <p:cNvSpPr>
             <a:spLocks noGrp="1" noRot="1" noChangeAspect="1" noChangeArrowheads="1" noTextEdit="1"/>
           </p:cNvSpPr>
@@ -4106,7 +4107,7 @@
       </p:sp>
       <p:sp>
         <p:nvSpPr>
-          <p:cNvPr id="69636" name="Rectangle 2"/>
+          <p:cNvPr id="67588" name="Rectangle 2"/>
           <p:cNvSpPr>
             <a:spLocks noGrp="1" noChangeArrowheads="1"/>
           </p:cNvSpPr>
@@ -4134,7 +4135,7 @@
     </p:spTree>
     <p:extLst>
       <p:ext uri="{BB962C8B-B14F-4D97-AF65-F5344CB8AC3E}">
-        <p14:creationId xmlns:p14="http://schemas.microsoft.com/office/powerpoint/2010/main" val="3989539809"/>
+        <p14:creationId xmlns:p14="http://schemas.microsoft.com/office/powerpoint/2010/main" xmlns="" val="1692427942"/>
       </p:ext>
     </p:extLst>
   </p:cSld>
@@ -4171,7 +4172,7 @@
       </p:grpSpPr>
       <p:sp>
         <p:nvSpPr>
-          <p:cNvPr id="71682" name="Rectangle 6"/>
+          <p:cNvPr id="69634" name="Rectangle 6"/>
           <p:cNvSpPr>
             <a:spLocks noGrp="1" noChangeArrowheads="1"/>
           </p:cNvSpPr>
@@ -4191,7 +4192,7 @@
           <a:bodyPr/>
           <a:lstStyle/>
           <a:p>
-            <a:fld id="{1B1FD7C4-B9DB-48DD-A24B-0D7C28CA6730}" type="slidenum">
+            <a:fld id="{38796AA2-F2DB-45E2-AB1A-C88D0A1F1CD7}" type="slidenum">
               <a:rPr lang="de-DE" altLang="de-DE"/>
               <a:pPr/>
               <a:t>34</a:t>
@@ -4202,7 +4203,7 @@
       </p:sp>
       <p:sp>
         <p:nvSpPr>
-          <p:cNvPr id="71683" name="Rectangle 1"/>
+          <p:cNvPr id="69635" name="Rectangle 1"/>
           <p:cNvSpPr>
             <a:spLocks noGrp="1" noRot="1" noChangeAspect="1" noChangeArrowheads="1" noTextEdit="1"/>
           </p:cNvSpPr>
@@ -4228,7 +4229,7 @@
       </p:sp>
       <p:sp>
         <p:nvSpPr>
-          <p:cNvPr id="71684" name="Rectangle 2"/>
+          <p:cNvPr id="69636" name="Rectangle 2"/>
           <p:cNvSpPr>
             <a:spLocks noGrp="1" noChangeArrowheads="1"/>
           </p:cNvSpPr>
@@ -4256,7 +4257,7 @@
     </p:spTree>
     <p:extLst>
       <p:ext uri="{BB962C8B-B14F-4D97-AF65-F5344CB8AC3E}">
-        <p14:creationId xmlns:p14="http://schemas.microsoft.com/office/powerpoint/2010/main" val="2411076295"/>
+        <p14:creationId xmlns:p14="http://schemas.microsoft.com/office/powerpoint/2010/main" xmlns="" val="3989539809"/>
       </p:ext>
     </p:extLst>
   </p:cSld>
@@ -4293,7 +4294,7 @@
       </p:grpSpPr>
       <p:sp>
         <p:nvSpPr>
-          <p:cNvPr id="73730" name="Rectangle 6"/>
+          <p:cNvPr id="71682" name="Rectangle 6"/>
           <p:cNvSpPr>
             <a:spLocks noGrp="1" noChangeArrowheads="1"/>
           </p:cNvSpPr>
@@ -4313,7 +4314,7 @@
           <a:bodyPr/>
           <a:lstStyle/>
           <a:p>
-            <a:fld id="{C1FBB2B6-D961-4789-90CC-3090636838BB}" type="slidenum">
+            <a:fld id="{1B1FD7C4-B9DB-48DD-A24B-0D7C28CA6730}" type="slidenum">
               <a:rPr lang="de-DE" altLang="de-DE"/>
               <a:pPr/>
               <a:t>35</a:t>
@@ -4324,7 +4325,7 @@
       </p:sp>
       <p:sp>
         <p:nvSpPr>
-          <p:cNvPr id="73731" name="Rectangle 1"/>
+          <p:cNvPr id="71683" name="Rectangle 1"/>
           <p:cNvSpPr>
             <a:spLocks noGrp="1" noRot="1" noChangeAspect="1" noChangeArrowheads="1" noTextEdit="1"/>
           </p:cNvSpPr>
@@ -4350,7 +4351,7 @@
       </p:sp>
       <p:sp>
         <p:nvSpPr>
-          <p:cNvPr id="73732" name="Rectangle 2"/>
+          <p:cNvPr id="71684" name="Rectangle 2"/>
           <p:cNvSpPr>
             <a:spLocks noGrp="1" noChangeArrowheads="1"/>
           </p:cNvSpPr>
@@ -4378,7 +4379,7 @@
     </p:spTree>
     <p:extLst>
       <p:ext uri="{BB962C8B-B14F-4D97-AF65-F5344CB8AC3E}">
-        <p14:creationId xmlns:p14="http://schemas.microsoft.com/office/powerpoint/2010/main" val="818806398"/>
+        <p14:creationId xmlns:p14="http://schemas.microsoft.com/office/powerpoint/2010/main" xmlns="" val="2411076295"/>
       </p:ext>
     </p:extLst>
   </p:cSld>
@@ -4415,7 +4416,7 @@
       </p:grpSpPr>
       <p:sp>
         <p:nvSpPr>
-          <p:cNvPr id="75778" name="Rectangle 6"/>
+          <p:cNvPr id="73730" name="Rectangle 6"/>
           <p:cNvSpPr>
             <a:spLocks noGrp="1" noChangeArrowheads="1"/>
           </p:cNvSpPr>
@@ -4435,7 +4436,7 @@
           <a:bodyPr/>
           <a:lstStyle/>
           <a:p>
-            <a:fld id="{B65DFEFF-EA04-4510-9219-EED041B39D6F}" type="slidenum">
+            <a:fld id="{C1FBB2B6-D961-4789-90CC-3090636838BB}" type="slidenum">
               <a:rPr lang="de-DE" altLang="de-DE"/>
               <a:pPr/>
               <a:t>36</a:t>
@@ -4446,7 +4447,7 @@
       </p:sp>
       <p:sp>
         <p:nvSpPr>
-          <p:cNvPr id="75779" name="Rectangle 1"/>
+          <p:cNvPr id="73731" name="Rectangle 1"/>
           <p:cNvSpPr>
             <a:spLocks noGrp="1" noRot="1" noChangeAspect="1" noChangeArrowheads="1" noTextEdit="1"/>
           </p:cNvSpPr>
@@ -4472,7 +4473,7 @@
       </p:sp>
       <p:sp>
         <p:nvSpPr>
-          <p:cNvPr id="75780" name="Rectangle 2"/>
+          <p:cNvPr id="73732" name="Rectangle 2"/>
           <p:cNvSpPr>
             <a:spLocks noGrp="1" noChangeArrowheads="1"/>
           </p:cNvSpPr>
@@ -4500,7 +4501,129 @@
     </p:spTree>
     <p:extLst>
       <p:ext uri="{BB962C8B-B14F-4D97-AF65-F5344CB8AC3E}">
-        <p14:creationId xmlns:p14="http://schemas.microsoft.com/office/powerpoint/2010/main" val="903251890"/>
+        <p14:creationId xmlns:p14="http://schemas.microsoft.com/office/powerpoint/2010/main" xmlns="" val="818806398"/>
+      </p:ext>
+    </p:extLst>
+  </p:cSld>
+  <p:clrMapOvr>
+    <a:masterClrMapping/>
+  </p:clrMapOvr>
+</p:notes>
+</file>
+
+<file path=ppt/notesSlides/notesSlide37.xml><?xml version="1.0" encoding="utf-8"?>
+<p:notes xmlns:a="http://schemas.openxmlformats.org/drawingml/2006/main" xmlns:r="http://schemas.openxmlformats.org/officeDocument/2006/relationships" xmlns:p="http://schemas.openxmlformats.org/presentationml/2006/main">
+  <p:cSld>
+    <p:bg>
+      <p:bgPr>
+        <a:solidFill>
+          <a:srgbClr val="FFFFFF"/>
+        </a:solidFill>
+        <a:effectLst/>
+      </p:bgPr>
+    </p:bg>
+    <p:spTree>
+      <p:nvGrpSpPr>
+        <p:cNvPr id="1" name=""/>
+        <p:cNvGrpSpPr/>
+        <p:nvPr/>
+      </p:nvGrpSpPr>
+      <p:grpSpPr>
+        <a:xfrm>
+          <a:off x="0" y="0"/>
+          <a:ext cx="0" cy="0"/>
+          <a:chOff x="0" y="0"/>
+          <a:chExt cx="0" cy="0"/>
+        </a:xfrm>
+      </p:grpSpPr>
+      <p:sp>
+        <p:nvSpPr>
+          <p:cNvPr id="75778" name="Rectangle 6"/>
+          <p:cNvSpPr>
+            <a:spLocks noGrp="1" noChangeArrowheads="1"/>
+          </p:cNvSpPr>
+          <p:nvPr>
+            <p:ph type="sldNum" sz="quarter"/>
+          </p:nvPr>
+        </p:nvSpPr>
+        <p:spPr>
+          <a:noFill/>
+          <a:ln>
+            <a:round/>
+            <a:headEnd/>
+            <a:tailEnd/>
+          </a:ln>
+        </p:spPr>
+        <p:txBody>
+          <a:bodyPr/>
+          <a:lstStyle/>
+          <a:p>
+            <a:fld id="{B65DFEFF-EA04-4510-9219-EED041B39D6F}" type="slidenum">
+              <a:rPr lang="de-DE" altLang="de-DE"/>
+              <a:pPr/>
+              <a:t>37</a:t>
+            </a:fld>
+            <a:endParaRPr lang="de-DE" altLang="de-DE"/>
+          </a:p>
+        </p:txBody>
+      </p:sp>
+      <p:sp>
+        <p:nvSpPr>
+          <p:cNvPr id="75779" name="Rectangle 1"/>
+          <p:cNvSpPr>
+            <a:spLocks noGrp="1" noRot="1" noChangeAspect="1" noChangeArrowheads="1" noTextEdit="1"/>
+          </p:cNvSpPr>
+          <p:nvPr>
+            <p:ph type="sldImg"/>
+          </p:nvPr>
+        </p:nvSpPr>
+        <p:spPr>
+          <a:xfrm>
+            <a:off x="1106488" y="812800"/>
+            <a:ext cx="5345112" cy="4008438"/>
+          </a:xfrm>
+          <a:solidFill>
+            <a:srgbClr val="FFFFFF"/>
+          </a:solidFill>
+          <a:ln>
+            <a:solidFill>
+              <a:srgbClr val="000000"/>
+            </a:solidFill>
+            <a:miter lim="800000"/>
+          </a:ln>
+        </p:spPr>
+      </p:sp>
+      <p:sp>
+        <p:nvSpPr>
+          <p:cNvPr id="75780" name="Rectangle 2"/>
+          <p:cNvSpPr>
+            <a:spLocks noGrp="1" noChangeArrowheads="1"/>
+          </p:cNvSpPr>
+          <p:nvPr>
+            <p:ph type="body" idx="1"/>
+          </p:nvPr>
+        </p:nvSpPr>
+        <p:spPr>
+          <a:xfrm>
+            <a:off x="755650" y="5078413"/>
+            <a:ext cx="6048375" cy="4811712"/>
+          </a:xfrm>
+          <a:noFill/>
+        </p:spPr>
+        <p:txBody>
+          <a:bodyPr wrap="none" anchor="ctr"/>
+          <a:lstStyle/>
+          <a:p>
+            <a:endParaRPr lang="de-DE" altLang="de-DE" smtClean="0">
+              <a:latin typeface="Times New Roman" pitchFamily="16" charset="0"/>
+            </a:endParaRPr>
+          </a:p>
+        </p:txBody>
+      </p:sp>
+    </p:spTree>
+    <p:extLst>
+      <p:ext uri="{BB962C8B-B14F-4D97-AF65-F5344CB8AC3E}">
+        <p14:creationId xmlns:p14="http://schemas.microsoft.com/office/powerpoint/2010/main" xmlns="" val="903251890"/>
       </p:ext>
     </p:extLst>
   </p:cSld>
@@ -4622,7 +4745,7 @@
     </p:spTree>
     <p:extLst>
       <p:ext uri="{BB962C8B-B14F-4D97-AF65-F5344CB8AC3E}">
-        <p14:creationId xmlns:p14="http://schemas.microsoft.com/office/powerpoint/2010/main" val="1853273437"/>
+        <p14:creationId xmlns:p14="http://schemas.microsoft.com/office/powerpoint/2010/main" xmlns="" val="1853273437"/>
       </p:ext>
     </p:extLst>
   </p:cSld>
@@ -4744,7 +4867,7 @@
     </p:spTree>
     <p:extLst>
       <p:ext uri="{BB962C8B-B14F-4D97-AF65-F5344CB8AC3E}">
-        <p14:creationId xmlns:p14="http://schemas.microsoft.com/office/powerpoint/2010/main" val="4234332121"/>
+        <p14:creationId xmlns:p14="http://schemas.microsoft.com/office/powerpoint/2010/main" xmlns="" val="4234332121"/>
       </p:ext>
     </p:extLst>
   </p:cSld>
@@ -4866,7 +4989,7 @@
     </p:spTree>
     <p:extLst>
       <p:ext uri="{BB962C8B-B14F-4D97-AF65-F5344CB8AC3E}">
-        <p14:creationId xmlns:p14="http://schemas.microsoft.com/office/powerpoint/2010/main" val="659532858"/>
+        <p14:creationId xmlns:p14="http://schemas.microsoft.com/office/powerpoint/2010/main" xmlns="" val="659532858"/>
       </p:ext>
     </p:extLst>
   </p:cSld>
@@ -4988,7 +5111,7 @@
     </p:spTree>
     <p:extLst>
       <p:ext uri="{BB962C8B-B14F-4D97-AF65-F5344CB8AC3E}">
-        <p14:creationId xmlns:p14="http://schemas.microsoft.com/office/powerpoint/2010/main" val="946513626"/>
+        <p14:creationId xmlns:p14="http://schemas.microsoft.com/office/powerpoint/2010/main" xmlns="" val="946513626"/>
       </p:ext>
     </p:extLst>
   </p:cSld>
@@ -5110,7 +5233,7 @@
     </p:spTree>
     <p:extLst>
       <p:ext uri="{BB962C8B-B14F-4D97-AF65-F5344CB8AC3E}">
-        <p14:creationId xmlns:p14="http://schemas.microsoft.com/office/powerpoint/2010/main" val="312409579"/>
+        <p14:creationId xmlns:p14="http://schemas.microsoft.com/office/powerpoint/2010/main" xmlns="" val="312409579"/>
       </p:ext>
     </p:extLst>
   </p:cSld>
@@ -5232,7 +5355,7 @@
     </p:spTree>
     <p:extLst>
       <p:ext uri="{BB962C8B-B14F-4D97-AF65-F5344CB8AC3E}">
-        <p14:creationId xmlns:p14="http://schemas.microsoft.com/office/powerpoint/2010/main" val="2371958216"/>
+        <p14:creationId xmlns:p14="http://schemas.microsoft.com/office/powerpoint/2010/main" xmlns="" val="2371958216"/>
       </p:ext>
     </p:extLst>
   </p:cSld>
@@ -7996,14 +8119,14 @@
           <a:effectLst/>
           <a:extLst>
             <a:ext uri="{909E8E84-426E-40DD-AFC4-6F175D3DCCD1}">
-              <a14:hiddenFill xmlns:a14="http://schemas.microsoft.com/office/drawing/2010/main">
+              <a14:hiddenFill xmlns:a14="http://schemas.microsoft.com/office/drawing/2010/main" xmlns="">
                 <a:solidFill>
                   <a:srgbClr val="FFFFFF"/>
                 </a:solidFill>
               </a14:hiddenFill>
             </a:ext>
             <a:ext uri="{91240B29-F687-4F45-9708-019B960494DF}">
-              <a14:hiddenLine xmlns:a14="http://schemas.microsoft.com/office/drawing/2010/main" w="9525">
+              <a14:hiddenLine xmlns:a14="http://schemas.microsoft.com/office/drawing/2010/main" xmlns="" w="9525">
                 <a:solidFill>
                   <a:srgbClr val="000000"/>
                 </a:solidFill>
@@ -8013,7 +8136,7 @@
               </a14:hiddenLine>
             </a:ext>
             <a:ext uri="{AF507438-7753-43E0-B8FC-AC1667EBCBE1}">
-              <a14:hiddenEffects xmlns:a14="http://schemas.microsoft.com/office/drawing/2010/main">
+              <a14:hiddenEffects xmlns:a14="http://schemas.microsoft.com/office/drawing/2010/main" xmlns="">
                 <a:effectLst>
                   <a:outerShdw dist="35921" dir="2700000" algn="ctr" rotWithShape="0">
                     <a:schemeClr val="bg2"/>
@@ -8087,14 +8210,14 @@
           <a:effectLst/>
           <a:extLst>
             <a:ext uri="{909E8E84-426E-40DD-AFC4-6F175D3DCCD1}">
-              <a14:hiddenFill xmlns:a14="http://schemas.microsoft.com/office/drawing/2010/main">
+              <a14:hiddenFill xmlns:a14="http://schemas.microsoft.com/office/drawing/2010/main" xmlns="">
                 <a:solidFill>
                   <a:srgbClr val="FFFFFF"/>
                 </a:solidFill>
               </a14:hiddenFill>
             </a:ext>
             <a:ext uri="{91240B29-F687-4F45-9708-019B960494DF}">
-              <a14:hiddenLine xmlns:a14="http://schemas.microsoft.com/office/drawing/2010/main" w="9525">
+              <a14:hiddenLine xmlns:a14="http://schemas.microsoft.com/office/drawing/2010/main" xmlns="" w="9525">
                 <a:solidFill>
                   <a:srgbClr val="000000"/>
                 </a:solidFill>
@@ -8104,7 +8227,7 @@
               </a14:hiddenLine>
             </a:ext>
             <a:ext uri="{AF507438-7753-43E0-B8FC-AC1667EBCBE1}">
-              <a14:hiddenEffects xmlns:a14="http://schemas.microsoft.com/office/drawing/2010/main">
+              <a14:hiddenEffects xmlns:a14="http://schemas.microsoft.com/office/drawing/2010/main" xmlns="">
                 <a:effectLst>
                   <a:outerShdw dist="35921" dir="2700000" algn="ctr" rotWithShape="0">
                     <a:schemeClr val="bg2"/>
@@ -8179,14 +8302,14 @@
           <a:effectLst/>
           <a:extLst>
             <a:ext uri="{909E8E84-426E-40DD-AFC4-6F175D3DCCD1}">
-              <a14:hiddenFill xmlns:a14="http://schemas.microsoft.com/office/drawing/2010/main">
+              <a14:hiddenFill xmlns:a14="http://schemas.microsoft.com/office/drawing/2010/main" xmlns="">
                 <a:solidFill>
                   <a:srgbClr val="FFFFFF"/>
                 </a:solidFill>
               </a14:hiddenFill>
             </a:ext>
             <a:ext uri="{91240B29-F687-4F45-9708-019B960494DF}">
-              <a14:hiddenLine xmlns:a14="http://schemas.microsoft.com/office/drawing/2010/main" w="9525">
+              <a14:hiddenLine xmlns:a14="http://schemas.microsoft.com/office/drawing/2010/main" xmlns="" w="9525">
                 <a:solidFill>
                   <a:srgbClr val="000000"/>
                 </a:solidFill>
@@ -8196,7 +8319,7 @@
               </a14:hiddenLine>
             </a:ext>
             <a:ext uri="{AF507438-7753-43E0-B8FC-AC1667EBCBE1}">
-              <a14:hiddenEffects xmlns:a14="http://schemas.microsoft.com/office/drawing/2010/main">
+              <a14:hiddenEffects xmlns:a14="http://schemas.microsoft.com/office/drawing/2010/main" xmlns="">
                 <a:effectLst>
                   <a:outerShdw dist="35921" dir="2700000" algn="ctr" rotWithShape="0">
                     <a:schemeClr val="bg2"/>
@@ -19941,13 +20064,18 @@
               </a:tabLst>
             </a:pPr>
             <a:r>
-              <a:rPr lang="de-DE" altLang="de-DE" sz="4000" smtClean="0">
+              <a:rPr lang="de-DE" altLang="de-DE" sz="4000" dirty="0" smtClean="0">
                 <a:solidFill>
                   <a:srgbClr val="FFFFFF"/>
                 </a:solidFill>
               </a:rPr>
-              <a:t>Übung 1</a:t>
-            </a:r>
+              <a:t>Vor der Übung</a:t>
+            </a:r>
+            <a:endParaRPr lang="de-DE" altLang="de-DE" sz="4000" dirty="0" smtClean="0">
+              <a:solidFill>
+                <a:srgbClr val="FFFFFF"/>
+              </a:solidFill>
+            </a:endParaRPr>
           </a:p>
         </p:txBody>
       </p:sp>
@@ -19971,7 +20099,7 @@
           <a:bodyPr tIns="24695"/>
           <a:lstStyle/>
           <a:p>
-            <a:pPr marL="269875" indent="-269875" eaLnBrk="1">
+            <a:pPr marL="0" indent="0" eaLnBrk="1">
               <a:spcAft>
                 <a:spcPct val="0"/>
               </a:spcAft>
@@ -19991,12 +20119,20 @@
               </a:tabLst>
             </a:pPr>
             <a:r>
-              <a:rPr lang="de-DE" altLang="de-DE" sz="2800" smtClean="0"/>
-              <a:t>Erstellen Sie ein Programm, welches eine Textdatei </a:t>
-            </a:r>
-          </a:p>
-          <a:p>
-            <a:pPr marL="269875" indent="-269875" eaLnBrk="1">
+              <a:rPr lang="de-DE" altLang="de-DE" sz="2800" dirty="0" smtClean="0"/>
+              <a:t>Erstellen Sie sich wie üblich einen </a:t>
+            </a:r>
+            <a:r>
+              <a:rPr lang="de-DE" altLang="de-DE" sz="2800" dirty="0" err="1" smtClean="0"/>
+              <a:t>Fork</a:t>
+            </a:r>
+            <a:r>
+              <a:rPr lang="de-DE" altLang="de-DE" sz="2800" dirty="0" smtClean="0"/>
+              <a:t> von</a:t>
+            </a:r>
+          </a:p>
+          <a:p>
+            <a:pPr marL="0" indent="0" eaLnBrk="1">
               <a:spcAft>
                 <a:spcPct val="0"/>
               </a:spcAft>
@@ -20016,12 +20152,21 @@
               </a:tabLst>
             </a:pPr>
             <a:r>
-              <a:rPr lang="de-DE" altLang="de-DE" sz="2800" smtClean="0"/>
-              <a:t>zeilenweise einliest.</a:t>
-            </a:r>
-          </a:p>
-          <a:p>
-            <a:pPr marL="269875" indent="-269875" eaLnBrk="1">
+              <a:rPr lang="de-DE" altLang="de-DE" sz="2000" dirty="0" smtClean="0">
+                <a:hlinkClick r:id="rId3"/>
+              </a:rPr>
+              <a:t>https://</a:t>
+            </a:r>
+            <a:r>
+              <a:rPr lang="de-DE" altLang="de-DE" sz="2000" dirty="0" smtClean="0">
+                <a:hlinkClick r:id="rId3"/>
+              </a:rPr>
+              <a:t>github.com/nordakademie-einfuehrung-java/uebung_12</a:t>
+            </a:r>
+            <a:endParaRPr lang="de-DE" altLang="de-DE" sz="2000" dirty="0" smtClean="0"/>
+          </a:p>
+          <a:p>
+            <a:pPr marL="0" indent="0" eaLnBrk="1">
               <a:spcAft>
                 <a:spcPct val="0"/>
               </a:spcAft>
@@ -20040,10 +20185,25 @@
                 <a:tab pos="8686800" algn="l"/>
               </a:tabLst>
             </a:pPr>
-            <a:endParaRPr lang="de-DE" altLang="de-DE" sz="2800" smtClean="0"/>
-          </a:p>
-          <a:p>
-            <a:pPr marL="269875" indent="-269875" eaLnBrk="1">
+            <a:r>
+              <a:rPr lang="de-DE" altLang="de-DE" sz="2800" dirty="0" smtClean="0"/>
+              <a:t>und dann nach dem Klonen ein neues </a:t>
+            </a:r>
+            <a:r>
+              <a:rPr lang="de-DE" altLang="de-DE" sz="2800" dirty="0" err="1" smtClean="0"/>
+              <a:t>Eclipse</a:t>
+            </a:r>
+            <a:r>
+              <a:rPr lang="de-DE" altLang="de-DE" sz="2800" dirty="0" smtClean="0"/>
+              <a:t>-Projekt</a:t>
+            </a:r>
+            <a:r>
+              <a:rPr lang="de-DE" altLang="de-DE" sz="2800" dirty="0" smtClean="0"/>
+              <a:t>.</a:t>
+            </a:r>
+          </a:p>
+          <a:p>
+            <a:pPr marL="0" indent="0" eaLnBrk="1">
               <a:spcAft>
                 <a:spcPct val="0"/>
               </a:spcAft>
@@ -20062,13 +20222,10 @@
                 <a:tab pos="8686800" algn="l"/>
               </a:tabLst>
             </a:pPr>
-            <a:r>
-              <a:rPr lang="de-DE" altLang="de-DE" sz="2800" smtClean="0"/>
-              <a:t>Geben Sie am Ende aus, wieviele Zeilen die Datei</a:t>
-            </a:r>
-          </a:p>
-          <a:p>
-            <a:pPr marL="269875" indent="-269875" eaLnBrk="1">
+            <a:endParaRPr lang="de-DE" altLang="de-DE" sz="2800" dirty="0" smtClean="0"/>
+          </a:p>
+          <a:p>
+            <a:pPr marL="0" indent="0" eaLnBrk="1">
               <a:spcAft>
                 <a:spcPct val="0"/>
               </a:spcAft>
@@ -20088,12 +20245,46 @@
               </a:tabLst>
             </a:pPr>
             <a:r>
-              <a:rPr lang="de-DE" altLang="de-DE" sz="2800" smtClean="0"/>
-              <a:t>enthalten hat und wieviele Zeichen jede Zeile im Schnitt</a:t>
-            </a:r>
-          </a:p>
-          <a:p>
-            <a:pPr marL="269875" indent="-269875" eaLnBrk="1">
+              <a:rPr lang="de-DE" altLang="de-DE" sz="2800" dirty="0" smtClean="0"/>
+              <a:t>Sie </a:t>
+            </a:r>
+            <a:r>
+              <a:rPr lang="de-DE" altLang="de-DE" sz="2800" dirty="0" smtClean="0"/>
+              <a:t>finden eine entsprechend vorbereitete Klasse im Ordner </a:t>
+            </a:r>
+            <a:r>
+              <a:rPr lang="de-DE" altLang="de-DE" sz="2800" dirty="0" smtClean="0">
+                <a:latin typeface="Courier New" pitchFamily="49" charset="0"/>
+                <a:cs typeface="Courier New" pitchFamily="49" charset="0"/>
+              </a:rPr>
+              <a:t>\</a:t>
+            </a:r>
+            <a:r>
+              <a:rPr lang="de-DE" altLang="de-DE" sz="2800" dirty="0" err="1" smtClean="0">
+                <a:latin typeface="Courier New" pitchFamily="49" charset="0"/>
+                <a:cs typeface="Courier New" pitchFamily="49" charset="0"/>
+              </a:rPr>
+              <a:t>src</a:t>
+            </a:r>
+            <a:r>
+              <a:rPr lang="de-DE" altLang="de-DE" sz="2800" dirty="0" smtClean="0"/>
+              <a:t> und müssen nur noch die </a:t>
+            </a:r>
+            <a:r>
+              <a:rPr lang="de-DE" altLang="de-DE" sz="2800" dirty="0" smtClean="0"/>
+              <a:t>fünf Übungs-Methoden </a:t>
+            </a:r>
+            <a:r>
+              <a:rPr lang="de-DE" altLang="de-DE" sz="2800" dirty="0" smtClean="0"/>
+              <a:t>ausimplementieren</a:t>
+            </a:r>
+            <a:r>
+              <a:rPr lang="de-DE" altLang="de-DE" sz="2800" dirty="0" smtClean="0"/>
+              <a:t>!</a:t>
+            </a:r>
+          </a:p>
+          <a:p>
+            <a:pPr marL="0" indent="0" eaLnBrk="1">
               <a:spcAft>
                 <a:spcPct val="0"/>
               </a:spcAft>
@@ -20112,10 +20303,179 @@
                 <a:tab pos="8686800" algn="l"/>
               </a:tabLst>
             </a:pPr>
-            <a:r>
-              <a:rPr lang="de-DE" altLang="de-DE" sz="2800" smtClean="0"/>
-              <a:t>lang war.</a:t>
-            </a:r>
+            <a:endParaRPr lang="de-DE" altLang="de-DE" sz="2800" dirty="0" smtClean="0"/>
+          </a:p>
+          <a:p>
+            <a:pPr marL="0" indent="0" eaLnBrk="1">
+              <a:lnSpc>
+                <a:spcPct val="89000"/>
+              </a:lnSpc>
+              <a:spcAft>
+                <a:spcPct val="0"/>
+              </a:spcAft>
+              <a:tabLst>
+                <a:tab pos="723900" algn="l"/>
+                <a:tab pos="1447800" algn="l"/>
+                <a:tab pos="2171700" algn="l"/>
+                <a:tab pos="2895600" algn="l"/>
+                <a:tab pos="3619500" algn="l"/>
+                <a:tab pos="4343400" algn="l"/>
+                <a:tab pos="5067300" algn="l"/>
+                <a:tab pos="5791200" algn="l"/>
+                <a:tab pos="6515100" algn="l"/>
+                <a:tab pos="7239000" algn="l"/>
+                <a:tab pos="7962900" algn="l"/>
+                <a:tab pos="8686800" algn="l"/>
+              </a:tabLst>
+            </a:pPr>
+            <a:r>
+              <a:rPr lang="de-DE" altLang="de-DE" sz="2800" dirty="0" err="1" smtClean="0">
+                <a:latin typeface="Courier New" pitchFamily="49" charset="0"/>
+              </a:rPr>
+              <a:t>public</a:t>
+            </a:r>
+            <a:r>
+              <a:rPr lang="de-DE" altLang="de-DE" sz="2800" dirty="0" smtClean="0">
+                <a:latin typeface="Courier New" pitchFamily="49" charset="0"/>
+              </a:rPr>
+              <a:t> </a:t>
+            </a:r>
+            <a:r>
+              <a:rPr lang="de-DE" altLang="de-DE" sz="2800" dirty="0" err="1" smtClean="0">
+                <a:latin typeface="Courier New" pitchFamily="49" charset="0"/>
+              </a:rPr>
+              <a:t>static</a:t>
+            </a:r>
+            <a:r>
+              <a:rPr lang="de-DE" altLang="de-DE" sz="2800" dirty="0" smtClean="0">
+                <a:latin typeface="Courier New" pitchFamily="49" charset="0"/>
+              </a:rPr>
+              <a:t> </a:t>
+            </a:r>
+            <a:r>
+              <a:rPr lang="de-DE" altLang="de-DE" sz="2800" dirty="0" err="1" smtClean="0">
+                <a:latin typeface="Courier New" pitchFamily="49" charset="0"/>
+              </a:rPr>
+              <a:t>void</a:t>
+            </a:r>
+            <a:r>
+              <a:rPr lang="de-DE" altLang="de-DE" sz="2800" dirty="0" smtClean="0">
+                <a:latin typeface="Courier New" pitchFamily="49" charset="0"/>
+              </a:rPr>
+              <a:t> uebung1() {</a:t>
+            </a:r>
+          </a:p>
+          <a:p>
+            <a:pPr marL="0" indent="0" eaLnBrk="1">
+              <a:lnSpc>
+                <a:spcPct val="89000"/>
+              </a:lnSpc>
+              <a:spcAft>
+                <a:spcPct val="0"/>
+              </a:spcAft>
+              <a:tabLst>
+                <a:tab pos="723900" algn="l"/>
+                <a:tab pos="1447800" algn="l"/>
+                <a:tab pos="2171700" algn="l"/>
+                <a:tab pos="2895600" algn="l"/>
+                <a:tab pos="3619500" algn="l"/>
+                <a:tab pos="4343400" algn="l"/>
+                <a:tab pos="5067300" algn="l"/>
+                <a:tab pos="5791200" algn="l"/>
+                <a:tab pos="6515100" algn="l"/>
+                <a:tab pos="7239000" algn="l"/>
+                <a:tab pos="7962900" algn="l"/>
+                <a:tab pos="8686800" algn="l"/>
+              </a:tabLst>
+            </a:pPr>
+            <a:r>
+              <a:rPr lang="de-DE" altLang="de-DE" sz="2800" dirty="0" smtClean="0">
+                <a:latin typeface="Courier New" pitchFamily="49" charset="0"/>
+              </a:rPr>
+              <a:t>   …</a:t>
+            </a:r>
+            <a:r>
+              <a:rPr lang="de-DE" altLang="de-DE" sz="2800" dirty="0" smtClean="0"/>
+              <a:t> Ihre Lösung hier ...</a:t>
+            </a:r>
+          </a:p>
+          <a:p>
+            <a:pPr marL="0" indent="0" eaLnBrk="1">
+              <a:lnSpc>
+                <a:spcPct val="89000"/>
+              </a:lnSpc>
+              <a:spcAft>
+                <a:spcPct val="0"/>
+              </a:spcAft>
+              <a:tabLst>
+                <a:tab pos="723900" algn="l"/>
+                <a:tab pos="1447800" algn="l"/>
+                <a:tab pos="2171700" algn="l"/>
+                <a:tab pos="2895600" algn="l"/>
+                <a:tab pos="3619500" algn="l"/>
+                <a:tab pos="4343400" algn="l"/>
+                <a:tab pos="5067300" algn="l"/>
+                <a:tab pos="5791200" algn="l"/>
+                <a:tab pos="6515100" algn="l"/>
+                <a:tab pos="7239000" algn="l"/>
+                <a:tab pos="7962900" algn="l"/>
+                <a:tab pos="8686800" algn="l"/>
+              </a:tabLst>
+            </a:pPr>
+            <a:r>
+              <a:rPr lang="de-DE" altLang="de-DE" sz="2800" dirty="0" smtClean="0">
+                <a:latin typeface="Courier New" pitchFamily="49" charset="0"/>
+              </a:rPr>
+              <a:t>}</a:t>
+            </a:r>
+          </a:p>
+          <a:p>
+            <a:pPr marL="0" indent="0" eaLnBrk="1">
+              <a:spcAft>
+                <a:spcPct val="0"/>
+              </a:spcAft>
+              <a:tabLst>
+                <a:tab pos="723900" algn="l"/>
+                <a:tab pos="1447800" algn="l"/>
+                <a:tab pos="2171700" algn="l"/>
+                <a:tab pos="2895600" algn="l"/>
+                <a:tab pos="3619500" algn="l"/>
+                <a:tab pos="4343400" algn="l"/>
+                <a:tab pos="5067300" algn="l"/>
+                <a:tab pos="5791200" algn="l"/>
+                <a:tab pos="6515100" algn="l"/>
+                <a:tab pos="7239000" algn="l"/>
+                <a:tab pos="7962900" algn="l"/>
+                <a:tab pos="8686800" algn="l"/>
+              </a:tabLst>
+            </a:pPr>
+            <a:endParaRPr lang="de-DE" altLang="de-DE" sz="2800" dirty="0" smtClean="0"/>
+          </a:p>
+          <a:p>
+            <a:pPr marL="0" indent="0" eaLnBrk="1">
+              <a:spcAft>
+                <a:spcPct val="0"/>
+              </a:spcAft>
+              <a:tabLst>
+                <a:tab pos="723900" algn="l"/>
+                <a:tab pos="1447800" algn="l"/>
+                <a:tab pos="2171700" algn="l"/>
+                <a:tab pos="2895600" algn="l"/>
+                <a:tab pos="3619500" algn="l"/>
+                <a:tab pos="4343400" algn="l"/>
+                <a:tab pos="5067300" algn="l"/>
+                <a:tab pos="5791200" algn="l"/>
+                <a:tab pos="6515100" algn="l"/>
+                <a:tab pos="7239000" algn="l"/>
+                <a:tab pos="7962900" algn="l"/>
+                <a:tab pos="8686800" algn="l"/>
+              </a:tabLst>
+            </a:pPr>
+            <a:r>
+              <a:rPr lang="de-DE" altLang="de-DE" sz="2800" dirty="0" smtClean="0"/>
+              <a:t>Tipp: Versuchen Sie, Gemeinsames wiederzuverwenden!</a:t>
+            </a:r>
+            <a:endParaRPr lang="de-DE" altLang="de-DE" sz="2800" dirty="0" smtClean="0"/>
           </a:p>
           <a:p>
             <a:pPr marL="269875" indent="-269875" eaLnBrk="1">
@@ -20140,7 +20500,7 @@
                 <a:tab pos="8686800" algn="l"/>
               </a:tabLst>
             </a:pPr>
-            <a:endParaRPr lang="de-DE" altLang="de-DE" smtClean="0"/>
+            <a:endParaRPr lang="de-DE" altLang="de-DE" dirty="0" smtClean="0"/>
           </a:p>
           <a:p>
             <a:pPr marL="269875" indent="-269875" eaLnBrk="1">
@@ -20165,7 +20525,7 @@
                 <a:tab pos="8686800" algn="l"/>
               </a:tabLst>
             </a:pPr>
-            <a:endParaRPr lang="de-DE" altLang="de-DE" smtClean="0"/>
+            <a:endParaRPr lang="de-DE" altLang="de-DE" dirty="0" smtClean="0"/>
           </a:p>
         </p:txBody>
       </p:sp>
@@ -20224,7 +20584,7 @@
       </p:grpSpPr>
       <p:sp>
         <p:nvSpPr>
-          <p:cNvPr id="68610" name="Fußzeilenplatzhalter 3"/>
+          <p:cNvPr id="66562" name="Fußzeilenplatzhalter 3"/>
           <p:cNvSpPr>
             <a:spLocks noGrp="1"/>
           </p:cNvSpPr>
@@ -20260,7 +20620,7 @@
       </p:sp>
       <p:sp>
         <p:nvSpPr>
-          <p:cNvPr id="68611" name="Foliennummernplatzhalter 4"/>
+          <p:cNvPr id="66563" name="Foliennummernplatzhalter 4"/>
           <p:cNvSpPr>
             <a:spLocks noGrp="1"/>
           </p:cNvSpPr>
@@ -20280,7 +20640,7 @@
           <a:bodyPr/>
           <a:lstStyle/>
           <a:p>
-            <a:fld id="{92DE2F79-C59A-4183-B862-123DA785A539}" type="slidenum">
+            <a:fld id="{34C56880-664A-48B4-BB03-FB877BEA83F1}" type="slidenum">
               <a:rPr lang="de-DE" altLang="de-DE"/>
               <a:pPr/>
               <a:t>33</a:t>
@@ -20291,7 +20651,7 @@
       </p:sp>
       <p:sp>
         <p:nvSpPr>
-          <p:cNvPr id="68612" name="AutoShape 1"/>
+          <p:cNvPr id="66564" name="AutoShape 1"/>
           <p:cNvSpPr>
             <a:spLocks noChangeArrowheads="1"/>
           </p:cNvSpPr>
@@ -20341,7 +20701,7 @@
       </p:sp>
       <p:sp>
         <p:nvSpPr>
-          <p:cNvPr id="68613" name="Rectangle 2"/>
+          <p:cNvPr id="66565" name="Rectangle 2"/>
           <p:cNvSpPr>
             <a:spLocks noGrp="1" noChangeArrowheads="1"/>
           </p:cNvSpPr>
@@ -20376,19 +20736,40 @@
               </a:tabLst>
             </a:pPr>
             <a:r>
-              <a:rPr lang="de-DE" altLang="de-DE" sz="4000" smtClean="0">
+              <a:rPr lang="de-DE" altLang="de-DE" sz="4000" dirty="0" smtClean="0">
                 <a:solidFill>
                   <a:srgbClr val="FFFFFF"/>
                 </a:solidFill>
               </a:rPr>
-              <a:t>Übung 2</a:t>
-            </a:r>
-          </a:p>
-        </p:txBody>
-      </p:sp>
-      <p:sp>
-        <p:nvSpPr>
-          <p:cNvPr id="68614" name="Rectangle 3"/>
+              <a:t>Übung</a:t>
+            </a:r>
+            <a:r>
+              <a:rPr lang="de-DE" altLang="de-DE" sz="4000" dirty="0" smtClean="0">
+                <a:solidFill>
+                  <a:srgbClr val="FFFFFF"/>
+                </a:solidFill>
+              </a:rPr>
+              <a:t> </a:t>
+            </a:r>
+            <a:r>
+              <a:rPr lang="de-DE" altLang="de-DE" sz="4000" dirty="0" smtClean="0">
+                <a:solidFill>
+                  <a:srgbClr val="FFFFFF"/>
+                </a:solidFill>
+              </a:rPr>
+              <a:t>1</a:t>
+            </a:r>
+            <a:endParaRPr lang="de-DE" altLang="de-DE" sz="4000" dirty="0" smtClean="0">
+              <a:solidFill>
+                <a:srgbClr val="FFFFFF"/>
+              </a:solidFill>
+            </a:endParaRPr>
+          </a:p>
+        </p:txBody>
+      </p:sp>
+      <p:sp>
+        <p:nvSpPr>
+          <p:cNvPr id="66566" name="Rectangle 3"/>
           <p:cNvSpPr>
             <a:spLocks noGrp="1" noChangeArrowheads="1"/>
           </p:cNvSpPr>
@@ -20406,7 +20787,7 @@
           <a:bodyPr tIns="24695"/>
           <a:lstStyle/>
           <a:p>
-            <a:pPr marL="0" indent="0" eaLnBrk="1">
+            <a:pPr marL="269875" indent="-269875" eaLnBrk="1">
               <a:spcAft>
                 <a:spcPct val="0"/>
               </a:spcAft>
@@ -20426,12 +20807,12 @@
               </a:tabLst>
             </a:pPr>
             <a:r>
-              <a:rPr lang="de-DE" altLang="de-DE" sz="2800" smtClean="0"/>
-              <a:t>Erstellen Sie ein Programm, welches eine Textdatei</a:t>
-            </a:r>
-          </a:p>
-          <a:p>
-            <a:pPr marL="0" indent="0" eaLnBrk="1">
+              <a:rPr lang="de-DE" altLang="de-DE" sz="2800" dirty="0" smtClean="0"/>
+              <a:t>Erstellen Sie ein Programm, welches eine Textdatei </a:t>
+            </a:r>
+          </a:p>
+          <a:p>
+            <a:pPr marL="269875" indent="-269875" eaLnBrk="1">
               <a:spcAft>
                 <a:spcPct val="0"/>
               </a:spcAft>
@@ -20451,12 +20832,12 @@
               </a:tabLst>
             </a:pPr>
             <a:r>
-              <a:rPr lang="de-DE" altLang="de-DE" sz="2800" smtClean="0"/>
-              <a:t>"helloWorld.txt" schreibt.</a:t>
-            </a:r>
-          </a:p>
-          <a:p>
-            <a:pPr marL="0" indent="0" eaLnBrk="1">
+              <a:rPr lang="de-DE" altLang="de-DE" sz="2800" dirty="0" smtClean="0"/>
+              <a:t>zeilenweise einliest.</a:t>
+            </a:r>
+          </a:p>
+          <a:p>
+            <a:pPr marL="269875" indent="-269875" eaLnBrk="1">
               <a:spcAft>
                 <a:spcPct val="0"/>
               </a:spcAft>
@@ -20475,10 +20856,10 @@
                 <a:tab pos="8686800" algn="l"/>
               </a:tabLst>
             </a:pPr>
-            <a:endParaRPr lang="de-DE" altLang="de-DE" sz="2800" smtClean="0"/>
-          </a:p>
-          <a:p>
-            <a:pPr marL="0" indent="0" eaLnBrk="1">
+            <a:endParaRPr lang="de-DE" altLang="de-DE" sz="2800" dirty="0" smtClean="0"/>
+          </a:p>
+          <a:p>
+            <a:pPr marL="269875" indent="-269875" eaLnBrk="1">
               <a:spcAft>
                 <a:spcPct val="0"/>
               </a:spcAft>
@@ -20498,12 +20879,20 @@
               </a:tabLst>
             </a:pPr>
             <a:r>
-              <a:rPr lang="de-DE" altLang="de-DE" sz="2800" smtClean="0"/>
-              <a:t>Schreiben Sie einen beliebigen mehrzeiligen Text in</a:t>
-            </a:r>
-          </a:p>
-          <a:p>
-            <a:pPr marL="0" indent="0" eaLnBrk="1">
+              <a:rPr lang="de-DE" altLang="de-DE" sz="2800" dirty="0" smtClean="0"/>
+              <a:t>Geben Sie am Ende aus, </a:t>
+            </a:r>
+            <a:r>
+              <a:rPr lang="de-DE" altLang="de-DE" sz="2800" dirty="0" err="1" smtClean="0"/>
+              <a:t>wieviele</a:t>
+            </a:r>
+            <a:r>
+              <a:rPr lang="de-DE" altLang="de-DE" sz="2800" dirty="0" smtClean="0"/>
+              <a:t> Zeilen die Datei</a:t>
+            </a:r>
+          </a:p>
+          <a:p>
+            <a:pPr marL="269875" indent="-269875" eaLnBrk="1">
               <a:spcAft>
                 <a:spcPct val="0"/>
               </a:spcAft>
@@ -20523,12 +20912,45 @@
               </a:tabLst>
             </a:pPr>
             <a:r>
-              <a:rPr lang="de-DE" altLang="de-DE" sz="2800" smtClean="0"/>
-              <a:t>diese Datei.</a:t>
-            </a:r>
-          </a:p>
-          <a:p>
-            <a:pPr marL="0" indent="0" eaLnBrk="1">
+              <a:rPr lang="de-DE" altLang="de-DE" sz="2800" dirty="0" smtClean="0"/>
+              <a:t>enthalten hat und </a:t>
+            </a:r>
+            <a:r>
+              <a:rPr lang="de-DE" altLang="de-DE" sz="2800" dirty="0" err="1" smtClean="0"/>
+              <a:t>wieviele</a:t>
+            </a:r>
+            <a:r>
+              <a:rPr lang="de-DE" altLang="de-DE" sz="2800" dirty="0" smtClean="0"/>
+              <a:t> Zeichen jede Zeile im Schnitt</a:t>
+            </a:r>
+          </a:p>
+          <a:p>
+            <a:pPr marL="269875" indent="-269875" eaLnBrk="1">
+              <a:spcAft>
+                <a:spcPct val="0"/>
+              </a:spcAft>
+              <a:tabLst>
+                <a:tab pos="723900" algn="l"/>
+                <a:tab pos="1447800" algn="l"/>
+                <a:tab pos="2171700" algn="l"/>
+                <a:tab pos="2895600" algn="l"/>
+                <a:tab pos="3619500" algn="l"/>
+                <a:tab pos="4343400" algn="l"/>
+                <a:tab pos="5067300" algn="l"/>
+                <a:tab pos="5791200" algn="l"/>
+                <a:tab pos="6515100" algn="l"/>
+                <a:tab pos="7239000" algn="l"/>
+                <a:tab pos="7962900" algn="l"/>
+                <a:tab pos="8686800" algn="l"/>
+              </a:tabLst>
+            </a:pPr>
+            <a:r>
+              <a:rPr lang="de-DE" altLang="de-DE" sz="2800" dirty="0" smtClean="0"/>
+              <a:t>lang war.</a:t>
+            </a:r>
+          </a:p>
+          <a:p>
+            <a:pPr marL="269875" indent="-269875" eaLnBrk="1">
               <a:spcAft>
                 <a:spcPct val="0"/>
               </a:spcAft>
@@ -20550,7 +20972,32 @@
                 <a:tab pos="8686800" algn="l"/>
               </a:tabLst>
             </a:pPr>
-            <a:endParaRPr lang="de-DE" altLang="de-DE" sz="2800" smtClean="0"/>
+            <a:endParaRPr lang="de-DE" altLang="de-DE" dirty="0" smtClean="0"/>
+          </a:p>
+          <a:p>
+            <a:pPr marL="269875" indent="-269875" eaLnBrk="1">
+              <a:spcAft>
+                <a:spcPct val="0"/>
+              </a:spcAft>
+              <a:buSzPct val="45000"/>
+              <a:buFont typeface="Wingdings" charset="2"/>
+              <a:buNone/>
+              <a:tabLst>
+                <a:tab pos="723900" algn="l"/>
+                <a:tab pos="1447800" algn="l"/>
+                <a:tab pos="2171700" algn="l"/>
+                <a:tab pos="2895600" algn="l"/>
+                <a:tab pos="3619500" algn="l"/>
+                <a:tab pos="4343400" algn="l"/>
+                <a:tab pos="5067300" algn="l"/>
+                <a:tab pos="5791200" algn="l"/>
+                <a:tab pos="6515100" algn="l"/>
+                <a:tab pos="7239000" algn="l"/>
+                <a:tab pos="7962900" algn="l"/>
+                <a:tab pos="8686800" algn="l"/>
+              </a:tabLst>
+            </a:pPr>
+            <a:endParaRPr lang="de-DE" altLang="de-DE" dirty="0" smtClean="0"/>
           </a:p>
         </p:txBody>
       </p:sp>
@@ -20609,7 +21056,7 @@
       </p:grpSpPr>
       <p:sp>
         <p:nvSpPr>
-          <p:cNvPr id="70658" name="Fußzeilenplatzhalter 3"/>
+          <p:cNvPr id="68610" name="Fußzeilenplatzhalter 3"/>
           <p:cNvSpPr>
             <a:spLocks noGrp="1"/>
           </p:cNvSpPr>
@@ -20645,7 +21092,7 @@
       </p:sp>
       <p:sp>
         <p:nvSpPr>
-          <p:cNvPr id="70659" name="Foliennummernplatzhalter 4"/>
+          <p:cNvPr id="68611" name="Foliennummernplatzhalter 4"/>
           <p:cNvSpPr>
             <a:spLocks noGrp="1"/>
           </p:cNvSpPr>
@@ -20665,7 +21112,7 @@
           <a:bodyPr/>
           <a:lstStyle/>
           <a:p>
-            <a:fld id="{672483EA-5D33-4D88-A48A-5DED8E0A3009}" type="slidenum">
+            <a:fld id="{92DE2F79-C59A-4183-B862-123DA785A539}" type="slidenum">
               <a:rPr lang="de-DE" altLang="de-DE"/>
               <a:pPr/>
               <a:t>34</a:t>
@@ -20676,7 +21123,7 @@
       </p:sp>
       <p:sp>
         <p:nvSpPr>
-          <p:cNvPr id="70660" name="AutoShape 1"/>
+          <p:cNvPr id="68612" name="AutoShape 1"/>
           <p:cNvSpPr>
             <a:spLocks noChangeArrowheads="1"/>
           </p:cNvSpPr>
@@ -20726,7 +21173,7 @@
       </p:sp>
       <p:sp>
         <p:nvSpPr>
-          <p:cNvPr id="70661" name="Rectangle 2"/>
+          <p:cNvPr id="68613" name="Rectangle 2"/>
           <p:cNvSpPr>
             <a:spLocks noGrp="1" noChangeArrowheads="1"/>
           </p:cNvSpPr>
@@ -20761,19 +21208,27 @@
               </a:tabLst>
             </a:pPr>
             <a:r>
-              <a:rPr lang="de-DE" altLang="de-DE" sz="4000" smtClean="0">
+              <a:rPr lang="de-DE" altLang="de-DE" sz="4000" dirty="0" smtClean="0">
                 <a:solidFill>
                   <a:srgbClr val="FFFFFF"/>
                 </a:solidFill>
               </a:rPr>
-              <a:t>Übung 3</a:t>
-            </a:r>
-          </a:p>
-        </p:txBody>
-      </p:sp>
-      <p:sp>
-        <p:nvSpPr>
-          <p:cNvPr id="70662" name="Rectangle 3"/>
+              <a:t>Übung </a:t>
+            </a:r>
+            <a:r>
+              <a:rPr lang="de-DE" altLang="de-DE" sz="4000" dirty="0" smtClean="0">
+                <a:solidFill>
+                  <a:srgbClr val="FFFFFF"/>
+                </a:solidFill>
+              </a:rPr>
+              <a:t>2</a:t>
+            </a:r>
+          </a:p>
+        </p:txBody>
+      </p:sp>
+      <p:sp>
+        <p:nvSpPr>
+          <p:cNvPr id="68614" name="Rectangle 3"/>
           <p:cNvSpPr>
             <a:spLocks noGrp="1" noChangeArrowheads="1"/>
           </p:cNvSpPr>
@@ -20791,7 +21246,7 @@
           <a:bodyPr tIns="24695"/>
           <a:lstStyle/>
           <a:p>
-            <a:pPr marL="269875" indent="-269875" eaLnBrk="1">
+            <a:pPr marL="0" indent="0" eaLnBrk="1">
               <a:spcAft>
                 <a:spcPct val="0"/>
               </a:spcAft>
@@ -20811,12 +21266,12 @@
               </a:tabLst>
             </a:pPr>
             <a:r>
-              <a:rPr lang="de-DE" altLang="de-DE" sz="2800" smtClean="0"/>
+              <a:rPr lang="de-DE" altLang="de-DE" sz="2800" dirty="0" smtClean="0"/>
               <a:t>Erstellen Sie ein Programm, welches eine Textdatei</a:t>
             </a:r>
           </a:p>
           <a:p>
-            <a:pPr marL="269875" indent="-269875" eaLnBrk="1">
+            <a:pPr marL="0" indent="0" eaLnBrk="1">
               <a:spcAft>
                 <a:spcPct val="0"/>
               </a:spcAft>
@@ -20836,12 +21291,23 @@
               </a:tabLst>
             </a:pPr>
             <a:r>
-              <a:rPr lang="de-DE" altLang="de-DE" sz="2800" smtClean="0"/>
-              <a:t>zeilenweise einliest.</a:t>
-            </a:r>
-          </a:p>
-          <a:p>
-            <a:pPr marL="269875" indent="-269875" eaLnBrk="1">
+              <a:rPr lang="de-DE" altLang="de-DE" sz="2800" dirty="0" smtClean="0">
+                <a:latin typeface="Courier New" pitchFamily="49" charset="0"/>
+                <a:cs typeface="Courier New" pitchFamily="49" charset="0"/>
+              </a:rPr>
+              <a:t>helloWorld.txt</a:t>
+            </a:r>
+            <a:r>
+              <a:rPr lang="de-DE" altLang="de-DE" sz="2800" dirty="0" smtClean="0"/>
+              <a:t> </a:t>
+            </a:r>
+            <a:r>
+              <a:rPr lang="de-DE" altLang="de-DE" sz="2800" dirty="0" smtClean="0"/>
+              <a:t>schreibt.</a:t>
+            </a:r>
+          </a:p>
+          <a:p>
+            <a:pPr marL="0" indent="0" eaLnBrk="1">
               <a:spcAft>
                 <a:spcPct val="0"/>
               </a:spcAft>
@@ -20860,10 +21326,10 @@
                 <a:tab pos="8686800" algn="l"/>
               </a:tabLst>
             </a:pPr>
-            <a:endParaRPr lang="de-DE" altLang="de-DE" sz="2800" smtClean="0"/>
-          </a:p>
-          <a:p>
-            <a:pPr marL="269875" indent="-269875" eaLnBrk="1">
+            <a:endParaRPr lang="de-DE" altLang="de-DE" sz="2800" dirty="0" smtClean="0"/>
+          </a:p>
+          <a:p>
+            <a:pPr marL="0" indent="0" eaLnBrk="1">
               <a:spcAft>
                 <a:spcPct val="0"/>
               </a:spcAft>
@@ -20883,12 +21349,12 @@
               </a:tabLst>
             </a:pPr>
             <a:r>
-              <a:rPr lang="de-DE" altLang="de-DE" sz="2800" smtClean="0"/>
-              <a:t>Prüfen Sie jede Zeile auf das Vorhandensein eines</a:t>
-            </a:r>
-          </a:p>
-          <a:p>
-            <a:pPr marL="269875" indent="-269875" eaLnBrk="1">
+              <a:rPr lang="de-DE" altLang="de-DE" sz="2800" dirty="0" smtClean="0"/>
+              <a:t>Schreiben Sie einen beliebigen mehrzeiligen Text in</a:t>
+            </a:r>
+          </a:p>
+          <a:p>
+            <a:pPr marL="0" indent="0" eaLnBrk="1">
               <a:spcAft>
                 <a:spcPct val="0"/>
               </a:spcAft>
@@ -20908,139 +21374,12 @@
               </a:tabLst>
             </a:pPr>
             <a:r>
-              <a:rPr lang="de-DE" altLang="de-DE" sz="2800" smtClean="0"/>
-              <a:t>bestimmten Zeichens, z. B. eines "</a:t>
-            </a:r>
-            <a:r>
-              <a:rPr lang="de-DE" altLang="de-DE" sz="2800" smtClean="0">
-                <a:latin typeface="Courier New" pitchFamily="49" charset="0"/>
-              </a:rPr>
-              <a:t>=</a:t>
-            </a:r>
-            <a:r>
-              <a:rPr lang="de-DE" altLang="de-DE" sz="2800" smtClean="0"/>
-              <a:t>".</a:t>
-            </a:r>
-          </a:p>
-          <a:p>
-            <a:pPr marL="269875" indent="-269875" eaLnBrk="1">
-              <a:spcAft>
-                <a:spcPct val="0"/>
-              </a:spcAft>
-              <a:tabLst>
-                <a:tab pos="723900" algn="l"/>
-                <a:tab pos="1447800" algn="l"/>
-                <a:tab pos="2171700" algn="l"/>
-                <a:tab pos="2895600" algn="l"/>
-                <a:tab pos="3619500" algn="l"/>
-                <a:tab pos="4343400" algn="l"/>
-                <a:tab pos="5067300" algn="l"/>
-                <a:tab pos="5791200" algn="l"/>
-                <a:tab pos="6515100" algn="l"/>
-                <a:tab pos="7239000" algn="l"/>
-                <a:tab pos="7962900" algn="l"/>
-                <a:tab pos="8686800" algn="l"/>
-              </a:tabLst>
-            </a:pPr>
-            <a:endParaRPr lang="de-DE" altLang="de-DE" sz="2800" smtClean="0"/>
-          </a:p>
-          <a:p>
-            <a:pPr marL="269875" indent="-269875" eaLnBrk="1">
-              <a:spcAft>
-                <a:spcPct val="0"/>
-              </a:spcAft>
-              <a:tabLst>
-                <a:tab pos="723900" algn="l"/>
-                <a:tab pos="1447800" algn="l"/>
-                <a:tab pos="2171700" algn="l"/>
-                <a:tab pos="2895600" algn="l"/>
-                <a:tab pos="3619500" algn="l"/>
-                <a:tab pos="4343400" algn="l"/>
-                <a:tab pos="5067300" algn="l"/>
-                <a:tab pos="5791200" algn="l"/>
-                <a:tab pos="6515100" algn="l"/>
-                <a:tab pos="7239000" algn="l"/>
-                <a:tab pos="7962900" algn="l"/>
-                <a:tab pos="8686800" algn="l"/>
-              </a:tabLst>
-            </a:pPr>
-            <a:r>
-              <a:rPr lang="de-DE" altLang="de-DE" sz="2800" smtClean="0"/>
-              <a:t>Schreiben Sie jede Zeile, die ein "</a:t>
-            </a:r>
-            <a:r>
-              <a:rPr lang="de-DE" altLang="de-DE" sz="2800" smtClean="0">
-                <a:latin typeface="Courier New" pitchFamily="49" charset="0"/>
-              </a:rPr>
-              <a:t>=</a:t>
-            </a:r>
-            <a:r>
-              <a:rPr lang="de-DE" altLang="de-DE" sz="2800" smtClean="0"/>
-              <a:t>" enthält, in eine</a:t>
-            </a:r>
-          </a:p>
-          <a:p>
-            <a:pPr marL="269875" indent="-269875" eaLnBrk="1">
-              <a:spcAft>
-                <a:spcPct val="0"/>
-              </a:spcAft>
-              <a:tabLst>
-                <a:tab pos="723900" algn="l"/>
-                <a:tab pos="1447800" algn="l"/>
-                <a:tab pos="2171700" algn="l"/>
-                <a:tab pos="2895600" algn="l"/>
-                <a:tab pos="3619500" algn="l"/>
-                <a:tab pos="4343400" algn="l"/>
-                <a:tab pos="5067300" algn="l"/>
-                <a:tab pos="5791200" algn="l"/>
-                <a:tab pos="6515100" algn="l"/>
-                <a:tab pos="7239000" algn="l"/>
-                <a:tab pos="7962900" algn="l"/>
-                <a:tab pos="8686800" algn="l"/>
-              </a:tabLst>
-            </a:pPr>
-            <a:r>
-              <a:rPr lang="de-DE" altLang="de-DE" sz="2800" smtClean="0"/>
-              <a:t>andere Datei. Jede Zeile, die kein "</a:t>
-            </a:r>
-            <a:r>
-              <a:rPr lang="de-DE" altLang="de-DE" sz="2800" smtClean="0">
-                <a:latin typeface="Courier New" pitchFamily="49" charset="0"/>
-              </a:rPr>
-              <a:t>=</a:t>
-            </a:r>
-            <a:r>
-              <a:rPr lang="de-DE" altLang="de-DE" sz="2800" smtClean="0"/>
-              <a:t>" enthält, ignorieren</a:t>
-            </a:r>
-          </a:p>
-          <a:p>
-            <a:pPr marL="269875" indent="-269875" eaLnBrk="1">
-              <a:spcAft>
-                <a:spcPct val="0"/>
-              </a:spcAft>
-              <a:tabLst>
-                <a:tab pos="723900" algn="l"/>
-                <a:tab pos="1447800" algn="l"/>
-                <a:tab pos="2171700" algn="l"/>
-                <a:tab pos="2895600" algn="l"/>
-                <a:tab pos="3619500" algn="l"/>
-                <a:tab pos="4343400" algn="l"/>
-                <a:tab pos="5067300" algn="l"/>
-                <a:tab pos="5791200" algn="l"/>
-                <a:tab pos="6515100" algn="l"/>
-                <a:tab pos="7239000" algn="l"/>
-                <a:tab pos="7962900" algn="l"/>
-                <a:tab pos="8686800" algn="l"/>
-              </a:tabLst>
-            </a:pPr>
-            <a:r>
-              <a:rPr lang="de-DE" altLang="de-DE" sz="2800" smtClean="0"/>
-              <a:t>Sie.</a:t>
-            </a:r>
-          </a:p>
-          <a:p>
-            <a:pPr marL="269875" indent="-269875" eaLnBrk="1">
+              <a:rPr lang="de-DE" altLang="de-DE" sz="2800" dirty="0" smtClean="0"/>
+              <a:t>diese Datei.</a:t>
+            </a:r>
+          </a:p>
+          <a:p>
+            <a:pPr marL="0" indent="0" eaLnBrk="1">
               <a:spcAft>
                 <a:spcPct val="0"/>
               </a:spcAft>
@@ -21062,32 +21401,7 @@
                 <a:tab pos="8686800" algn="l"/>
               </a:tabLst>
             </a:pPr>
-            <a:endParaRPr lang="de-DE" altLang="de-DE" sz="2800" smtClean="0"/>
-          </a:p>
-          <a:p>
-            <a:pPr marL="269875" indent="-269875" eaLnBrk="1">
-              <a:spcAft>
-                <a:spcPct val="0"/>
-              </a:spcAft>
-              <a:buSzPct val="45000"/>
-              <a:buFont typeface="Wingdings" charset="2"/>
-              <a:buNone/>
-              <a:tabLst>
-                <a:tab pos="723900" algn="l"/>
-                <a:tab pos="1447800" algn="l"/>
-                <a:tab pos="2171700" algn="l"/>
-                <a:tab pos="2895600" algn="l"/>
-                <a:tab pos="3619500" algn="l"/>
-                <a:tab pos="4343400" algn="l"/>
-                <a:tab pos="5067300" algn="l"/>
-                <a:tab pos="5791200" algn="l"/>
-                <a:tab pos="6515100" algn="l"/>
-                <a:tab pos="7239000" algn="l"/>
-                <a:tab pos="7962900" algn="l"/>
-                <a:tab pos="8686800" algn="l"/>
-              </a:tabLst>
-            </a:pPr>
-            <a:endParaRPr lang="de-DE" altLang="de-DE" smtClean="0"/>
+            <a:endParaRPr lang="de-DE" altLang="de-DE" sz="2800" dirty="0" smtClean="0"/>
           </a:p>
         </p:txBody>
       </p:sp>
@@ -21146,7 +21460,7 @@
       </p:grpSpPr>
       <p:sp>
         <p:nvSpPr>
-          <p:cNvPr id="72706" name="Fußzeilenplatzhalter 3"/>
+          <p:cNvPr id="70658" name="Fußzeilenplatzhalter 3"/>
           <p:cNvSpPr>
             <a:spLocks noGrp="1"/>
           </p:cNvSpPr>
@@ -21182,7 +21496,7 @@
       </p:sp>
       <p:sp>
         <p:nvSpPr>
-          <p:cNvPr id="72707" name="Foliennummernplatzhalter 4"/>
+          <p:cNvPr id="70659" name="Foliennummernplatzhalter 4"/>
           <p:cNvSpPr>
             <a:spLocks noGrp="1"/>
           </p:cNvSpPr>
@@ -21202,7 +21516,7 @@
           <a:bodyPr/>
           <a:lstStyle/>
           <a:p>
-            <a:fld id="{BD586653-1681-4292-85DF-FF6B2DA0A98A}" type="slidenum">
+            <a:fld id="{672483EA-5D33-4D88-A48A-5DED8E0A3009}" type="slidenum">
               <a:rPr lang="de-DE" altLang="de-DE"/>
               <a:pPr/>
               <a:t>35</a:t>
@@ -21213,7 +21527,7 @@
       </p:sp>
       <p:sp>
         <p:nvSpPr>
-          <p:cNvPr id="72708" name="AutoShape 1"/>
+          <p:cNvPr id="70660" name="AutoShape 1"/>
           <p:cNvSpPr>
             <a:spLocks noChangeArrowheads="1"/>
           </p:cNvSpPr>
@@ -21263,7 +21577,7 @@
       </p:sp>
       <p:sp>
         <p:nvSpPr>
-          <p:cNvPr id="72709" name="Rectangle 2"/>
+          <p:cNvPr id="70661" name="Rectangle 2"/>
           <p:cNvSpPr>
             <a:spLocks noGrp="1" noChangeArrowheads="1"/>
           </p:cNvSpPr>
@@ -21298,19 +21612,24 @@
               </a:tabLst>
             </a:pPr>
             <a:r>
-              <a:rPr lang="de-DE" altLang="de-DE" sz="4000" smtClean="0">
+              <a:rPr lang="de-DE" altLang="de-DE" sz="4000" dirty="0" smtClean="0">
                 <a:solidFill>
                   <a:srgbClr val="FFFFFF"/>
                 </a:solidFill>
               </a:rPr>
-              <a:t>Übung 4</a:t>
-            </a:r>
-          </a:p>
-        </p:txBody>
-      </p:sp>
-      <p:sp>
-        <p:nvSpPr>
-          <p:cNvPr id="72710" name="Rectangle 3"/>
+              <a:t>Übung 3</a:t>
+            </a:r>
+            <a:endParaRPr lang="de-DE" altLang="de-DE" sz="4000" dirty="0" smtClean="0">
+              <a:solidFill>
+                <a:srgbClr val="FFFFFF"/>
+              </a:solidFill>
+            </a:endParaRPr>
+          </a:p>
+        </p:txBody>
+      </p:sp>
+      <p:sp>
+        <p:nvSpPr>
+          <p:cNvPr id="70662" name="Rectangle 3"/>
           <p:cNvSpPr>
             <a:spLocks noGrp="1" noChangeArrowheads="1"/>
           </p:cNvSpPr>
@@ -21328,7 +21647,7 @@
           <a:bodyPr tIns="24695"/>
           <a:lstStyle/>
           <a:p>
-            <a:pPr marL="0" indent="0" eaLnBrk="1">
+            <a:pPr marL="269875" indent="-269875" eaLnBrk="1">
               <a:spcAft>
                 <a:spcPct val="0"/>
               </a:spcAft>
@@ -21348,12 +21667,12 @@
               </a:tabLst>
             </a:pPr>
             <a:r>
-              <a:rPr lang="de-DE" altLang="de-DE" sz="2800" smtClean="0"/>
+              <a:rPr lang="de-DE" altLang="de-DE" sz="2800" dirty="0" smtClean="0"/>
               <a:t>Erstellen Sie ein Programm, welches eine Textdatei</a:t>
             </a:r>
           </a:p>
           <a:p>
-            <a:pPr marL="0" indent="0" eaLnBrk="1">
+            <a:pPr marL="269875" indent="-269875" eaLnBrk="1">
               <a:spcAft>
                 <a:spcPct val="0"/>
               </a:spcAft>
@@ -21373,12 +21692,12 @@
               </a:tabLst>
             </a:pPr>
             <a:r>
-              <a:rPr lang="de-DE" altLang="de-DE" sz="2800" smtClean="0"/>
+              <a:rPr lang="de-DE" altLang="de-DE" sz="2800" dirty="0" smtClean="0"/>
               <a:t>zeilenweise einliest.</a:t>
             </a:r>
           </a:p>
           <a:p>
-            <a:pPr marL="0" indent="0" eaLnBrk="1">
+            <a:pPr marL="269875" indent="-269875" eaLnBrk="1">
               <a:spcAft>
                 <a:spcPct val="0"/>
               </a:spcAft>
@@ -21397,10 +21716,10 @@
                 <a:tab pos="8686800" algn="l"/>
               </a:tabLst>
             </a:pPr>
-            <a:endParaRPr lang="de-DE" altLang="de-DE" sz="2800" smtClean="0"/>
-          </a:p>
-          <a:p>
-            <a:pPr marL="0" indent="0" eaLnBrk="1">
+            <a:endParaRPr lang="de-DE" altLang="de-DE" sz="2800" dirty="0" smtClean="0"/>
+          </a:p>
+          <a:p>
+            <a:pPr marL="269875" indent="-269875" eaLnBrk="1">
               <a:spcAft>
                 <a:spcPct val="0"/>
               </a:spcAft>
@@ -21420,12 +21739,12 @@
               </a:tabLst>
             </a:pPr>
             <a:r>
-              <a:rPr lang="de-DE" altLang="de-DE" sz="2800" smtClean="0"/>
-              <a:t>Wandeln Sie den Inhalt immer in Kleinbuchstaben um,</a:t>
-            </a:r>
-          </a:p>
-          <a:p>
-            <a:pPr marL="0" indent="0" eaLnBrk="1">
+              <a:rPr lang="de-DE" altLang="de-DE" sz="2800" dirty="0" smtClean="0"/>
+              <a:t>Prüfen Sie jede Zeile auf das Vorhandensein eines</a:t>
+            </a:r>
+          </a:p>
+          <a:p>
+            <a:pPr marL="269875" indent="-269875" eaLnBrk="1">
               <a:spcAft>
                 <a:spcPct val="0"/>
               </a:spcAft>
@@ -21445,12 +21764,22 @@
               </a:tabLst>
             </a:pPr>
             <a:r>
-              <a:rPr lang="de-DE" altLang="de-DE" sz="2800" smtClean="0"/>
-              <a:t>entfernen Sie jedes Leerzeichen vor dem ersten und</a:t>
-            </a:r>
-          </a:p>
-          <a:p>
-            <a:pPr marL="0" indent="0" eaLnBrk="1">
+              <a:rPr lang="de-DE" altLang="de-DE" sz="2800" dirty="0" smtClean="0"/>
+              <a:t>bestimmten Zeichens, z. B. eines "</a:t>
+            </a:r>
+            <a:r>
+              <a:rPr lang="de-DE" altLang="de-DE" sz="2800" dirty="0" smtClean="0">
+                <a:latin typeface="Courier New" pitchFamily="49" charset="0"/>
+              </a:rPr>
+              <a:t>=</a:t>
+            </a:r>
+            <a:r>
+              <a:rPr lang="de-DE" altLang="de-DE" sz="2800" dirty="0" smtClean="0"/>
+              <a:t>".</a:t>
+            </a:r>
+          </a:p>
+          <a:p>
+            <a:pPr marL="269875" indent="-269875" eaLnBrk="1">
               <a:spcAft>
                 <a:spcPct val="0"/>
               </a:spcAft>
@@ -21469,13 +21798,10 @@
                 <a:tab pos="8686800" algn="l"/>
               </a:tabLst>
             </a:pPr>
-            <a:r>
-              <a:rPr lang="de-DE" altLang="de-DE" sz="2800" smtClean="0"/>
-              <a:t>nach dem letzten Buchstaben und prüfen Sie dann, ob</a:t>
-            </a:r>
-          </a:p>
-          <a:p>
-            <a:pPr marL="0" indent="0" eaLnBrk="1">
+            <a:endParaRPr lang="de-DE" altLang="de-DE" sz="2800" dirty="0" smtClean="0"/>
+          </a:p>
+          <a:p>
+            <a:pPr marL="269875" indent="-269875" eaLnBrk="1">
               <a:spcAft>
                 <a:spcPct val="0"/>
               </a:spcAft>
@@ -21495,12 +21821,22 @@
               </a:tabLst>
             </a:pPr>
             <a:r>
-              <a:rPr lang="de-DE" altLang="de-DE" sz="2800" smtClean="0"/>
-              <a:t>der Inhalt gleich "&lt;zuschnittsauftrag&gt;" oder</a:t>
-            </a:r>
-          </a:p>
-          <a:p>
-            <a:pPr marL="0" indent="0" eaLnBrk="1">
+              <a:rPr lang="de-DE" altLang="de-DE" sz="2800" dirty="0" smtClean="0"/>
+              <a:t>Schreiben Sie jede Zeile, die ein "</a:t>
+            </a:r>
+            <a:r>
+              <a:rPr lang="de-DE" altLang="de-DE" sz="2800" dirty="0" smtClean="0">
+                <a:latin typeface="Courier New" pitchFamily="49" charset="0"/>
+              </a:rPr>
+              <a:t>=</a:t>
+            </a:r>
+            <a:r>
+              <a:rPr lang="de-DE" altLang="de-DE" sz="2800" dirty="0" smtClean="0"/>
+              <a:t>" enthält, in eine</a:t>
+            </a:r>
+          </a:p>
+          <a:p>
+            <a:pPr marL="269875" indent="-269875" eaLnBrk="1">
               <a:spcAft>
                 <a:spcPct val="0"/>
               </a:spcAft>
@@ -21520,12 +21856,22 @@
               </a:tabLst>
             </a:pPr>
             <a:r>
-              <a:rPr lang="de-DE" altLang="de-DE" sz="2800" smtClean="0"/>
-              <a:t>"&lt;/zuschnittsauftrag&gt;" ist.</a:t>
-            </a:r>
-          </a:p>
-          <a:p>
-            <a:pPr marL="0" indent="0" eaLnBrk="1">
+              <a:rPr lang="de-DE" altLang="de-DE" sz="2800" dirty="0" smtClean="0"/>
+              <a:t>andere Datei. Jede Zeile, die kein "</a:t>
+            </a:r>
+            <a:r>
+              <a:rPr lang="de-DE" altLang="de-DE" sz="2800" dirty="0" smtClean="0">
+                <a:latin typeface="Courier New" pitchFamily="49" charset="0"/>
+              </a:rPr>
+              <a:t>=</a:t>
+            </a:r>
+            <a:r>
+              <a:rPr lang="de-DE" altLang="de-DE" sz="2800" dirty="0" smtClean="0"/>
+              <a:t>" enthält, ignorieren</a:t>
+            </a:r>
+          </a:p>
+          <a:p>
+            <a:pPr marL="269875" indent="-269875" eaLnBrk="1">
               <a:spcAft>
                 <a:spcPct val="0"/>
               </a:spcAft>
@@ -21544,82 +21890,60 @@
                 <a:tab pos="8686800" algn="l"/>
               </a:tabLst>
             </a:pPr>
-            <a:endParaRPr lang="de-DE" altLang="de-DE" sz="2800" smtClean="0"/>
-          </a:p>
-          <a:p>
-            <a:pPr marL="0" indent="0" eaLnBrk="1">
+            <a:r>
+              <a:rPr lang="de-DE" altLang="de-DE" sz="2800" dirty="0" smtClean="0"/>
+              <a:t>Sie.</a:t>
+            </a:r>
+          </a:p>
+          <a:p>
+            <a:pPr marL="269875" indent="-269875" eaLnBrk="1">
               <a:spcAft>
                 <a:spcPct val="0"/>
               </a:spcAft>
-              <a:tabLst>
-                <a:tab pos="723900" algn="l"/>
-                <a:tab pos="1447800" algn="l"/>
-                <a:tab pos="2171700" algn="l"/>
-                <a:tab pos="2895600" algn="l"/>
-                <a:tab pos="3619500" algn="l"/>
-                <a:tab pos="4343400" algn="l"/>
-                <a:tab pos="5067300" algn="l"/>
-                <a:tab pos="5791200" algn="l"/>
-                <a:tab pos="6515100" algn="l"/>
-                <a:tab pos="7239000" algn="l"/>
-                <a:tab pos="7962900" algn="l"/>
-                <a:tab pos="8686800" algn="l"/>
-              </a:tabLst>
-            </a:pPr>
-            <a:r>
-              <a:rPr lang="de-DE" altLang="de-DE" sz="2800" smtClean="0"/>
-              <a:t>Geben Sie am Ende "alles OK" aus, wenn genau einmal</a:t>
-            </a:r>
-          </a:p>
-          <a:p>
-            <a:pPr marL="0" indent="0" eaLnBrk="1">
+              <a:buSzPct val="45000"/>
+              <a:buFont typeface="Wingdings" charset="2"/>
+              <a:buNone/>
+              <a:tabLst>
+                <a:tab pos="723900" algn="l"/>
+                <a:tab pos="1447800" algn="l"/>
+                <a:tab pos="2171700" algn="l"/>
+                <a:tab pos="2895600" algn="l"/>
+                <a:tab pos="3619500" algn="l"/>
+                <a:tab pos="4343400" algn="l"/>
+                <a:tab pos="5067300" algn="l"/>
+                <a:tab pos="5791200" algn="l"/>
+                <a:tab pos="6515100" algn="l"/>
+                <a:tab pos="7239000" algn="l"/>
+                <a:tab pos="7962900" algn="l"/>
+                <a:tab pos="8686800" algn="l"/>
+              </a:tabLst>
+            </a:pPr>
+            <a:endParaRPr lang="de-DE" altLang="de-DE" sz="2800" dirty="0" smtClean="0"/>
+          </a:p>
+          <a:p>
+            <a:pPr marL="269875" indent="-269875" eaLnBrk="1">
               <a:spcAft>
                 <a:spcPct val="0"/>
               </a:spcAft>
-              <a:tabLst>
-                <a:tab pos="723900" algn="l"/>
-                <a:tab pos="1447800" algn="l"/>
-                <a:tab pos="2171700" algn="l"/>
-                <a:tab pos="2895600" algn="l"/>
-                <a:tab pos="3619500" algn="l"/>
-                <a:tab pos="4343400" algn="l"/>
-                <a:tab pos="5067300" algn="l"/>
-                <a:tab pos="5791200" algn="l"/>
-                <a:tab pos="6515100" algn="l"/>
-                <a:tab pos="7239000" algn="l"/>
-                <a:tab pos="7962900" algn="l"/>
-                <a:tab pos="8686800" algn="l"/>
-              </a:tabLst>
-            </a:pPr>
-            <a:r>
-              <a:rPr lang="de-DE" altLang="de-DE" sz="2800" smtClean="0"/>
-              <a:t>"&lt;zuschnittsauftrag&gt;" und einmal "&lt;/zuschnittsauftrag&gt;"</a:t>
-            </a:r>
-          </a:p>
-          <a:p>
-            <a:pPr marL="0" indent="0" eaLnBrk="1">
-              <a:spcAft>
-                <a:spcPct val="0"/>
-              </a:spcAft>
-              <a:tabLst>
-                <a:tab pos="723900" algn="l"/>
-                <a:tab pos="1447800" algn="l"/>
-                <a:tab pos="2171700" algn="l"/>
-                <a:tab pos="2895600" algn="l"/>
-                <a:tab pos="3619500" algn="l"/>
-                <a:tab pos="4343400" algn="l"/>
-                <a:tab pos="5067300" algn="l"/>
-                <a:tab pos="5791200" algn="l"/>
-                <a:tab pos="6515100" algn="l"/>
-                <a:tab pos="7239000" algn="l"/>
-                <a:tab pos="7962900" algn="l"/>
-                <a:tab pos="8686800" algn="l"/>
-              </a:tabLst>
-            </a:pPr>
-            <a:r>
-              <a:rPr lang="de-DE" altLang="de-DE" sz="2800" smtClean="0"/>
-              <a:t>in der Datei in dieser Reihenfolge auftaucht.</a:t>
-            </a:r>
+              <a:buSzPct val="45000"/>
+              <a:buFont typeface="Wingdings" charset="2"/>
+              <a:buNone/>
+              <a:tabLst>
+                <a:tab pos="723900" algn="l"/>
+                <a:tab pos="1447800" algn="l"/>
+                <a:tab pos="2171700" algn="l"/>
+                <a:tab pos="2895600" algn="l"/>
+                <a:tab pos="3619500" algn="l"/>
+                <a:tab pos="4343400" algn="l"/>
+                <a:tab pos="5067300" algn="l"/>
+                <a:tab pos="5791200" algn="l"/>
+                <a:tab pos="6515100" algn="l"/>
+                <a:tab pos="7239000" algn="l"/>
+                <a:tab pos="7962900" algn="l"/>
+                <a:tab pos="8686800" algn="l"/>
+              </a:tabLst>
+            </a:pPr>
+            <a:endParaRPr lang="de-DE" altLang="de-DE" dirty="0" smtClean="0"/>
           </a:p>
         </p:txBody>
       </p:sp>
@@ -21678,7 +22002,7 @@
       </p:grpSpPr>
       <p:sp>
         <p:nvSpPr>
-          <p:cNvPr id="74754" name="Fußzeilenplatzhalter 3"/>
+          <p:cNvPr id="72706" name="Fußzeilenplatzhalter 3"/>
           <p:cNvSpPr>
             <a:spLocks noGrp="1"/>
           </p:cNvSpPr>
@@ -21714,7 +22038,7 @@
       </p:sp>
       <p:sp>
         <p:nvSpPr>
-          <p:cNvPr id="74755" name="Foliennummernplatzhalter 4"/>
+          <p:cNvPr id="72707" name="Foliennummernplatzhalter 4"/>
           <p:cNvSpPr>
             <a:spLocks noGrp="1"/>
           </p:cNvSpPr>
@@ -21734,7 +22058,7 @@
           <a:bodyPr/>
           <a:lstStyle/>
           <a:p>
-            <a:fld id="{C0DA1049-1AFF-4392-ADD2-51AB3AE6CBE7}" type="slidenum">
+            <a:fld id="{BD586653-1681-4292-85DF-FF6B2DA0A98A}" type="slidenum">
               <a:rPr lang="de-DE" altLang="de-DE"/>
               <a:pPr/>
               <a:t>36</a:t>
@@ -21745,7 +22069,7 @@
       </p:sp>
       <p:sp>
         <p:nvSpPr>
-          <p:cNvPr id="74756" name="AutoShape 1"/>
+          <p:cNvPr id="72708" name="AutoShape 1"/>
           <p:cNvSpPr>
             <a:spLocks noChangeArrowheads="1"/>
           </p:cNvSpPr>
@@ -21795,7 +22119,7 @@
       </p:sp>
       <p:sp>
         <p:nvSpPr>
-          <p:cNvPr id="74757" name="Rectangle 2"/>
+          <p:cNvPr id="72709" name="Rectangle 2"/>
           <p:cNvSpPr>
             <a:spLocks noGrp="1" noChangeArrowheads="1"/>
           </p:cNvSpPr>
@@ -21830,19 +22154,27 @@
               </a:tabLst>
             </a:pPr>
             <a:r>
-              <a:rPr lang="de-DE" altLang="de-DE" sz="4000" smtClean="0">
+              <a:rPr lang="de-DE" altLang="de-DE" sz="4000" dirty="0" smtClean="0">
                 <a:solidFill>
                   <a:srgbClr val="FFFFFF"/>
                 </a:solidFill>
               </a:rPr>
-              <a:t>Übung 5</a:t>
-            </a:r>
-          </a:p>
-        </p:txBody>
-      </p:sp>
-      <p:sp>
-        <p:nvSpPr>
-          <p:cNvPr id="74758" name="Rectangle 3"/>
+              <a:t>Übung </a:t>
+            </a:r>
+            <a:r>
+              <a:rPr lang="de-DE" altLang="de-DE" sz="4000" dirty="0" smtClean="0">
+                <a:solidFill>
+                  <a:srgbClr val="FFFFFF"/>
+                </a:solidFill>
+              </a:rPr>
+              <a:t>4</a:t>
+            </a:r>
+          </a:p>
+        </p:txBody>
+      </p:sp>
+      <p:sp>
+        <p:nvSpPr>
+          <p:cNvPr id="72710" name="Rectangle 3"/>
           <p:cNvSpPr>
             <a:spLocks noGrp="1" noChangeArrowheads="1"/>
           </p:cNvSpPr>
@@ -21880,7 +22212,7 @@
               </a:tabLst>
             </a:pPr>
             <a:r>
-              <a:rPr lang="de-DE" altLang="de-DE" sz="2800" smtClean="0"/>
+              <a:rPr lang="de-DE" altLang="de-DE" sz="2800" dirty="0" smtClean="0"/>
               <a:t>Erstellen Sie ein Programm, welches eine Textdatei</a:t>
             </a:r>
           </a:p>
@@ -21905,7 +22237,7 @@
               </a:tabLst>
             </a:pPr>
             <a:r>
-              <a:rPr lang="de-DE" altLang="de-DE" sz="2800" smtClean="0"/>
+              <a:rPr lang="de-DE" altLang="de-DE" sz="2800" dirty="0" smtClean="0"/>
               <a:t>zeilenweise einliest.</a:t>
             </a:r>
           </a:p>
@@ -21929,7 +22261,7 @@
                 <a:tab pos="8686800" algn="l"/>
               </a:tabLst>
             </a:pPr>
-            <a:endParaRPr lang="de-DE" altLang="de-DE" sz="2800" smtClean="0"/>
+            <a:endParaRPr lang="de-DE" altLang="de-DE" sz="2800" dirty="0" smtClean="0"/>
           </a:p>
           <a:p>
             <a:pPr marL="0" indent="0" eaLnBrk="1">
@@ -21952,8 +22284,8 @@
               </a:tabLst>
             </a:pPr>
             <a:r>
-              <a:rPr lang="de-DE" altLang="de-DE" sz="2800" smtClean="0"/>
-              <a:t>Entfernen Sie aus jeder Zeile jedes Leerzeichen und</a:t>
+              <a:rPr lang="de-DE" altLang="de-DE" sz="2800" dirty="0" smtClean="0"/>
+              <a:t>Wandeln Sie den Inhalt immer in Kleinbuchstaben um,</a:t>
             </a:r>
           </a:p>
           <a:p>
@@ -21977,7 +22309,579 @@
               </a:tabLst>
             </a:pPr>
             <a:r>
-              <a:rPr lang="de-DE" altLang="de-DE" sz="2800" smtClean="0"/>
+              <a:rPr lang="de-DE" altLang="de-DE" sz="2800" dirty="0" smtClean="0"/>
+              <a:t>entfernen Sie jedes Leerzeichen vor dem ersten und</a:t>
+            </a:r>
+          </a:p>
+          <a:p>
+            <a:pPr marL="0" indent="0" eaLnBrk="1">
+              <a:spcAft>
+                <a:spcPct val="0"/>
+              </a:spcAft>
+              <a:tabLst>
+                <a:tab pos="723900" algn="l"/>
+                <a:tab pos="1447800" algn="l"/>
+                <a:tab pos="2171700" algn="l"/>
+                <a:tab pos="2895600" algn="l"/>
+                <a:tab pos="3619500" algn="l"/>
+                <a:tab pos="4343400" algn="l"/>
+                <a:tab pos="5067300" algn="l"/>
+                <a:tab pos="5791200" algn="l"/>
+                <a:tab pos="6515100" algn="l"/>
+                <a:tab pos="7239000" algn="l"/>
+                <a:tab pos="7962900" algn="l"/>
+                <a:tab pos="8686800" algn="l"/>
+              </a:tabLst>
+            </a:pPr>
+            <a:r>
+              <a:rPr lang="de-DE" altLang="de-DE" sz="2800" dirty="0" smtClean="0"/>
+              <a:t>nach dem letzten Buchstaben und prüfen Sie dann, ob</a:t>
+            </a:r>
+          </a:p>
+          <a:p>
+            <a:pPr marL="0" indent="0" eaLnBrk="1">
+              <a:spcAft>
+                <a:spcPct val="0"/>
+              </a:spcAft>
+              <a:tabLst>
+                <a:tab pos="723900" algn="l"/>
+                <a:tab pos="1447800" algn="l"/>
+                <a:tab pos="2171700" algn="l"/>
+                <a:tab pos="2895600" algn="l"/>
+                <a:tab pos="3619500" algn="l"/>
+                <a:tab pos="4343400" algn="l"/>
+                <a:tab pos="5067300" algn="l"/>
+                <a:tab pos="5791200" algn="l"/>
+                <a:tab pos="6515100" algn="l"/>
+                <a:tab pos="7239000" algn="l"/>
+                <a:tab pos="7962900" algn="l"/>
+                <a:tab pos="8686800" algn="l"/>
+              </a:tabLst>
+            </a:pPr>
+            <a:r>
+              <a:rPr lang="de-DE" altLang="de-DE" sz="2800" dirty="0" smtClean="0"/>
+              <a:t>der Inhalt gleich "&lt;</a:t>
+            </a:r>
+            <a:r>
+              <a:rPr lang="de-DE" altLang="de-DE" sz="2800" dirty="0" err="1" smtClean="0"/>
+              <a:t>zuschnittsauftrag</a:t>
+            </a:r>
+            <a:r>
+              <a:rPr lang="de-DE" altLang="de-DE" sz="2800" dirty="0" smtClean="0"/>
+              <a:t>&gt;" oder</a:t>
+            </a:r>
+          </a:p>
+          <a:p>
+            <a:pPr marL="0" indent="0" eaLnBrk="1">
+              <a:spcAft>
+                <a:spcPct val="0"/>
+              </a:spcAft>
+              <a:tabLst>
+                <a:tab pos="723900" algn="l"/>
+                <a:tab pos="1447800" algn="l"/>
+                <a:tab pos="2171700" algn="l"/>
+                <a:tab pos="2895600" algn="l"/>
+                <a:tab pos="3619500" algn="l"/>
+                <a:tab pos="4343400" algn="l"/>
+                <a:tab pos="5067300" algn="l"/>
+                <a:tab pos="5791200" algn="l"/>
+                <a:tab pos="6515100" algn="l"/>
+                <a:tab pos="7239000" algn="l"/>
+                <a:tab pos="7962900" algn="l"/>
+                <a:tab pos="8686800" algn="l"/>
+              </a:tabLst>
+            </a:pPr>
+            <a:r>
+              <a:rPr lang="de-DE" altLang="de-DE" sz="2800" dirty="0" smtClean="0"/>
+              <a:t>"&lt;/</a:t>
+            </a:r>
+            <a:r>
+              <a:rPr lang="de-DE" altLang="de-DE" sz="2800" dirty="0" err="1" smtClean="0"/>
+              <a:t>zuschnittsauftrag</a:t>
+            </a:r>
+            <a:r>
+              <a:rPr lang="de-DE" altLang="de-DE" sz="2800" dirty="0" smtClean="0"/>
+              <a:t>&gt;" ist.</a:t>
+            </a:r>
+          </a:p>
+          <a:p>
+            <a:pPr marL="0" indent="0" eaLnBrk="1">
+              <a:spcAft>
+                <a:spcPct val="0"/>
+              </a:spcAft>
+              <a:tabLst>
+                <a:tab pos="723900" algn="l"/>
+                <a:tab pos="1447800" algn="l"/>
+                <a:tab pos="2171700" algn="l"/>
+                <a:tab pos="2895600" algn="l"/>
+                <a:tab pos="3619500" algn="l"/>
+                <a:tab pos="4343400" algn="l"/>
+                <a:tab pos="5067300" algn="l"/>
+                <a:tab pos="5791200" algn="l"/>
+                <a:tab pos="6515100" algn="l"/>
+                <a:tab pos="7239000" algn="l"/>
+                <a:tab pos="7962900" algn="l"/>
+                <a:tab pos="8686800" algn="l"/>
+              </a:tabLst>
+            </a:pPr>
+            <a:endParaRPr lang="de-DE" altLang="de-DE" sz="2800" dirty="0" smtClean="0"/>
+          </a:p>
+          <a:p>
+            <a:pPr marL="0" indent="0" eaLnBrk="1">
+              <a:spcAft>
+                <a:spcPct val="0"/>
+              </a:spcAft>
+              <a:tabLst>
+                <a:tab pos="723900" algn="l"/>
+                <a:tab pos="1447800" algn="l"/>
+                <a:tab pos="2171700" algn="l"/>
+                <a:tab pos="2895600" algn="l"/>
+                <a:tab pos="3619500" algn="l"/>
+                <a:tab pos="4343400" algn="l"/>
+                <a:tab pos="5067300" algn="l"/>
+                <a:tab pos="5791200" algn="l"/>
+                <a:tab pos="6515100" algn="l"/>
+                <a:tab pos="7239000" algn="l"/>
+                <a:tab pos="7962900" algn="l"/>
+                <a:tab pos="8686800" algn="l"/>
+              </a:tabLst>
+            </a:pPr>
+            <a:r>
+              <a:rPr lang="de-DE" altLang="de-DE" sz="2800" dirty="0" smtClean="0"/>
+              <a:t>Geben Sie am Ende "alles OK" aus, wenn genau einmal</a:t>
+            </a:r>
+          </a:p>
+          <a:p>
+            <a:pPr marL="0" indent="0" eaLnBrk="1">
+              <a:spcAft>
+                <a:spcPct val="0"/>
+              </a:spcAft>
+              <a:tabLst>
+                <a:tab pos="723900" algn="l"/>
+                <a:tab pos="1447800" algn="l"/>
+                <a:tab pos="2171700" algn="l"/>
+                <a:tab pos="2895600" algn="l"/>
+                <a:tab pos="3619500" algn="l"/>
+                <a:tab pos="4343400" algn="l"/>
+                <a:tab pos="5067300" algn="l"/>
+                <a:tab pos="5791200" algn="l"/>
+                <a:tab pos="6515100" algn="l"/>
+                <a:tab pos="7239000" algn="l"/>
+                <a:tab pos="7962900" algn="l"/>
+                <a:tab pos="8686800" algn="l"/>
+              </a:tabLst>
+            </a:pPr>
+            <a:r>
+              <a:rPr lang="de-DE" altLang="de-DE" sz="2800" dirty="0" smtClean="0"/>
+              <a:t>"&lt;</a:t>
+            </a:r>
+            <a:r>
+              <a:rPr lang="de-DE" altLang="de-DE" sz="2800" dirty="0" err="1" smtClean="0"/>
+              <a:t>zuschnittsauftrag</a:t>
+            </a:r>
+            <a:r>
+              <a:rPr lang="de-DE" altLang="de-DE" sz="2800" dirty="0" smtClean="0"/>
+              <a:t>&gt;" und einmal "&lt;/</a:t>
+            </a:r>
+            <a:r>
+              <a:rPr lang="de-DE" altLang="de-DE" sz="2800" dirty="0" err="1" smtClean="0"/>
+              <a:t>zuschnittsauftrag</a:t>
+            </a:r>
+            <a:r>
+              <a:rPr lang="de-DE" altLang="de-DE" sz="2800" dirty="0" smtClean="0"/>
+              <a:t>&gt;"</a:t>
+            </a:r>
+          </a:p>
+          <a:p>
+            <a:pPr marL="0" indent="0" eaLnBrk="1">
+              <a:spcAft>
+                <a:spcPct val="0"/>
+              </a:spcAft>
+              <a:tabLst>
+                <a:tab pos="723900" algn="l"/>
+                <a:tab pos="1447800" algn="l"/>
+                <a:tab pos="2171700" algn="l"/>
+                <a:tab pos="2895600" algn="l"/>
+                <a:tab pos="3619500" algn="l"/>
+                <a:tab pos="4343400" algn="l"/>
+                <a:tab pos="5067300" algn="l"/>
+                <a:tab pos="5791200" algn="l"/>
+                <a:tab pos="6515100" algn="l"/>
+                <a:tab pos="7239000" algn="l"/>
+                <a:tab pos="7962900" algn="l"/>
+                <a:tab pos="8686800" algn="l"/>
+              </a:tabLst>
+            </a:pPr>
+            <a:r>
+              <a:rPr lang="de-DE" altLang="de-DE" sz="2800" dirty="0" smtClean="0"/>
+              <a:t>in der Datei in dieser Reihenfolge auftaucht.</a:t>
+            </a:r>
+          </a:p>
+        </p:txBody>
+      </p:sp>
+    </p:spTree>
+  </p:cSld>
+  <p:clrMapOvr>
+    <a:masterClrMapping/>
+  </p:clrMapOvr>
+  <p:transition spd="med"/>
+  <p:timing>
+    <p:tnLst>
+      <p:par>
+        <p:cTn id="1" dur="indefinite" restart="never" nodeType="tmRoot">
+          <p:childTnLst>
+            <p:seq concurrent="1" nextAc="seek">
+              <p:cTn id="2" dur="0" nodeType="mainSeq"/>
+              <p:prevCondLst>
+                <p:cond evt="onPrev" delay="0">
+                  <p:tgtEl>
+                    <p:sldTgt/>
+                  </p:tgtEl>
+                </p:cond>
+              </p:prevCondLst>
+              <p:nextCondLst>
+                <p:cond evt="onNext" delay="0">
+                  <p:tgtEl>
+                    <p:sldTgt/>
+                  </p:tgtEl>
+                </p:cond>
+              </p:nextCondLst>
+            </p:seq>
+          </p:childTnLst>
+        </p:cTn>
+      </p:par>
+    </p:tnLst>
+  </p:timing>
+</p:sld>
+</file>
+
+<file path=ppt/slides/slide37.xml><?xml version="1.0" encoding="utf-8"?>
+<p:sld xmlns:a="http://schemas.openxmlformats.org/drawingml/2006/main" xmlns:r="http://schemas.openxmlformats.org/officeDocument/2006/relationships" xmlns:p="http://schemas.openxmlformats.org/presentationml/2006/main">
+  <p:cSld>
+    <p:spTree>
+      <p:nvGrpSpPr>
+        <p:cNvPr id="1" name=""/>
+        <p:cNvGrpSpPr/>
+        <p:nvPr/>
+      </p:nvGrpSpPr>
+      <p:grpSpPr>
+        <a:xfrm>
+          <a:off x="0" y="0"/>
+          <a:ext cx="0" cy="0"/>
+          <a:chOff x="0" y="0"/>
+          <a:chExt cx="0" cy="0"/>
+        </a:xfrm>
+      </p:grpSpPr>
+      <p:sp>
+        <p:nvSpPr>
+          <p:cNvPr id="74754" name="Fußzeilenplatzhalter 3"/>
+          <p:cNvSpPr>
+            <a:spLocks noGrp="1"/>
+          </p:cNvSpPr>
+          <p:nvPr>
+            <p:ph type="ftr" sz="quarter" idx="11"/>
+          </p:nvPr>
+        </p:nvSpPr>
+        <p:spPr>
+          <a:noFill/>
+          <a:ln>
+            <a:round/>
+            <a:headEnd/>
+            <a:tailEnd/>
+          </a:ln>
+        </p:spPr>
+        <p:txBody>
+          <a:bodyPr/>
+          <a:lstStyle/>
+          <a:p>
+            <a:pPr>
+              <a:buFont typeface="Times New Roman" pitchFamily="16" charset="0"/>
+              <a:buNone/>
+            </a:pPr>
+            <a:r>
+              <a:rPr lang="de-DE" altLang="de-DE" smtClean="0">
+                <a:latin typeface="Arial" charset="0"/>
+                <a:ea typeface="Microsoft YaHei" charset="-122"/>
+              </a:rPr>
+              <a:t>Einführung in die Software-Entwicklung</a:t>
+            </a:r>
+          </a:p>
+        </p:txBody>
+      </p:sp>
+      <p:sp>
+        <p:nvSpPr>
+          <p:cNvPr id="74755" name="Foliennummernplatzhalter 4"/>
+          <p:cNvSpPr>
+            <a:spLocks noGrp="1"/>
+          </p:cNvSpPr>
+          <p:nvPr>
+            <p:ph type="sldNum" sz="quarter" idx="12"/>
+          </p:nvPr>
+        </p:nvSpPr>
+        <p:spPr>
+          <a:noFill/>
+          <a:ln>
+            <a:round/>
+            <a:headEnd/>
+            <a:tailEnd/>
+          </a:ln>
+        </p:spPr>
+        <p:txBody>
+          <a:bodyPr/>
+          <a:lstStyle/>
+          <a:p>
+            <a:fld id="{C0DA1049-1AFF-4392-ADD2-51AB3AE6CBE7}" type="slidenum">
+              <a:rPr lang="de-DE" altLang="de-DE"/>
+              <a:pPr/>
+              <a:t>37</a:t>
+            </a:fld>
+            <a:endParaRPr lang="de-DE" altLang="de-DE"/>
+          </a:p>
+        </p:txBody>
+      </p:sp>
+      <p:sp>
+        <p:nvSpPr>
+          <p:cNvPr id="74756" name="AutoShape 1"/>
+          <p:cNvSpPr>
+            <a:spLocks noChangeArrowheads="1"/>
+          </p:cNvSpPr>
+          <p:nvPr/>
+        </p:nvSpPr>
+        <p:spPr bwMode="auto">
+          <a:xfrm>
+            <a:off x="0" y="0"/>
+            <a:ext cx="10080625" cy="1260475"/>
+          </a:xfrm>
+          <a:prstGeom prst="roundRect">
+            <a:avLst>
+              <a:gd name="adj" fmla="val 125"/>
+            </a:avLst>
+          </a:prstGeom>
+          <a:solidFill>
+            <a:srgbClr val="0047FF"/>
+          </a:solidFill>
+          <a:ln w="9525">
+            <a:solidFill>
+              <a:srgbClr val="000000"/>
+            </a:solidFill>
+            <a:round/>
+            <a:headEnd/>
+            <a:tailEnd/>
+          </a:ln>
+          <a:effectLst/>
+        </p:spPr>
+        <p:txBody>
+          <a:bodyPr wrap="none" anchor="ctr"/>
+          <a:lstStyle/>
+          <a:p>
+            <a:pPr eaLnBrk="1">
+              <a:lnSpc>
+                <a:spcPct val="93000"/>
+              </a:lnSpc>
+              <a:buClr>
+                <a:srgbClr val="000000"/>
+              </a:buClr>
+              <a:buSzPct val="100000"/>
+              <a:buFont typeface="Times New Roman" pitchFamily="16" charset="0"/>
+              <a:buNone/>
+            </a:pPr>
+            <a:endParaRPr lang="de-DE" altLang="de-DE"/>
+          </a:p>
+        </p:txBody>
+      </p:sp>
+      <p:sp>
+        <p:nvSpPr>
+          <p:cNvPr id="74757" name="Rectangle 2"/>
+          <p:cNvSpPr>
+            <a:spLocks noGrp="1" noChangeArrowheads="1"/>
+          </p:cNvSpPr>
+          <p:nvPr>
+            <p:ph type="title"/>
+          </p:nvPr>
+        </p:nvSpPr>
+        <p:spPr>
+          <a:xfrm>
+            <a:off x="503238" y="301625"/>
+            <a:ext cx="9070975" cy="1262063"/>
+          </a:xfrm>
+        </p:spPr>
+        <p:txBody>
+          <a:bodyPr tIns="35280"/>
+          <a:lstStyle/>
+          <a:p>
+            <a:pPr algn="l" eaLnBrk="1">
+              <a:tabLst>
+                <a:tab pos="723900" algn="l"/>
+                <a:tab pos="1447800" algn="l"/>
+                <a:tab pos="2171700" algn="l"/>
+                <a:tab pos="2895600" algn="l"/>
+                <a:tab pos="3619500" algn="l"/>
+                <a:tab pos="4343400" algn="l"/>
+                <a:tab pos="5067300" algn="l"/>
+                <a:tab pos="5791200" algn="l"/>
+                <a:tab pos="6515100" algn="l"/>
+                <a:tab pos="7239000" algn="l"/>
+                <a:tab pos="7962900" algn="l"/>
+                <a:tab pos="8686800" algn="l"/>
+              </a:tabLst>
+            </a:pPr>
+            <a:r>
+              <a:rPr lang="de-DE" altLang="de-DE" sz="4000" dirty="0" smtClean="0">
+                <a:solidFill>
+                  <a:srgbClr val="FFFFFF"/>
+                </a:solidFill>
+              </a:rPr>
+              <a:t>Übung </a:t>
+            </a:r>
+            <a:r>
+              <a:rPr lang="de-DE" altLang="de-DE" sz="4000" dirty="0" smtClean="0">
+                <a:solidFill>
+                  <a:srgbClr val="FFFFFF"/>
+                </a:solidFill>
+              </a:rPr>
+              <a:t>5</a:t>
+            </a:r>
+          </a:p>
+        </p:txBody>
+      </p:sp>
+      <p:sp>
+        <p:nvSpPr>
+          <p:cNvPr id="74758" name="Rectangle 3"/>
+          <p:cNvSpPr>
+            <a:spLocks noGrp="1" noChangeArrowheads="1"/>
+          </p:cNvSpPr>
+          <p:nvPr>
+            <p:ph type="subTitle" idx="4294967295"/>
+          </p:nvPr>
+        </p:nvSpPr>
+        <p:spPr>
+          <a:xfrm>
+            <a:off x="504825" y="1619250"/>
+            <a:ext cx="9070975" cy="4989513"/>
+          </a:xfrm>
+        </p:spPr>
+        <p:txBody>
+          <a:bodyPr tIns="24695"/>
+          <a:lstStyle/>
+          <a:p>
+            <a:pPr marL="0" indent="0" eaLnBrk="1">
+              <a:spcAft>
+                <a:spcPct val="0"/>
+              </a:spcAft>
+              <a:tabLst>
+                <a:tab pos="723900" algn="l"/>
+                <a:tab pos="1447800" algn="l"/>
+                <a:tab pos="2171700" algn="l"/>
+                <a:tab pos="2895600" algn="l"/>
+                <a:tab pos="3619500" algn="l"/>
+                <a:tab pos="4343400" algn="l"/>
+                <a:tab pos="5067300" algn="l"/>
+                <a:tab pos="5791200" algn="l"/>
+                <a:tab pos="6515100" algn="l"/>
+                <a:tab pos="7239000" algn="l"/>
+                <a:tab pos="7962900" algn="l"/>
+                <a:tab pos="8686800" algn="l"/>
+              </a:tabLst>
+            </a:pPr>
+            <a:r>
+              <a:rPr lang="de-DE" altLang="de-DE" sz="2800" dirty="0" smtClean="0"/>
+              <a:t>Erstellen Sie ein Programm, welches eine Textdatei</a:t>
+            </a:r>
+          </a:p>
+          <a:p>
+            <a:pPr marL="0" indent="0" eaLnBrk="1">
+              <a:spcAft>
+                <a:spcPct val="0"/>
+              </a:spcAft>
+              <a:tabLst>
+                <a:tab pos="723900" algn="l"/>
+                <a:tab pos="1447800" algn="l"/>
+                <a:tab pos="2171700" algn="l"/>
+                <a:tab pos="2895600" algn="l"/>
+                <a:tab pos="3619500" algn="l"/>
+                <a:tab pos="4343400" algn="l"/>
+                <a:tab pos="5067300" algn="l"/>
+                <a:tab pos="5791200" algn="l"/>
+                <a:tab pos="6515100" algn="l"/>
+                <a:tab pos="7239000" algn="l"/>
+                <a:tab pos="7962900" algn="l"/>
+                <a:tab pos="8686800" algn="l"/>
+              </a:tabLst>
+            </a:pPr>
+            <a:r>
+              <a:rPr lang="de-DE" altLang="de-DE" sz="2800" dirty="0" smtClean="0"/>
+              <a:t>zeilenweise einliest.</a:t>
+            </a:r>
+          </a:p>
+          <a:p>
+            <a:pPr marL="0" indent="0" eaLnBrk="1">
+              <a:spcAft>
+                <a:spcPct val="0"/>
+              </a:spcAft>
+              <a:tabLst>
+                <a:tab pos="723900" algn="l"/>
+                <a:tab pos="1447800" algn="l"/>
+                <a:tab pos="2171700" algn="l"/>
+                <a:tab pos="2895600" algn="l"/>
+                <a:tab pos="3619500" algn="l"/>
+                <a:tab pos="4343400" algn="l"/>
+                <a:tab pos="5067300" algn="l"/>
+                <a:tab pos="5791200" algn="l"/>
+                <a:tab pos="6515100" algn="l"/>
+                <a:tab pos="7239000" algn="l"/>
+                <a:tab pos="7962900" algn="l"/>
+                <a:tab pos="8686800" algn="l"/>
+              </a:tabLst>
+            </a:pPr>
+            <a:endParaRPr lang="de-DE" altLang="de-DE" sz="2800" dirty="0" smtClean="0"/>
+          </a:p>
+          <a:p>
+            <a:pPr marL="0" indent="0" eaLnBrk="1">
+              <a:spcAft>
+                <a:spcPct val="0"/>
+              </a:spcAft>
+              <a:tabLst>
+                <a:tab pos="723900" algn="l"/>
+                <a:tab pos="1447800" algn="l"/>
+                <a:tab pos="2171700" algn="l"/>
+                <a:tab pos="2895600" algn="l"/>
+                <a:tab pos="3619500" algn="l"/>
+                <a:tab pos="4343400" algn="l"/>
+                <a:tab pos="5067300" algn="l"/>
+                <a:tab pos="5791200" algn="l"/>
+                <a:tab pos="6515100" algn="l"/>
+                <a:tab pos="7239000" algn="l"/>
+                <a:tab pos="7962900" algn="l"/>
+                <a:tab pos="8686800" algn="l"/>
+              </a:tabLst>
+            </a:pPr>
+            <a:r>
+              <a:rPr lang="de-DE" altLang="de-DE" sz="2800" dirty="0" smtClean="0"/>
+              <a:t>Entfernen Sie aus jeder Zeile jedes Leerzeichen und</a:t>
+            </a:r>
+          </a:p>
+          <a:p>
+            <a:pPr marL="0" indent="0" eaLnBrk="1">
+              <a:spcAft>
+                <a:spcPct val="0"/>
+              </a:spcAft>
+              <a:tabLst>
+                <a:tab pos="723900" algn="l"/>
+                <a:tab pos="1447800" algn="l"/>
+                <a:tab pos="2171700" algn="l"/>
+                <a:tab pos="2895600" algn="l"/>
+                <a:tab pos="3619500" algn="l"/>
+                <a:tab pos="4343400" algn="l"/>
+                <a:tab pos="5067300" algn="l"/>
+                <a:tab pos="5791200" algn="l"/>
+                <a:tab pos="6515100" algn="l"/>
+                <a:tab pos="7239000" algn="l"/>
+                <a:tab pos="7962900" algn="l"/>
+                <a:tab pos="8686800" algn="l"/>
+              </a:tabLst>
+            </a:pPr>
+            <a:r>
+              <a:rPr lang="de-DE" altLang="de-DE" sz="2800" dirty="0" smtClean="0"/>
               <a:t>schreiben Sie das Ergebnis in eine andere Datei.</a:t>
             </a:r>
           </a:p>
@@ -22004,7 +22908,7 @@
                 <a:tab pos="8686800" algn="l"/>
               </a:tabLst>
             </a:pPr>
-            <a:endParaRPr lang="de-DE" altLang="de-DE" sz="2800" smtClean="0"/>
+            <a:endParaRPr lang="de-DE" altLang="de-DE" sz="2800" dirty="0" smtClean="0"/>
           </a:p>
         </p:txBody>
       </p:sp>
@@ -24690,7 +25594,7 @@
         <a:effectLst/>
         <a:extLst>
           <a:ext uri="{AF507438-7753-43E0-B8FC-AC1667EBCBE1}">
-            <a14:hiddenEffects xmlns:a14="http://schemas.microsoft.com/office/drawing/2010/main">
+            <a14:hiddenEffects xmlns:a14="http://schemas.microsoft.com/office/drawing/2010/main" xmlns="">
               <a:effectLst>
                 <a:outerShdw dist="35921" dir="2700000" algn="ctr" rotWithShape="0">
                   <a:schemeClr val="bg2"/>
@@ -24763,7 +25667,7 @@
         <a:effectLst/>
         <a:extLst>
           <a:ext uri="{AF507438-7753-43E0-B8FC-AC1667EBCBE1}">
-            <a14:hiddenEffects xmlns:a14="http://schemas.microsoft.com/office/drawing/2010/main">
+            <a14:hiddenEffects xmlns:a14="http://schemas.microsoft.com/office/drawing/2010/main" xmlns="">
               <a:effectLst>
                 <a:outerShdw dist="35921" dir="2700000" algn="ctr" rotWithShape="0">
                   <a:schemeClr val="bg2"/>
@@ -25099,7 +26003,7 @@
   </a:extraClrSchemeLst>
   <a:extLst>
     <a:ext uri="{05A4C25C-085E-4340-85A3-A5531E510DB2}">
-      <thm15:themeFamily xmlns:thm15="http://schemas.microsoft.com/office/thememl/2012/main" name="Office Theme" id="{62F939B6-93AF-4DB8-9C6B-D6C7DFDC589F}" vid="{4A3C46E8-61CC-4603-A589-7422A47A8E4A}"/>
+      <thm15:themeFamily xmlns:thm15="http://schemas.microsoft.com/office/thememl/2012/main" xmlns="" name="Office Theme" id="{62F939B6-93AF-4DB8-9C6B-D6C7DFDC589F}" vid="{4A3C46E8-61CC-4603-A589-7422A47A8E4A}"/>
     </a:ext>
   </a:extLst>
 </a:theme>
@@ -25360,7 +26264,7 @@
   <a:extraClrSchemeLst/>
   <a:extLst>
     <a:ext uri="{05A4C25C-085E-4340-85A3-A5531E510DB2}">
-      <thm15:themeFamily xmlns:thm15="http://schemas.microsoft.com/office/thememl/2012/main" name="Office Theme" id="{62F939B6-93AF-4DB8-9C6B-D6C7DFDC589F}" vid="{4A3C46E8-61CC-4603-A589-7422A47A8E4A}"/>
+      <thm15:themeFamily xmlns:thm15="http://schemas.microsoft.com/office/thememl/2012/main" xmlns="" name="Office Theme" id="{62F939B6-93AF-4DB8-9C6B-D6C7DFDC589F}" vid="{4A3C46E8-61CC-4603-A589-7422A47A8E4A}"/>
     </a:ext>
   </a:extLst>
 </a:theme>

--- a/folien/Semester_04_Termin_04_Kapitel12.pptx
+++ b/folien/Semester_04_Termin_04_Kapitel12.pptx
@@ -9,7 +9,7 @@
   </p:notesMasterIdLst>
   <p:sldIdLst>
     <p:sldId id="256" r:id="rId2"/>
-    <p:sldId id="291" r:id="rId3"/>
+    <p:sldId id="293" r:id="rId3"/>
     <p:sldId id="289" r:id="rId4"/>
     <p:sldId id="290" r:id="rId5"/>
     <p:sldId id="257" r:id="rId6"/>
@@ -175,7 +175,7 @@
   </p:defaultTextStyle>
   <p:extLst>
     <p:ext uri="{EFAFB233-063F-42B5-8137-9DF3F51BA10A}">
-      <p15:sldGuideLst xmlns:p15="http://schemas.microsoft.com/office/powerpoint/2012/main" xmlns="">
+      <p15:sldGuideLst xmlns:p15="http://schemas.microsoft.com/office/powerpoint/2012/main">
         <p15:guide id="1" orient="horz" pos="2160">
           <p15:clr>
             <a:srgbClr val="A4A3A4"/>
@@ -189,7 +189,7 @@
       </p15:sldGuideLst>
     </p:ext>
     <p:ext uri="{2D200454-40CA-4A62-9FC3-DE9A4176ACB9}">
-      <p15:notesGuideLst xmlns:p15="http://schemas.microsoft.com/office/powerpoint/2012/main" xmlns="">
+      <p15:notesGuideLst xmlns:p15="http://schemas.microsoft.com/office/powerpoint/2012/main">
         <p15:guide id="1" orient="horz" pos="2880">
           <p15:clr>
             <a:srgbClr val="A4A3A4"/>
@@ -284,14 +284,14 @@
           <a:effectLst/>
           <a:extLst>
             <a:ext uri="{909E8E84-426E-40DD-AFC4-6F175D3DCCD1}">
-              <a14:hiddenFill xmlns:a14="http://schemas.microsoft.com/office/drawing/2010/main" xmlns="">
+              <a14:hiddenFill xmlns:a14="http://schemas.microsoft.com/office/drawing/2010/main">
                 <a:solidFill>
                   <a:srgbClr val="FFFFFF"/>
                 </a:solidFill>
               </a14:hiddenFill>
             </a:ext>
             <a:ext uri="{91240B29-F687-4F45-9708-019B960494DF}">
-              <a14:hiddenLine xmlns:a14="http://schemas.microsoft.com/office/drawing/2010/main" xmlns="" w="9525">
+              <a14:hiddenLine xmlns:a14="http://schemas.microsoft.com/office/drawing/2010/main" w="9525">
                 <a:solidFill>
                   <a:srgbClr val="000000"/>
                 </a:solidFill>
@@ -301,7 +301,7 @@
               </a14:hiddenLine>
             </a:ext>
             <a:ext uri="{AF507438-7753-43E0-B8FC-AC1667EBCBE1}">
-              <a14:hiddenEffects xmlns:a14="http://schemas.microsoft.com/office/drawing/2010/main" xmlns="">
+              <a14:hiddenEffects xmlns:a14="http://schemas.microsoft.com/office/drawing/2010/main">
                 <a:effectLst>
                   <a:outerShdw dist="35921" dir="2700000" algn="ctr" rotWithShape="0">
                     <a:schemeClr val="bg2"/>
@@ -349,14 +349,14 @@
           <a:effectLst/>
           <a:extLst>
             <a:ext uri="{909E8E84-426E-40DD-AFC4-6F175D3DCCD1}">
-              <a14:hiddenFill xmlns:a14="http://schemas.microsoft.com/office/drawing/2010/main" xmlns="">
+              <a14:hiddenFill xmlns:a14="http://schemas.microsoft.com/office/drawing/2010/main">
                 <a:solidFill>
                   <a:srgbClr val="FFFFFF"/>
                 </a:solidFill>
               </a14:hiddenFill>
             </a:ext>
             <a:ext uri="{91240B29-F687-4F45-9708-019B960494DF}">
-              <a14:hiddenLine xmlns:a14="http://schemas.microsoft.com/office/drawing/2010/main" xmlns="" w="9525">
+              <a14:hiddenLine xmlns:a14="http://schemas.microsoft.com/office/drawing/2010/main" w="9525">
                 <a:solidFill>
                   <a:srgbClr val="000000"/>
                 </a:solidFill>
@@ -366,7 +366,7 @@
               </a14:hiddenLine>
             </a:ext>
             <a:ext uri="{AF507438-7753-43E0-B8FC-AC1667EBCBE1}">
-              <a14:hiddenEffects xmlns:a14="http://schemas.microsoft.com/office/drawing/2010/main" xmlns="">
+              <a14:hiddenEffects xmlns:a14="http://schemas.microsoft.com/office/drawing/2010/main">
                 <a:effectLst>
                   <a:outerShdw dist="35921" dir="2700000" algn="ctr" rotWithShape="0">
                     <a:schemeClr val="bg2"/>
@@ -441,14 +441,14 @@
           <a:effectLst/>
           <a:extLst>
             <a:ext uri="{909E8E84-426E-40DD-AFC4-6F175D3DCCD1}">
-              <a14:hiddenFill xmlns:a14="http://schemas.microsoft.com/office/drawing/2010/main" xmlns="">
+              <a14:hiddenFill xmlns:a14="http://schemas.microsoft.com/office/drawing/2010/main">
                 <a:solidFill>
                   <a:srgbClr val="FFFFFF"/>
                 </a:solidFill>
               </a14:hiddenFill>
             </a:ext>
             <a:ext uri="{91240B29-F687-4F45-9708-019B960494DF}">
-              <a14:hiddenLine xmlns:a14="http://schemas.microsoft.com/office/drawing/2010/main" xmlns="" w="9525">
+              <a14:hiddenLine xmlns:a14="http://schemas.microsoft.com/office/drawing/2010/main" w="9525">
                 <a:solidFill>
                   <a:srgbClr val="000000"/>
                 </a:solidFill>
@@ -458,7 +458,7 @@
               </a14:hiddenLine>
             </a:ext>
             <a:ext uri="{AF507438-7753-43E0-B8FC-AC1667EBCBE1}">
-              <a14:hiddenEffects xmlns:a14="http://schemas.microsoft.com/office/drawing/2010/main" xmlns="">
+              <a14:hiddenEffects xmlns:a14="http://schemas.microsoft.com/office/drawing/2010/main">
                 <a:effectLst>
                   <a:outerShdw dist="35921" dir="2700000" algn="ctr" rotWithShape="0">
                     <a:schemeClr val="bg2"/>
@@ -533,14 +533,14 @@
           <a:effectLst/>
           <a:extLst>
             <a:ext uri="{909E8E84-426E-40DD-AFC4-6F175D3DCCD1}">
-              <a14:hiddenFill xmlns:a14="http://schemas.microsoft.com/office/drawing/2010/main" xmlns="">
+              <a14:hiddenFill xmlns:a14="http://schemas.microsoft.com/office/drawing/2010/main">
                 <a:solidFill>
                   <a:srgbClr val="FFFFFF"/>
                 </a:solidFill>
               </a14:hiddenFill>
             </a:ext>
             <a:ext uri="{91240B29-F687-4F45-9708-019B960494DF}">
-              <a14:hiddenLine xmlns:a14="http://schemas.microsoft.com/office/drawing/2010/main" xmlns="" w="9525">
+              <a14:hiddenLine xmlns:a14="http://schemas.microsoft.com/office/drawing/2010/main" w="9525">
                 <a:solidFill>
                   <a:srgbClr val="000000"/>
                 </a:solidFill>
@@ -550,7 +550,7 @@
               </a14:hiddenLine>
             </a:ext>
             <a:ext uri="{AF507438-7753-43E0-B8FC-AC1667EBCBE1}">
-              <a14:hiddenEffects xmlns:a14="http://schemas.microsoft.com/office/drawing/2010/main" xmlns="">
+              <a14:hiddenEffects xmlns:a14="http://schemas.microsoft.com/office/drawing/2010/main">
                 <a:effectLst>
                   <a:outerShdw dist="35921" dir="2700000" algn="ctr" rotWithShape="0">
                     <a:schemeClr val="bg2"/>
@@ -625,14 +625,14 @@
           <a:effectLst/>
           <a:extLst>
             <a:ext uri="{909E8E84-426E-40DD-AFC4-6F175D3DCCD1}">
-              <a14:hiddenFill xmlns:a14="http://schemas.microsoft.com/office/drawing/2010/main" xmlns="">
+              <a14:hiddenFill xmlns:a14="http://schemas.microsoft.com/office/drawing/2010/main">
                 <a:solidFill>
                   <a:srgbClr val="FFFFFF"/>
                 </a:solidFill>
               </a14:hiddenFill>
             </a:ext>
             <a:ext uri="{91240B29-F687-4F45-9708-019B960494DF}">
-              <a14:hiddenLine xmlns:a14="http://schemas.microsoft.com/office/drawing/2010/main" xmlns="" w="9525">
+              <a14:hiddenLine xmlns:a14="http://schemas.microsoft.com/office/drawing/2010/main" w="9525">
                 <a:solidFill>
                   <a:srgbClr val="000000"/>
                 </a:solidFill>
@@ -642,7 +642,7 @@
               </a14:hiddenLine>
             </a:ext>
             <a:ext uri="{AF507438-7753-43E0-B8FC-AC1667EBCBE1}">
-              <a14:hiddenEffects xmlns:a14="http://schemas.microsoft.com/office/drawing/2010/main" xmlns="">
+              <a14:hiddenEffects xmlns:a14="http://schemas.microsoft.com/office/drawing/2010/main">
                 <a:effectLst>
                   <a:outerShdw dist="35921" dir="2700000" algn="ctr" rotWithShape="0">
                     <a:schemeClr val="bg2"/>
@@ -696,7 +696,7 @@
     </p:spTree>
     <p:extLst>
       <p:ext uri="{BB962C8B-B14F-4D97-AF65-F5344CB8AC3E}">
-        <p14:creationId xmlns:p14="http://schemas.microsoft.com/office/powerpoint/2010/main" xmlns="" val="2025780962"/>
+        <p14:creationId xmlns:p14="http://schemas.microsoft.com/office/powerpoint/2010/main" val="2025780962"/>
       </p:ext>
     </p:extLst>
   </p:cSld>
@@ -963,7 +963,7 @@
     </p:spTree>
     <p:extLst>
       <p:ext uri="{BB962C8B-B14F-4D97-AF65-F5344CB8AC3E}">
-        <p14:creationId xmlns:p14="http://schemas.microsoft.com/office/powerpoint/2010/main" xmlns="" val="1810478657"/>
+        <p14:creationId xmlns:p14="http://schemas.microsoft.com/office/powerpoint/2010/main" val="1810478657"/>
       </p:ext>
     </p:extLst>
   </p:cSld>
@@ -1085,7 +1085,7 @@
     </p:spTree>
     <p:extLst>
       <p:ext uri="{BB962C8B-B14F-4D97-AF65-F5344CB8AC3E}">
-        <p14:creationId xmlns:p14="http://schemas.microsoft.com/office/powerpoint/2010/main" xmlns="" val="530364005"/>
+        <p14:creationId xmlns:p14="http://schemas.microsoft.com/office/powerpoint/2010/main" val="530364005"/>
       </p:ext>
     </p:extLst>
   </p:cSld>
@@ -1207,7 +1207,7 @@
     </p:spTree>
     <p:extLst>
       <p:ext uri="{BB962C8B-B14F-4D97-AF65-F5344CB8AC3E}">
-        <p14:creationId xmlns:p14="http://schemas.microsoft.com/office/powerpoint/2010/main" xmlns="" val="2477818508"/>
+        <p14:creationId xmlns:p14="http://schemas.microsoft.com/office/powerpoint/2010/main" val="2477818508"/>
       </p:ext>
     </p:extLst>
   </p:cSld>
@@ -1329,7 +1329,7 @@
     </p:spTree>
     <p:extLst>
       <p:ext uri="{BB962C8B-B14F-4D97-AF65-F5344CB8AC3E}">
-        <p14:creationId xmlns:p14="http://schemas.microsoft.com/office/powerpoint/2010/main" xmlns="" val="69222621"/>
+        <p14:creationId xmlns:p14="http://schemas.microsoft.com/office/powerpoint/2010/main" val="69222621"/>
       </p:ext>
     </p:extLst>
   </p:cSld>
@@ -1451,7 +1451,7 @@
     </p:spTree>
     <p:extLst>
       <p:ext uri="{BB962C8B-B14F-4D97-AF65-F5344CB8AC3E}">
-        <p14:creationId xmlns:p14="http://schemas.microsoft.com/office/powerpoint/2010/main" xmlns="" val="3114346541"/>
+        <p14:creationId xmlns:p14="http://schemas.microsoft.com/office/powerpoint/2010/main" val="3114346541"/>
       </p:ext>
     </p:extLst>
   </p:cSld>
@@ -1573,7 +1573,7 @@
     </p:spTree>
     <p:extLst>
       <p:ext uri="{BB962C8B-B14F-4D97-AF65-F5344CB8AC3E}">
-        <p14:creationId xmlns:p14="http://schemas.microsoft.com/office/powerpoint/2010/main" xmlns="" val="1292468432"/>
+        <p14:creationId xmlns:p14="http://schemas.microsoft.com/office/powerpoint/2010/main" val="1292468432"/>
       </p:ext>
     </p:extLst>
   </p:cSld>
@@ -1695,7 +1695,7 @@
     </p:spTree>
     <p:extLst>
       <p:ext uri="{BB962C8B-B14F-4D97-AF65-F5344CB8AC3E}">
-        <p14:creationId xmlns:p14="http://schemas.microsoft.com/office/powerpoint/2010/main" xmlns="" val="802767215"/>
+        <p14:creationId xmlns:p14="http://schemas.microsoft.com/office/powerpoint/2010/main" val="802767215"/>
       </p:ext>
     </p:extLst>
   </p:cSld>
@@ -1817,7 +1817,7 @@
     </p:spTree>
     <p:extLst>
       <p:ext uri="{BB962C8B-B14F-4D97-AF65-F5344CB8AC3E}">
-        <p14:creationId xmlns:p14="http://schemas.microsoft.com/office/powerpoint/2010/main" xmlns="" val="1042719044"/>
+        <p14:creationId xmlns:p14="http://schemas.microsoft.com/office/powerpoint/2010/main" val="1042719044"/>
       </p:ext>
     </p:extLst>
   </p:cSld>
@@ -1939,7 +1939,7 @@
     </p:spTree>
     <p:extLst>
       <p:ext uri="{BB962C8B-B14F-4D97-AF65-F5344CB8AC3E}">
-        <p14:creationId xmlns:p14="http://schemas.microsoft.com/office/powerpoint/2010/main" xmlns="" val="1682183859"/>
+        <p14:creationId xmlns:p14="http://schemas.microsoft.com/office/powerpoint/2010/main" val="1682183859"/>
       </p:ext>
     </p:extLst>
   </p:cSld>
@@ -2061,7 +2061,7 @@
     </p:spTree>
     <p:extLst>
       <p:ext uri="{BB962C8B-B14F-4D97-AF65-F5344CB8AC3E}">
-        <p14:creationId xmlns:p14="http://schemas.microsoft.com/office/powerpoint/2010/main" xmlns="" val="675236072"/>
+        <p14:creationId xmlns:p14="http://schemas.microsoft.com/office/powerpoint/2010/main" val="675236072"/>
       </p:ext>
     </p:extLst>
   </p:cSld>
@@ -2183,7 +2183,7 @@
     </p:spTree>
     <p:extLst>
       <p:ext uri="{BB962C8B-B14F-4D97-AF65-F5344CB8AC3E}">
-        <p14:creationId xmlns:p14="http://schemas.microsoft.com/office/powerpoint/2010/main" xmlns="" val="1677407292"/>
+        <p14:creationId xmlns:p14="http://schemas.microsoft.com/office/powerpoint/2010/main" val="1677407292"/>
       </p:ext>
     </p:extLst>
   </p:cSld>
@@ -2220,7 +2220,7 @@
       </p:grpSpPr>
       <p:sp>
         <p:nvSpPr>
-          <p:cNvPr id="6146" name="Rectangle 6"/>
+          <p:cNvPr id="8194" name="Rectangle 6"/>
           <p:cNvSpPr>
             <a:spLocks noGrp="1" noChangeArrowheads="1"/>
           </p:cNvSpPr>
@@ -2240,7 +2240,7 @@
           <a:bodyPr/>
           <a:lstStyle/>
           <a:p>
-            <a:fld id="{ADCF0ADB-29DE-49D2-829C-FD84FAB30874}" type="slidenum">
+            <a:fld id="{3CC1F3E2-9198-48AC-B38E-890039A766D1}" type="slidenum">
               <a:rPr lang="de-DE" altLang="de-DE"/>
               <a:pPr/>
               <a:t>2</a:t>
@@ -2251,7 +2251,7 @@
       </p:sp>
       <p:sp>
         <p:nvSpPr>
-          <p:cNvPr id="6147" name="Rectangle 1"/>
+          <p:cNvPr id="8195" name="Rectangle 1"/>
           <p:cNvSpPr>
             <a:spLocks noGrp="1" noRot="1" noChangeAspect="1" noChangeArrowheads="1" noTextEdit="1"/>
           </p:cNvSpPr>
@@ -2277,7 +2277,7 @@
       </p:sp>
       <p:sp>
         <p:nvSpPr>
-          <p:cNvPr id="6148" name="Rectangle 2"/>
+          <p:cNvPr id="8196" name="Rectangle 2"/>
           <p:cNvSpPr>
             <a:spLocks noGrp="1" noChangeArrowheads="1"/>
           </p:cNvSpPr>
@@ -2305,7 +2305,7 @@
     </p:spTree>
     <p:extLst>
       <p:ext uri="{BB962C8B-B14F-4D97-AF65-F5344CB8AC3E}">
-        <p14:creationId xmlns:p14="http://schemas.microsoft.com/office/powerpoint/2010/main" xmlns="" val="449640175"/>
+        <p14:creationId xmlns:p14="http://schemas.microsoft.com/office/powerpoint/2010/main" val="1286250226"/>
       </p:ext>
     </p:extLst>
   </p:cSld>
@@ -2427,7 +2427,7 @@
     </p:spTree>
     <p:extLst>
       <p:ext uri="{BB962C8B-B14F-4D97-AF65-F5344CB8AC3E}">
-        <p14:creationId xmlns:p14="http://schemas.microsoft.com/office/powerpoint/2010/main" xmlns="" val="4064639674"/>
+        <p14:creationId xmlns:p14="http://schemas.microsoft.com/office/powerpoint/2010/main" val="4064639674"/>
       </p:ext>
     </p:extLst>
   </p:cSld>
@@ -2549,7 +2549,7 @@
     </p:spTree>
     <p:extLst>
       <p:ext uri="{BB962C8B-B14F-4D97-AF65-F5344CB8AC3E}">
-        <p14:creationId xmlns:p14="http://schemas.microsoft.com/office/powerpoint/2010/main" xmlns="" val="1529532070"/>
+        <p14:creationId xmlns:p14="http://schemas.microsoft.com/office/powerpoint/2010/main" val="1529532070"/>
       </p:ext>
     </p:extLst>
   </p:cSld>
@@ -2671,7 +2671,7 @@
     </p:spTree>
     <p:extLst>
       <p:ext uri="{BB962C8B-B14F-4D97-AF65-F5344CB8AC3E}">
-        <p14:creationId xmlns:p14="http://schemas.microsoft.com/office/powerpoint/2010/main" xmlns="" val="901862719"/>
+        <p14:creationId xmlns:p14="http://schemas.microsoft.com/office/powerpoint/2010/main" val="901862719"/>
       </p:ext>
     </p:extLst>
   </p:cSld>
@@ -2793,7 +2793,7 @@
     </p:spTree>
     <p:extLst>
       <p:ext uri="{BB962C8B-B14F-4D97-AF65-F5344CB8AC3E}">
-        <p14:creationId xmlns:p14="http://schemas.microsoft.com/office/powerpoint/2010/main" xmlns="" val="3590955505"/>
+        <p14:creationId xmlns:p14="http://schemas.microsoft.com/office/powerpoint/2010/main" val="3590955505"/>
       </p:ext>
     </p:extLst>
   </p:cSld>
@@ -2915,7 +2915,7 @@
     </p:spTree>
     <p:extLst>
       <p:ext uri="{BB962C8B-B14F-4D97-AF65-F5344CB8AC3E}">
-        <p14:creationId xmlns:p14="http://schemas.microsoft.com/office/powerpoint/2010/main" xmlns="" val="1553004299"/>
+        <p14:creationId xmlns:p14="http://schemas.microsoft.com/office/powerpoint/2010/main" val="1553004299"/>
       </p:ext>
     </p:extLst>
   </p:cSld>
@@ -3037,7 +3037,7 @@
     </p:spTree>
     <p:extLst>
       <p:ext uri="{BB962C8B-B14F-4D97-AF65-F5344CB8AC3E}">
-        <p14:creationId xmlns:p14="http://schemas.microsoft.com/office/powerpoint/2010/main" xmlns="" val="3633940588"/>
+        <p14:creationId xmlns:p14="http://schemas.microsoft.com/office/powerpoint/2010/main" val="3633940588"/>
       </p:ext>
     </p:extLst>
   </p:cSld>
@@ -3159,7 +3159,7 @@
     </p:spTree>
     <p:extLst>
       <p:ext uri="{BB962C8B-B14F-4D97-AF65-F5344CB8AC3E}">
-        <p14:creationId xmlns:p14="http://schemas.microsoft.com/office/powerpoint/2010/main" xmlns="" val="1239570547"/>
+        <p14:creationId xmlns:p14="http://schemas.microsoft.com/office/powerpoint/2010/main" val="1239570547"/>
       </p:ext>
     </p:extLst>
   </p:cSld>
@@ -3281,7 +3281,7 @@
     </p:spTree>
     <p:extLst>
       <p:ext uri="{BB962C8B-B14F-4D97-AF65-F5344CB8AC3E}">
-        <p14:creationId xmlns:p14="http://schemas.microsoft.com/office/powerpoint/2010/main" xmlns="" val="583227587"/>
+        <p14:creationId xmlns:p14="http://schemas.microsoft.com/office/powerpoint/2010/main" val="583227587"/>
       </p:ext>
     </p:extLst>
   </p:cSld>
@@ -3403,7 +3403,7 @@
     </p:spTree>
     <p:extLst>
       <p:ext uri="{BB962C8B-B14F-4D97-AF65-F5344CB8AC3E}">
-        <p14:creationId xmlns:p14="http://schemas.microsoft.com/office/powerpoint/2010/main" xmlns="" val="1852008813"/>
+        <p14:creationId xmlns:p14="http://schemas.microsoft.com/office/powerpoint/2010/main" val="1852008813"/>
       </p:ext>
     </p:extLst>
   </p:cSld>
@@ -3525,7 +3525,7 @@
     </p:spTree>
     <p:extLst>
       <p:ext uri="{BB962C8B-B14F-4D97-AF65-F5344CB8AC3E}">
-        <p14:creationId xmlns:p14="http://schemas.microsoft.com/office/powerpoint/2010/main" xmlns="" val="1223355757"/>
+        <p14:creationId xmlns:p14="http://schemas.microsoft.com/office/powerpoint/2010/main" val="1223355757"/>
       </p:ext>
     </p:extLst>
   </p:cSld>
@@ -3647,7 +3647,7 @@
     </p:spTree>
     <p:extLst>
       <p:ext uri="{BB962C8B-B14F-4D97-AF65-F5344CB8AC3E}">
-        <p14:creationId xmlns:p14="http://schemas.microsoft.com/office/powerpoint/2010/main" xmlns="" val="2653028130"/>
+        <p14:creationId xmlns:p14="http://schemas.microsoft.com/office/powerpoint/2010/main" val="2653028130"/>
       </p:ext>
     </p:extLst>
   </p:cSld>
@@ -3769,7 +3769,7 @@
     </p:spTree>
     <p:extLst>
       <p:ext uri="{BB962C8B-B14F-4D97-AF65-F5344CB8AC3E}">
-        <p14:creationId xmlns:p14="http://schemas.microsoft.com/office/powerpoint/2010/main" xmlns="" val="1966052204"/>
+        <p14:creationId xmlns:p14="http://schemas.microsoft.com/office/powerpoint/2010/main" val="1966052204"/>
       </p:ext>
     </p:extLst>
   </p:cSld>
@@ -3891,7 +3891,7 @@
     </p:spTree>
     <p:extLst>
       <p:ext uri="{BB962C8B-B14F-4D97-AF65-F5344CB8AC3E}">
-        <p14:creationId xmlns:p14="http://schemas.microsoft.com/office/powerpoint/2010/main" xmlns="" val="2428717609"/>
+        <p14:creationId xmlns:p14="http://schemas.microsoft.com/office/powerpoint/2010/main" val="2428717609"/>
       </p:ext>
     </p:extLst>
   </p:cSld>
@@ -4013,7 +4013,7 @@
     </p:spTree>
     <p:extLst>
       <p:ext uri="{BB962C8B-B14F-4D97-AF65-F5344CB8AC3E}">
-        <p14:creationId xmlns:p14="http://schemas.microsoft.com/office/powerpoint/2010/main" xmlns="" val="1692427942"/>
+        <p14:creationId xmlns:p14="http://schemas.microsoft.com/office/powerpoint/2010/main" val="1692427942"/>
       </p:ext>
     </p:extLst>
   </p:cSld>
@@ -4135,7 +4135,7 @@
     </p:spTree>
     <p:extLst>
       <p:ext uri="{BB962C8B-B14F-4D97-AF65-F5344CB8AC3E}">
-        <p14:creationId xmlns:p14="http://schemas.microsoft.com/office/powerpoint/2010/main" xmlns="" val="1692427942"/>
+        <p14:creationId xmlns:p14="http://schemas.microsoft.com/office/powerpoint/2010/main" val="1692427942"/>
       </p:ext>
     </p:extLst>
   </p:cSld>
@@ -4257,7 +4257,7 @@
     </p:spTree>
     <p:extLst>
       <p:ext uri="{BB962C8B-B14F-4D97-AF65-F5344CB8AC3E}">
-        <p14:creationId xmlns:p14="http://schemas.microsoft.com/office/powerpoint/2010/main" xmlns="" val="3989539809"/>
+        <p14:creationId xmlns:p14="http://schemas.microsoft.com/office/powerpoint/2010/main" val="3989539809"/>
       </p:ext>
     </p:extLst>
   </p:cSld>
@@ -4379,7 +4379,7 @@
     </p:spTree>
     <p:extLst>
       <p:ext uri="{BB962C8B-B14F-4D97-AF65-F5344CB8AC3E}">
-        <p14:creationId xmlns:p14="http://schemas.microsoft.com/office/powerpoint/2010/main" xmlns="" val="2411076295"/>
+        <p14:creationId xmlns:p14="http://schemas.microsoft.com/office/powerpoint/2010/main" val="2411076295"/>
       </p:ext>
     </p:extLst>
   </p:cSld>
@@ -4501,7 +4501,7 @@
     </p:spTree>
     <p:extLst>
       <p:ext uri="{BB962C8B-B14F-4D97-AF65-F5344CB8AC3E}">
-        <p14:creationId xmlns:p14="http://schemas.microsoft.com/office/powerpoint/2010/main" xmlns="" val="818806398"/>
+        <p14:creationId xmlns:p14="http://schemas.microsoft.com/office/powerpoint/2010/main" val="818806398"/>
       </p:ext>
     </p:extLst>
   </p:cSld>
@@ -4623,7 +4623,7 @@
     </p:spTree>
     <p:extLst>
       <p:ext uri="{BB962C8B-B14F-4D97-AF65-F5344CB8AC3E}">
-        <p14:creationId xmlns:p14="http://schemas.microsoft.com/office/powerpoint/2010/main" xmlns="" val="903251890"/>
+        <p14:creationId xmlns:p14="http://schemas.microsoft.com/office/powerpoint/2010/main" val="903251890"/>
       </p:ext>
     </p:extLst>
   </p:cSld>
@@ -4745,7 +4745,7 @@
     </p:spTree>
     <p:extLst>
       <p:ext uri="{BB962C8B-B14F-4D97-AF65-F5344CB8AC3E}">
-        <p14:creationId xmlns:p14="http://schemas.microsoft.com/office/powerpoint/2010/main" xmlns="" val="1853273437"/>
+        <p14:creationId xmlns:p14="http://schemas.microsoft.com/office/powerpoint/2010/main" val="1853273437"/>
       </p:ext>
     </p:extLst>
   </p:cSld>
@@ -4867,7 +4867,7 @@
     </p:spTree>
     <p:extLst>
       <p:ext uri="{BB962C8B-B14F-4D97-AF65-F5344CB8AC3E}">
-        <p14:creationId xmlns:p14="http://schemas.microsoft.com/office/powerpoint/2010/main" xmlns="" val="4234332121"/>
+        <p14:creationId xmlns:p14="http://schemas.microsoft.com/office/powerpoint/2010/main" val="4234332121"/>
       </p:ext>
     </p:extLst>
   </p:cSld>
@@ -4989,7 +4989,7 @@
     </p:spTree>
     <p:extLst>
       <p:ext uri="{BB962C8B-B14F-4D97-AF65-F5344CB8AC3E}">
-        <p14:creationId xmlns:p14="http://schemas.microsoft.com/office/powerpoint/2010/main" xmlns="" val="659532858"/>
+        <p14:creationId xmlns:p14="http://schemas.microsoft.com/office/powerpoint/2010/main" val="659532858"/>
       </p:ext>
     </p:extLst>
   </p:cSld>
@@ -5111,7 +5111,7 @@
     </p:spTree>
     <p:extLst>
       <p:ext uri="{BB962C8B-B14F-4D97-AF65-F5344CB8AC3E}">
-        <p14:creationId xmlns:p14="http://schemas.microsoft.com/office/powerpoint/2010/main" xmlns="" val="946513626"/>
+        <p14:creationId xmlns:p14="http://schemas.microsoft.com/office/powerpoint/2010/main" val="946513626"/>
       </p:ext>
     </p:extLst>
   </p:cSld>
@@ -5233,7 +5233,7 @@
     </p:spTree>
     <p:extLst>
       <p:ext uri="{BB962C8B-B14F-4D97-AF65-F5344CB8AC3E}">
-        <p14:creationId xmlns:p14="http://schemas.microsoft.com/office/powerpoint/2010/main" xmlns="" val="312409579"/>
+        <p14:creationId xmlns:p14="http://schemas.microsoft.com/office/powerpoint/2010/main" val="312409579"/>
       </p:ext>
     </p:extLst>
   </p:cSld>
@@ -5355,7 +5355,7 @@
     </p:spTree>
     <p:extLst>
       <p:ext uri="{BB962C8B-B14F-4D97-AF65-F5344CB8AC3E}">
-        <p14:creationId xmlns:p14="http://schemas.microsoft.com/office/powerpoint/2010/main" xmlns="" val="2371958216"/>
+        <p14:creationId xmlns:p14="http://schemas.microsoft.com/office/powerpoint/2010/main" val="2371958216"/>
       </p:ext>
     </p:extLst>
   </p:cSld>
@@ -8119,14 +8119,14 @@
           <a:effectLst/>
           <a:extLst>
             <a:ext uri="{909E8E84-426E-40DD-AFC4-6F175D3DCCD1}">
-              <a14:hiddenFill xmlns:a14="http://schemas.microsoft.com/office/drawing/2010/main" xmlns="">
+              <a14:hiddenFill xmlns:a14="http://schemas.microsoft.com/office/drawing/2010/main">
                 <a:solidFill>
                   <a:srgbClr val="FFFFFF"/>
                 </a:solidFill>
               </a14:hiddenFill>
             </a:ext>
             <a:ext uri="{91240B29-F687-4F45-9708-019B960494DF}">
-              <a14:hiddenLine xmlns:a14="http://schemas.microsoft.com/office/drawing/2010/main" xmlns="" w="9525">
+              <a14:hiddenLine xmlns:a14="http://schemas.microsoft.com/office/drawing/2010/main" w="9525">
                 <a:solidFill>
                   <a:srgbClr val="000000"/>
                 </a:solidFill>
@@ -8136,7 +8136,7 @@
               </a14:hiddenLine>
             </a:ext>
             <a:ext uri="{AF507438-7753-43E0-B8FC-AC1667EBCBE1}">
-              <a14:hiddenEffects xmlns:a14="http://schemas.microsoft.com/office/drawing/2010/main" xmlns="">
+              <a14:hiddenEffects xmlns:a14="http://schemas.microsoft.com/office/drawing/2010/main">
                 <a:effectLst>
                   <a:outerShdw dist="35921" dir="2700000" algn="ctr" rotWithShape="0">
                     <a:schemeClr val="bg2"/>
@@ -8210,14 +8210,14 @@
           <a:effectLst/>
           <a:extLst>
             <a:ext uri="{909E8E84-426E-40DD-AFC4-6F175D3DCCD1}">
-              <a14:hiddenFill xmlns:a14="http://schemas.microsoft.com/office/drawing/2010/main" xmlns="">
+              <a14:hiddenFill xmlns:a14="http://schemas.microsoft.com/office/drawing/2010/main">
                 <a:solidFill>
                   <a:srgbClr val="FFFFFF"/>
                 </a:solidFill>
               </a14:hiddenFill>
             </a:ext>
             <a:ext uri="{91240B29-F687-4F45-9708-019B960494DF}">
-              <a14:hiddenLine xmlns:a14="http://schemas.microsoft.com/office/drawing/2010/main" xmlns="" w="9525">
+              <a14:hiddenLine xmlns:a14="http://schemas.microsoft.com/office/drawing/2010/main" w="9525">
                 <a:solidFill>
                   <a:srgbClr val="000000"/>
                 </a:solidFill>
@@ -8227,7 +8227,7 @@
               </a14:hiddenLine>
             </a:ext>
             <a:ext uri="{AF507438-7753-43E0-B8FC-AC1667EBCBE1}">
-              <a14:hiddenEffects xmlns:a14="http://schemas.microsoft.com/office/drawing/2010/main" xmlns="">
+              <a14:hiddenEffects xmlns:a14="http://schemas.microsoft.com/office/drawing/2010/main">
                 <a:effectLst>
                   <a:outerShdw dist="35921" dir="2700000" algn="ctr" rotWithShape="0">
                     <a:schemeClr val="bg2"/>
@@ -8302,14 +8302,14 @@
           <a:effectLst/>
           <a:extLst>
             <a:ext uri="{909E8E84-426E-40DD-AFC4-6F175D3DCCD1}">
-              <a14:hiddenFill xmlns:a14="http://schemas.microsoft.com/office/drawing/2010/main" xmlns="">
+              <a14:hiddenFill xmlns:a14="http://schemas.microsoft.com/office/drawing/2010/main">
                 <a:solidFill>
                   <a:srgbClr val="FFFFFF"/>
                 </a:solidFill>
               </a14:hiddenFill>
             </a:ext>
             <a:ext uri="{91240B29-F687-4F45-9708-019B960494DF}">
-              <a14:hiddenLine xmlns:a14="http://schemas.microsoft.com/office/drawing/2010/main" xmlns="" w="9525">
+              <a14:hiddenLine xmlns:a14="http://schemas.microsoft.com/office/drawing/2010/main" w="9525">
                 <a:solidFill>
                   <a:srgbClr val="000000"/>
                 </a:solidFill>
@@ -8319,7 +8319,7 @@
               </a14:hiddenLine>
             </a:ext>
             <a:ext uri="{AF507438-7753-43E0-B8FC-AC1667EBCBE1}">
-              <a14:hiddenEffects xmlns:a14="http://schemas.microsoft.com/office/drawing/2010/main" xmlns="">
+              <a14:hiddenEffects xmlns:a14="http://schemas.microsoft.com/office/drawing/2010/main">
                 <a:effectLst>
                   <a:outerShdw dist="35921" dir="2700000" algn="ctr" rotWithShape="0">
                     <a:schemeClr val="bg2"/>
@@ -13497,7 +13497,7 @@
       </p:grpSpPr>
       <p:sp>
         <p:nvSpPr>
-          <p:cNvPr id="5122" name="Fußzeilenplatzhalter 3"/>
+          <p:cNvPr id="7170" name="Fußzeilenplatzhalter 3"/>
           <p:cNvSpPr>
             <a:spLocks noGrp="1"/>
           </p:cNvSpPr>
@@ -13533,7 +13533,7 @@
       </p:sp>
       <p:sp>
         <p:nvSpPr>
-          <p:cNvPr id="5123" name="Foliennummernplatzhalter 4"/>
+          <p:cNvPr id="7171" name="Foliennummernplatzhalter 4"/>
           <p:cNvSpPr>
             <a:spLocks noGrp="1"/>
           </p:cNvSpPr>
@@ -13553,7 +13553,7 @@
           <a:bodyPr/>
           <a:lstStyle/>
           <a:p>
-            <a:fld id="{51960F42-0AFA-4E70-9058-5990352880CD}" type="slidenum">
+            <a:fld id="{C0E55EE7-AE64-4ABB-B1C1-A04C9E868308}" type="slidenum">
               <a:rPr lang="de-DE" altLang="de-DE"/>
               <a:pPr/>
               <a:t>2</a:t>
@@ -13564,7 +13564,7 @@
       </p:sp>
       <p:sp>
         <p:nvSpPr>
-          <p:cNvPr id="5124" name="AutoShape 1"/>
+          <p:cNvPr id="7172" name="AutoShape 1"/>
           <p:cNvSpPr>
             <a:spLocks noChangeArrowheads="1"/>
           </p:cNvSpPr>
@@ -13614,7 +13614,7 @@
       </p:sp>
       <p:sp>
         <p:nvSpPr>
-          <p:cNvPr id="5125" name="Rectangle 2"/>
+          <p:cNvPr id="7173" name="Rectangle 2"/>
           <p:cNvSpPr>
             <a:spLocks noGrp="1" noChangeArrowheads="1"/>
           </p:cNvSpPr>
@@ -13649,19 +13649,32 @@
               </a:tabLst>
             </a:pPr>
             <a:r>
-              <a:rPr lang="de-DE" altLang="de-DE" sz="4000" smtClean="0">
+              <a:rPr lang="de-DE" altLang="de-DE" sz="4000" dirty="0" smtClean="0">
                 <a:solidFill>
                   <a:srgbClr val="FFFFFF"/>
                 </a:solidFill>
               </a:rPr>
-              <a:t>Organisatorisches (1)</a:t>
-            </a:r>
-          </a:p>
-        </p:txBody>
-      </p:sp>
-      <p:sp>
-        <p:nvSpPr>
-          <p:cNvPr id="5126" name="Rectangle 3"/>
+              <a:t>Organisatorisches </a:t>
+            </a:r>
+            <a:r>
+              <a:rPr lang="de-DE" altLang="de-DE" sz="4000" dirty="0" smtClean="0">
+                <a:solidFill>
+                  <a:srgbClr val="FFFFFF"/>
+                </a:solidFill>
+              </a:rPr>
+              <a:t>(1)</a:t>
+            </a:r>
+            <a:endParaRPr lang="de-DE" altLang="de-DE" sz="4000" dirty="0" smtClean="0">
+              <a:solidFill>
+                <a:srgbClr val="FFFFFF"/>
+              </a:solidFill>
+            </a:endParaRPr>
+          </a:p>
+        </p:txBody>
+      </p:sp>
+      <p:sp>
+        <p:nvSpPr>
+          <p:cNvPr id="7174" name="Rectangle 3"/>
           <p:cNvSpPr>
             <a:spLocks noGrp="1" noChangeArrowheads="1"/>
           </p:cNvSpPr>
@@ -13702,27 +13715,35 @@
               </a:tabLst>
             </a:pPr>
             <a:r>
-              <a:rPr lang="de-DE" altLang="de-DE" sz="2800" smtClean="0"/>
+              <a:rPr lang="de-DE" altLang="de-DE" sz="2800" dirty="0" smtClean="0"/>
               <a:t>Teilen Sie bitte bis spätestens Sonntag,</a:t>
             </a:r>
             <a:br>
-              <a:rPr lang="de-DE" altLang="de-DE" sz="2800" smtClean="0"/>
+              <a:rPr lang="de-DE" altLang="de-DE" sz="2800" dirty="0" smtClean="0"/>
             </a:br>
             <a:r>
-              <a:rPr lang="de-DE" altLang="de-DE" sz="2800" smtClean="0"/>
-              <a:t>den 10.05.2015, 24 Uhr mit, wie Sie Ihre Gruppen</a:t>
+              <a:rPr lang="de-DE" altLang="de-DE" sz="2800" dirty="0" smtClean="0"/>
+              <a:t>den </a:t>
+            </a:r>
+            <a:r>
+              <a:rPr lang="de-DE" altLang="de-DE" sz="2800" dirty="0" smtClean="0"/>
+              <a:t>15.05.2016, </a:t>
+            </a:r>
+            <a:r>
+              <a:rPr lang="de-DE" altLang="de-DE" sz="2800" dirty="0" smtClean="0"/>
+              <a:t>24 Uhr mit, wie Sie Ihre Gruppen</a:t>
             </a:r>
             <a:br>
-              <a:rPr lang="de-DE" altLang="de-DE" sz="2800" smtClean="0"/>
+              <a:rPr lang="de-DE" altLang="de-DE" sz="2800" dirty="0" smtClean="0"/>
             </a:br>
             <a:r>
-              <a:rPr lang="de-DE" altLang="de-DE" sz="2800" smtClean="0"/>
+              <a:rPr lang="de-DE" altLang="de-DE" sz="2800" dirty="0" smtClean="0"/>
               <a:t>für die Hausarbeit aufteilen.</a:t>
             </a:r>
             <a:br>
-              <a:rPr lang="de-DE" altLang="de-DE" sz="2800" smtClean="0"/>
+              <a:rPr lang="de-DE" altLang="de-DE" sz="2800" dirty="0" smtClean="0"/>
             </a:br>
-            <a:endParaRPr lang="de-DE" altLang="de-DE" sz="2800" smtClean="0"/>
+            <a:endParaRPr lang="de-DE" altLang="de-DE" sz="2800" dirty="0" smtClean="0"/>
           </a:p>
           <a:p>
             <a:pPr marL="269875" indent="-269875" eaLnBrk="1">
@@ -13748,9 +13769,30 @@
               </a:tabLst>
             </a:pPr>
             <a:r>
-              <a:rPr lang="de-DE" altLang="de-DE" sz="2800" smtClean="0"/>
-              <a:t>Möglich sind nur Zweier- oder Dreiergruppen.</a:t>
-            </a:r>
+              <a:rPr lang="de-DE" altLang="de-DE" sz="2800" dirty="0" smtClean="0"/>
+              <a:t>Möglich sind nur </a:t>
+            </a:r>
+            <a:r>
+              <a:rPr lang="de-DE" altLang="de-DE" sz="2800" dirty="0" smtClean="0"/>
+              <a:t>Dreier- </a:t>
+            </a:r>
+            <a:r>
+              <a:rPr lang="de-DE" altLang="de-DE" sz="2800" dirty="0" smtClean="0"/>
+              <a:t>oder </a:t>
+            </a:r>
+            <a:r>
+              <a:rPr lang="de-DE" altLang="de-DE" sz="2800" dirty="0" smtClean="0"/>
+              <a:t>Vierer</a:t>
+            </a:r>
+            <a:r>
+              <a:rPr lang="de-DE" altLang="de-DE" sz="2800" dirty="0" smtClean="0"/>
+              <a:t>gruppen</a:t>
+            </a:r>
+            <a:r>
+              <a:rPr lang="de-DE" altLang="de-DE" sz="2800" dirty="0"/>
+              <a:t>.</a:t>
+            </a:r>
+            <a:endParaRPr lang="de-DE" altLang="de-DE" sz="2800" dirty="0" smtClean="0"/>
           </a:p>
           <a:p>
             <a:pPr marL="269875" indent="-269875" eaLnBrk="1">
@@ -13776,14 +13818,18 @@
               </a:tabLst>
             </a:pPr>
             <a:r>
-              <a:rPr lang="de-DE" altLang="de-DE" sz="2800" smtClean="0"/>
-              <a:t>Dreiergruppen haben eine Zusatzaufgabe zu bearbeiten</a:t>
+              <a:rPr lang="de-DE" altLang="de-DE" sz="2800" dirty="0" smtClean="0"/>
+              <a:t>Alle Gruppen haben exakt dieselbe Aufgabe zu bearbeiten.</a:t>
+            </a:r>
+            <a:r>
+              <a:rPr lang="de-DE" altLang="de-DE" sz="2800" dirty="0" smtClean="0"/>
+              <a:t/>
             </a:r>
             <a:br>
-              <a:rPr lang="de-DE" altLang="de-DE" sz="2800" smtClean="0"/>
+              <a:rPr lang="de-DE" altLang="de-DE" sz="2800" dirty="0" smtClean="0"/>
             </a:br>
             <a:r>
-              <a:rPr lang="de-DE" altLang="de-DE" sz="2800" smtClean="0"/>
+              <a:rPr lang="de-DE" altLang="de-DE" sz="2800" dirty="0" smtClean="0"/>
               <a:t> </a:t>
             </a:r>
           </a:p>
@@ -13811,27 +13857,24 @@
               </a:tabLst>
             </a:pPr>
             <a:r>
-              <a:rPr lang="de-DE" altLang="de-DE" sz="2800" smtClean="0"/>
+              <a:rPr lang="de-DE" altLang="de-DE" sz="2800" dirty="0" smtClean="0"/>
               <a:t>Die Mitteilung erfolgt an die E-Mail des Dozenten (</a:t>
             </a:r>
             <a:r>
-              <a:rPr lang="de-DE" altLang="de-DE" sz="2800" smtClean="0">
+              <a:rPr lang="de-DE" altLang="de-DE" sz="2800" dirty="0" smtClean="0">
                 <a:hlinkClick r:id="rId3"/>
               </a:rPr>
               <a:t>bjoern.kimminich@nordakademie.de</a:t>
             </a:r>
             <a:r>
-              <a:rPr lang="de-DE" altLang="de-DE" sz="2800" smtClean="0"/>
-              <a:t>) und enthält die Namen aller Studenten der Gruppe </a:t>
-            </a:r>
-            <a:r>
-              <a:rPr lang="de-DE" altLang="de-DE" sz="2800" u="sng" smtClean="0"/>
-              <a:t>sowie einen Teamnamen</a:t>
-            </a:r>
-            <a:r>
-              <a:rPr lang="de-DE" altLang="de-DE" sz="2800" smtClean="0"/>
-              <a:t>.</a:t>
-            </a:r>
+              <a:rPr lang="de-DE" altLang="de-DE" sz="2800" dirty="0" smtClean="0"/>
+              <a:t>) und enthält die Namen aller Studenten der </a:t>
+            </a:r>
+            <a:r>
+              <a:rPr lang="de-DE" altLang="de-DE" sz="2800" dirty="0" smtClean="0"/>
+              <a:t>Gruppe.</a:t>
+            </a:r>
+            <a:endParaRPr lang="de-DE" altLang="de-DE" sz="2800" dirty="0" smtClean="0"/>
           </a:p>
           <a:p>
             <a:pPr marL="269875" indent="-269875" eaLnBrk="1">
@@ -13856,7 +13899,7 @@
                 <a:tab pos="8686800" algn="l"/>
               </a:tabLst>
             </a:pPr>
-            <a:endParaRPr lang="de-DE" altLang="de-DE" smtClean="0"/>
+            <a:endParaRPr lang="de-DE" altLang="de-DE" dirty="0" smtClean="0"/>
           </a:p>
           <a:p>
             <a:pPr marL="269875" indent="-269875" eaLnBrk="1">
@@ -13881,11 +13924,16 @@
                 <a:tab pos="8686800" algn="l"/>
               </a:tabLst>
             </a:pPr>
-            <a:endParaRPr lang="de-DE" altLang="de-DE" smtClean="0"/>
+            <a:endParaRPr lang="de-DE" altLang="de-DE" dirty="0" smtClean="0"/>
           </a:p>
         </p:txBody>
       </p:sp>
     </p:spTree>
+    <p:extLst>
+      <p:ext uri="{BB962C8B-B14F-4D97-AF65-F5344CB8AC3E}">
+        <p14:creationId xmlns:p14="http://schemas.microsoft.com/office/powerpoint/2010/main" val="3610492484"/>
+      </p:ext>
+    </p:extLst>
   </p:cSld>
   <p:clrMapOvr>
     <a:masterClrMapping/>
@@ -18801,8 +18849,16 @@
               </a:tabLst>
             </a:pPr>
             <a:r>
-              <a:rPr lang="de-DE" altLang="de-DE" sz="2800" smtClean="0"/>
-              <a:t>Das Thema zur Hausarbeit wird Ihnen spätestens am 12.05.2015 um 0:00 Uhr per E-Mail an den Zenturien-Verteiler zugestellt</a:t>
+              <a:rPr lang="de-DE" altLang="de-DE" sz="2800" dirty="0" smtClean="0"/>
+              <a:t>Das Thema zur Hausarbeit wird Ihnen spätestens am </a:t>
+            </a:r>
+            <a:r>
+              <a:rPr lang="de-DE" altLang="de-DE" sz="2800" dirty="0" smtClean="0"/>
+              <a:t>17.05.2016 </a:t>
+            </a:r>
+            <a:r>
+              <a:rPr lang="de-DE" altLang="de-DE" sz="2800" dirty="0" smtClean="0"/>
+              <a:t>um 0:00 Uhr per E-Mail an den Zenturien-Verteiler zugestellt</a:t>
             </a:r>
           </a:p>
           <a:p>
@@ -18829,7 +18885,7 @@
               </a:tabLst>
             </a:pPr>
             <a:r>
-              <a:rPr lang="de-DE" altLang="de-DE" sz="2800" smtClean="0"/>
+              <a:rPr lang="de-DE" altLang="de-DE" sz="2800" dirty="0" smtClean="0"/>
               <a:t>Damit beginnt auch der Bearbeitungszeitraum von maximal 4 Wochen</a:t>
             </a:r>
           </a:p>
@@ -18856,7 +18912,7 @@
                 <a:tab pos="8686800" algn="l"/>
               </a:tabLst>
             </a:pPr>
-            <a:endParaRPr lang="de-DE" altLang="de-DE" sz="2800" smtClean="0"/>
+            <a:endParaRPr lang="de-DE" altLang="de-DE" sz="2800" dirty="0" smtClean="0"/>
           </a:p>
           <a:p>
             <a:pPr marL="269875" indent="-269875" eaLnBrk="1">
@@ -18882,8 +18938,16 @@
               </a:tabLst>
             </a:pPr>
             <a:r>
-              <a:rPr lang="de-DE" altLang="de-DE" sz="2800" smtClean="0"/>
-              <a:t>In der Vorlesung am 12.05.2015 wird die Aufgabenstellung vom Dozenten kurz vorgestellt und es können allgemeine Verständnisfragen geklärt werden</a:t>
+              <a:rPr lang="de-DE" altLang="de-DE" sz="2800" dirty="0" smtClean="0"/>
+              <a:t>In der Vorlesung am </a:t>
+            </a:r>
+            <a:r>
+              <a:rPr lang="de-DE" altLang="de-DE" sz="2800" dirty="0" smtClean="0"/>
+              <a:t>17.05.2016 </a:t>
+            </a:r>
+            <a:r>
+              <a:rPr lang="de-DE" altLang="de-DE" sz="2800" dirty="0" smtClean="0"/>
+              <a:t>wird die Aufgabenstellung vom Dozenten kurz vorgestellt und es können allgemeine Verständnisfragen geklärt werden</a:t>
             </a:r>
           </a:p>
           <a:p>
@@ -18910,10 +18974,10 @@
               </a:tabLst>
             </a:pPr>
             <a:r>
-              <a:rPr lang="de-DE" altLang="de-DE" sz="2800" smtClean="0"/>
+              <a:rPr lang="de-DE" altLang="de-DE" sz="2800" dirty="0" smtClean="0"/>
               <a:t>Nutzen Sie diese sowie die verbleibenden Vorlesungen zum Vorstellen von Zwischenergebnissen!</a:t>
             </a:r>
-            <a:endParaRPr lang="de-DE" altLang="de-DE" smtClean="0"/>
+            <a:endParaRPr lang="de-DE" altLang="de-DE" dirty="0" smtClean="0"/>
           </a:p>
         </p:txBody>
       </p:sp>
@@ -20071,11 +20135,6 @@
               </a:rPr>
               <a:t>Vor der Übung</a:t>
             </a:r>
-            <a:endParaRPr lang="de-DE" altLang="de-DE" sz="4000" dirty="0" smtClean="0">
-              <a:solidFill>
-                <a:srgbClr val="FFFFFF"/>
-              </a:solidFill>
-            </a:endParaRPr>
           </a:p>
         </p:txBody>
       </p:sp>
@@ -20155,13 +20214,7 @@
               <a:rPr lang="de-DE" altLang="de-DE" sz="2000" dirty="0" smtClean="0">
                 <a:hlinkClick r:id="rId3"/>
               </a:rPr>
-              <a:t>https://</a:t>
-            </a:r>
-            <a:r>
-              <a:rPr lang="de-DE" altLang="de-DE" sz="2000" dirty="0" smtClean="0">
-                <a:hlinkClick r:id="rId3"/>
-              </a:rPr>
-              <a:t>github.com/nordakademie-einfuehrung-java/uebung_12</a:t>
+              <a:t>https://github.com/nordakademie-einfuehrung-java/uebung_12</a:t>
             </a:r>
             <a:endParaRPr lang="de-DE" altLang="de-DE" sz="2000" dirty="0" smtClean="0"/>
           </a:p>
@@ -20195,11 +20248,7 @@
             </a:r>
             <a:r>
               <a:rPr lang="de-DE" altLang="de-DE" sz="2800" dirty="0" smtClean="0"/>
-              <a:t>-Projekt</a:t>
-            </a:r>
-            <a:r>
-              <a:rPr lang="de-DE" altLang="de-DE" sz="2800" dirty="0" smtClean="0"/>
-              <a:t>.</a:t>
+              <a:t>-Projekt.</a:t>
             </a:r>
           </a:p>
           <a:p>
@@ -20246,11 +20295,7 @@
             </a:pPr>
             <a:r>
               <a:rPr lang="de-DE" altLang="de-DE" sz="2800" dirty="0" smtClean="0"/>
-              <a:t>Sie </a:t>
-            </a:r>
-            <a:r>
-              <a:rPr lang="de-DE" altLang="de-DE" sz="2800" dirty="0" smtClean="0"/>
-              <a:t>finden eine entsprechend vorbereitete Klasse im Ordner </a:t>
+              <a:t>Sie finden eine entsprechend vorbereitete Klasse im Ordner </a:t>
             </a:r>
             <a:r>
               <a:rPr lang="de-DE" altLang="de-DE" sz="2800" dirty="0" smtClean="0">
@@ -20268,19 +20313,7 @@
             </a:r>
             <a:r>
               <a:rPr lang="de-DE" altLang="de-DE" sz="2800" dirty="0" smtClean="0"/>
-              <a:t> und müssen nur noch die </a:t>
-            </a:r>
-            <a:r>
-              <a:rPr lang="de-DE" altLang="de-DE" sz="2800" dirty="0" smtClean="0"/>
-              <a:t>fünf Übungs-Methoden </a:t>
-            </a:r>
-            <a:r>
-              <a:rPr lang="de-DE" altLang="de-DE" sz="2800" dirty="0" smtClean="0"/>
-              <a:t>ausimplementieren</a:t>
-            </a:r>
-            <a:r>
-              <a:rPr lang="de-DE" altLang="de-DE" sz="2800" dirty="0" smtClean="0"/>
-              <a:t>!</a:t>
+              <a:t> und müssen nur noch die fünf Übungs-Methoden ausimplementieren!</a:t>
             </a:r>
           </a:p>
           <a:p>
@@ -20475,7 +20508,6 @@
               <a:rPr lang="de-DE" altLang="de-DE" sz="2800" dirty="0" smtClean="0"/>
               <a:t>Tipp: Versuchen Sie, Gemeinsames wiederzuverwenden!</a:t>
             </a:r>
-            <a:endParaRPr lang="de-DE" altLang="de-DE" sz="2800" dirty="0" smtClean="0"/>
           </a:p>
           <a:p>
             <a:pPr marL="269875" indent="-269875" eaLnBrk="1">
@@ -20741,29 +20773,8 @@
                   <a:srgbClr val="FFFFFF"/>
                 </a:solidFill>
               </a:rPr>
-              <a:t>Übung</a:t>
-            </a:r>
-            <a:r>
-              <a:rPr lang="de-DE" altLang="de-DE" sz="4000" dirty="0" smtClean="0">
-                <a:solidFill>
-                  <a:srgbClr val="FFFFFF"/>
-                </a:solidFill>
-              </a:rPr>
-              <a:t> </a:t>
-            </a:r>
-            <a:r>
-              <a:rPr lang="de-DE" altLang="de-DE" sz="4000" dirty="0" smtClean="0">
-                <a:solidFill>
-                  <a:srgbClr val="FFFFFF"/>
-                </a:solidFill>
-              </a:rPr>
-              <a:t>1</a:t>
-            </a:r>
-            <a:endParaRPr lang="de-DE" altLang="de-DE" sz="4000" dirty="0" smtClean="0">
-              <a:solidFill>
-                <a:srgbClr val="FFFFFF"/>
-              </a:solidFill>
-            </a:endParaRPr>
+              <a:t>Übung 1</a:t>
+            </a:r>
           </a:p>
         </p:txBody>
       </p:sp>
@@ -21213,15 +21224,7 @@
                   <a:srgbClr val="FFFFFF"/>
                 </a:solidFill>
               </a:rPr>
-              <a:t>Übung </a:t>
-            </a:r>
-            <a:r>
-              <a:rPr lang="de-DE" altLang="de-DE" sz="4000" dirty="0" smtClean="0">
-                <a:solidFill>
-                  <a:srgbClr val="FFFFFF"/>
-                </a:solidFill>
-              </a:rPr>
-              <a:t>2</a:t>
+              <a:t>Übung 2</a:t>
             </a:r>
           </a:p>
         </p:txBody>
@@ -21299,11 +21302,7 @@
             </a:r>
             <a:r>
               <a:rPr lang="de-DE" altLang="de-DE" sz="2800" dirty="0" smtClean="0"/>
-              <a:t> </a:t>
-            </a:r>
-            <a:r>
-              <a:rPr lang="de-DE" altLang="de-DE" sz="2800" dirty="0" smtClean="0"/>
-              <a:t>schreibt.</a:t>
+              <a:t> schreibt.</a:t>
             </a:r>
           </a:p>
           <a:p>
@@ -21619,11 +21618,6 @@
               </a:rPr>
               <a:t>Übung 3</a:t>
             </a:r>
-            <a:endParaRPr lang="de-DE" altLang="de-DE" sz="4000" dirty="0" smtClean="0">
-              <a:solidFill>
-                <a:srgbClr val="FFFFFF"/>
-              </a:solidFill>
-            </a:endParaRPr>
           </a:p>
         </p:txBody>
       </p:sp>
@@ -22159,15 +22153,7 @@
                   <a:srgbClr val="FFFFFF"/>
                 </a:solidFill>
               </a:rPr>
-              <a:t>Übung </a:t>
-            </a:r>
-            <a:r>
-              <a:rPr lang="de-DE" altLang="de-DE" sz="4000" dirty="0" smtClean="0">
-                <a:solidFill>
-                  <a:srgbClr val="FFFFFF"/>
-                </a:solidFill>
-              </a:rPr>
-              <a:t>4</a:t>
+              <a:t>Übung 4</a:t>
             </a:r>
           </a:p>
         </p:txBody>
@@ -22731,15 +22717,7 @@
                   <a:srgbClr val="FFFFFF"/>
                 </a:solidFill>
               </a:rPr>
-              <a:t>Übung </a:t>
-            </a:r>
-            <a:r>
-              <a:rPr lang="de-DE" altLang="de-DE" sz="4000" dirty="0" smtClean="0">
-                <a:solidFill>
-                  <a:srgbClr val="FFFFFF"/>
-                </a:solidFill>
-              </a:rPr>
-              <a:t>5</a:t>
+              <a:t>Übung 5</a:t>
             </a:r>
           </a:p>
         </p:txBody>
@@ -23172,8 +23150,16 @@
               </a:tabLst>
             </a:pPr>
             <a:r>
-              <a:rPr lang="de-DE" altLang="de-DE" sz="2800" smtClean="0"/>
-              <a:t>In der letzten Vorlesung am 09.06.2015 werden die Ergebnisse von jeder Gruppe kurz vorgestellt</a:t>
+              <a:rPr lang="de-DE" altLang="de-DE" sz="2800" dirty="0" smtClean="0"/>
+              <a:t>In der letzten Vorlesung am </a:t>
+            </a:r>
+            <a:r>
+              <a:rPr lang="de-DE" altLang="de-DE" sz="2800" dirty="0" smtClean="0"/>
+              <a:t>14.06.2016 </a:t>
+            </a:r>
+            <a:r>
+              <a:rPr lang="de-DE" altLang="de-DE" sz="2800" dirty="0" smtClean="0"/>
+              <a:t>werden die Ergebnisse von jeder Gruppe kurz vorgestellt</a:t>
             </a:r>
           </a:p>
           <a:p>
@@ -23200,7 +23186,7 @@
               </a:tabLst>
             </a:pPr>
             <a:r>
-              <a:rPr lang="de-DE" altLang="de-DE" sz="2800" smtClean="0"/>
+              <a:rPr lang="de-DE" altLang="de-DE" sz="2800" dirty="0" smtClean="0"/>
               <a:t>Die Teilnahme an diesem Interview ist für alle Teammitglieder verpflichtend</a:t>
             </a:r>
           </a:p>
@@ -23227,7 +23213,7 @@
                 <a:tab pos="8686800" algn="l"/>
               </a:tabLst>
             </a:pPr>
-            <a:endParaRPr lang="de-DE" altLang="de-DE" sz="2800" smtClean="0"/>
+            <a:endParaRPr lang="de-DE" altLang="de-DE" sz="2800" dirty="0" smtClean="0"/>
           </a:p>
           <a:p>
             <a:pPr marL="269875" indent="-269875" eaLnBrk="1">
@@ -23253,7 +23239,7 @@
               </a:tabLst>
             </a:pPr>
             <a:r>
-              <a:rPr lang="de-DE" altLang="de-DE" sz="2800" smtClean="0"/>
+              <a:rPr lang="de-DE" altLang="de-DE" sz="2800" dirty="0" smtClean="0"/>
               <a:t>Die Termine für die einzelnen Teams werden per Doodle-Umfrage im Verlauf des Semesters festgelegt</a:t>
             </a:r>
           </a:p>
@@ -25594,7 +25580,7 @@
         <a:effectLst/>
         <a:extLst>
           <a:ext uri="{AF507438-7753-43E0-B8FC-AC1667EBCBE1}">
-            <a14:hiddenEffects xmlns:a14="http://schemas.microsoft.com/office/drawing/2010/main" xmlns="">
+            <a14:hiddenEffects xmlns:a14="http://schemas.microsoft.com/office/drawing/2010/main">
               <a:effectLst>
                 <a:outerShdw dist="35921" dir="2700000" algn="ctr" rotWithShape="0">
                   <a:schemeClr val="bg2"/>
@@ -25667,7 +25653,7 @@
         <a:effectLst/>
         <a:extLst>
           <a:ext uri="{AF507438-7753-43E0-B8FC-AC1667EBCBE1}">
-            <a14:hiddenEffects xmlns:a14="http://schemas.microsoft.com/office/drawing/2010/main" xmlns="">
+            <a14:hiddenEffects xmlns:a14="http://schemas.microsoft.com/office/drawing/2010/main">
               <a:effectLst>
                 <a:outerShdw dist="35921" dir="2700000" algn="ctr" rotWithShape="0">
                   <a:schemeClr val="bg2"/>
@@ -26003,7 +25989,7 @@
   </a:extraClrSchemeLst>
   <a:extLst>
     <a:ext uri="{05A4C25C-085E-4340-85A3-A5531E510DB2}">
-      <thm15:themeFamily xmlns:thm15="http://schemas.microsoft.com/office/thememl/2012/main" xmlns="" name="Office Theme" id="{62F939B6-93AF-4DB8-9C6B-D6C7DFDC589F}" vid="{4A3C46E8-61CC-4603-A589-7422A47A8E4A}"/>
+      <thm15:themeFamily xmlns:thm15="http://schemas.microsoft.com/office/thememl/2012/main" name="Office Theme" id="{62F939B6-93AF-4DB8-9C6B-D6C7DFDC589F}" vid="{4A3C46E8-61CC-4603-A589-7422A47A8E4A}"/>
     </a:ext>
   </a:extLst>
 </a:theme>
@@ -26264,7 +26250,7 @@
   <a:extraClrSchemeLst/>
   <a:extLst>
     <a:ext uri="{05A4C25C-085E-4340-85A3-A5531E510DB2}">
-      <thm15:themeFamily xmlns:thm15="http://schemas.microsoft.com/office/thememl/2012/main" xmlns="" name="Office Theme" id="{62F939B6-93AF-4DB8-9C6B-D6C7DFDC589F}" vid="{4A3C46E8-61CC-4603-A589-7422A47A8E4A}"/>
+      <thm15:themeFamily xmlns:thm15="http://schemas.microsoft.com/office/thememl/2012/main" name="Office Theme" id="{62F939B6-93AF-4DB8-9C6B-D6C7DFDC589F}" vid="{4A3C46E8-61CC-4603-A589-7422A47A8E4A}"/>
     </a:ext>
   </a:extLst>
 </a:theme>
